--- a/Quantum Chip/Superconducting Quantum Chip.pptx
+++ b/Quantum Chip/Superconducting Quantum Chip.pptx
@@ -12,7 +12,9 @@
     <p:sldId id="260" r:id="rId7"/>
     <p:sldId id="261" r:id="rId8"/>
     <p:sldId id="262" r:id="rId9"/>
-    <p:sldId id="263" r:id="rId10"/>
+    <p:sldId id="264" r:id="rId10"/>
+    <p:sldId id="265" r:id="rId11"/>
+    <p:sldId id="263" r:id="rId12"/>
   </p:sldIdLst>
   <p:sldSz cx="12192000" cy="6858000"/>
   <p:notesSz cx="6858000" cy="9144000"/>
@@ -3415,3010 +3417,7 @@
 </p:sld>
 </file>
 
-<file path=ppt/slides/slide2.xml><?xml version="1.0" encoding="utf-8"?>
-<p:sld xmlns:a="http://schemas.openxmlformats.org/drawingml/2006/main" xmlns:r="http://schemas.openxmlformats.org/officeDocument/2006/relationships" xmlns:p="http://schemas.openxmlformats.org/presentationml/2006/main">
-  <p:cSld>
-    <p:bg>
-      <p:bgPr>
-        <a:blipFill rotWithShape="1">
-          <a:blip r:embed="rId1"/>
-          <a:stretch>
-            <a:fillRect/>
-          </a:stretch>
-        </a:blipFill>
-        <a:effectLst/>
-      </p:bgPr>
-    </p:bg>
-    <p:spTree>
-      <p:nvGrpSpPr>
-        <p:cNvPr id="1" name=""/>
-        <p:cNvGrpSpPr/>
-        <p:nvPr/>
-      </p:nvGrpSpPr>
-      <p:grpSpPr>
-        <a:xfrm>
-          <a:off x="0" y="0"/>
-          <a:ext cx="0" cy="0"/>
-          <a:chOff x="0" y="0"/>
-          <a:chExt cx="0" cy="0"/>
-        </a:xfrm>
-      </p:grpSpPr>
-      <p:sp>
-        <p:nvSpPr>
-          <p:cNvPr id="5" name="矩形 4"/>
-          <p:cNvSpPr/>
-          <p:nvPr/>
-        </p:nvSpPr>
-        <p:spPr>
-          <a:xfrm>
-            <a:off x="0" y="0"/>
-            <a:ext cx="12191365" cy="6858000"/>
-          </a:xfrm>
-          <a:prstGeom prst="rect">
-            <a:avLst/>
-          </a:prstGeom>
-          <a:solidFill>
-            <a:schemeClr val="tx2">
-              <a:lumMod val="90000"/>
-              <a:lumOff val="10000"/>
-              <a:alpha val="47000"/>
-            </a:schemeClr>
-          </a:solidFill>
-          <a:ln>
-            <a:solidFill>
-              <a:schemeClr val="tx2">
-                <a:lumMod val="50000"/>
-                <a:lumOff val="50000"/>
-              </a:schemeClr>
-            </a:solidFill>
-          </a:ln>
-        </p:spPr>
-        <p:style>
-          <a:lnRef idx="2">
-            <a:schemeClr val="accent1">
-              <a:shade val="50000"/>
-            </a:schemeClr>
-          </a:lnRef>
-          <a:fillRef idx="1">
-            <a:schemeClr val="accent1"/>
-          </a:fillRef>
-          <a:effectRef idx="0">
-            <a:schemeClr val="accent1"/>
-          </a:effectRef>
-          <a:fontRef idx="minor">
-            <a:schemeClr val="lt1"/>
-          </a:fontRef>
-        </p:style>
-        <p:txBody>
-          <a:bodyPr rtlCol="0" anchor="ctr"/>
-          <a:p>
-            <a:pPr algn="ctr"/>
-            <a:endParaRPr lang="zh-CN" altLang="en-US"/>
-          </a:p>
-        </p:txBody>
-      </p:sp>
-      <p:sp>
-        <p:nvSpPr>
-          <p:cNvPr id="17" name="文本框 16"/>
-          <p:cNvSpPr txBox="1"/>
-          <p:nvPr>
-            <p:custDataLst>
-              <p:tags r:id="rId2"/>
-            </p:custDataLst>
-          </p:nvPr>
-        </p:nvSpPr>
-        <p:spPr>
-          <a:xfrm>
-            <a:off x="5768975" y="1936113"/>
-            <a:ext cx="958850" cy="768350"/>
-          </a:xfrm>
-          <a:prstGeom prst="rect">
-            <a:avLst/>
-          </a:prstGeom>
-          <a:noFill/>
-        </p:spPr>
-        <p:txBody>
-          <a:bodyPr wrap="square" rtlCol="0">
-            <a:normAutofit/>
-          </a:bodyPr>
-          <a:lstStyle/>
-          <a:p>
-            <a:r>
-              <a:rPr lang="en-US" altLang="zh-CN" sz="4400" b="1" dirty="0">
-                <a:solidFill>
-                  <a:schemeClr val="bg1"/>
-                </a:solidFill>
-                <a:latin typeface="Arial" panose="020B0604020202020204" pitchFamily="34" charset="0"/>
-                <a:ea typeface="微软雅黑" panose="020B0503020204020204" pitchFamily="34" charset="-122"/>
-                <a:cs typeface="Arial" panose="020B0604020202020204" pitchFamily="34" charset="0"/>
-                <a:sym typeface="Arial" panose="020B0604020202020204" pitchFamily="34" charset="0"/>
-              </a:rPr>
-              <a:t>01.</a:t>
-            </a:r>
-            <a:endParaRPr lang="en-US" altLang="zh-CN" sz="4400" b="1" dirty="0">
-              <a:solidFill>
-                <a:schemeClr val="bg1"/>
-              </a:solidFill>
-              <a:latin typeface="Arial" panose="020B0604020202020204" pitchFamily="34" charset="0"/>
-              <a:ea typeface="微软雅黑" panose="020B0503020204020204" pitchFamily="34" charset="-122"/>
-              <a:cs typeface="Arial" panose="020B0604020202020204" pitchFamily="34" charset="0"/>
-              <a:sym typeface="Arial" panose="020B0604020202020204" pitchFamily="34" charset="0"/>
-            </a:endParaRPr>
-          </a:p>
-        </p:txBody>
-      </p:sp>
-      <p:sp>
-        <p:nvSpPr>
-          <p:cNvPr id="18" name="文本框 17"/>
-          <p:cNvSpPr txBox="1"/>
-          <p:nvPr>
-            <p:custDataLst>
-              <p:tags r:id="rId3"/>
-            </p:custDataLst>
-          </p:nvPr>
-        </p:nvSpPr>
-        <p:spPr>
-          <a:xfrm>
-            <a:off x="6878955" y="1936113"/>
-            <a:ext cx="4246245" cy="770400"/>
-          </a:xfrm>
-          <a:prstGeom prst="rect">
-            <a:avLst/>
-          </a:prstGeom>
-          <a:noFill/>
-        </p:spPr>
-        <p:txBody>
-          <a:bodyPr wrap="square" bIns="46990" rtlCol="0" anchor="ctr" anchorCtr="0">
-            <a:normAutofit/>
-          </a:bodyPr>
-          <a:lstStyle/>
-          <a:p>
-            <a:pPr fontAlgn="auto">
-              <a:lnSpc>
-                <a:spcPct val="120000"/>
-              </a:lnSpc>
-            </a:pPr>
-            <a:r>
-              <a:rPr lang="zh-CN" altLang="en-US" sz="2000" b="1" dirty="0">
-                <a:solidFill>
-                  <a:schemeClr val="bg1"/>
-                </a:solidFill>
-                <a:latin typeface="Arial" panose="020B0604020202020204" pitchFamily="34" charset="0"/>
-                <a:ea typeface="微软雅黑" panose="020B0503020204020204" pitchFamily="34" charset="-122"/>
-                <a:cs typeface="微软雅黑" panose="020B0503020204020204" pitchFamily="34" charset="-122"/>
-                <a:sym typeface="Arial" panose="020B0604020202020204" pitchFamily="34" charset="0"/>
-              </a:rPr>
-              <a:t>超导量子计算简介</a:t>
-            </a:r>
-            <a:endParaRPr lang="zh-CN" altLang="en-US" sz="2000" b="1" dirty="0">
-              <a:solidFill>
-                <a:schemeClr val="bg1"/>
-              </a:solidFill>
-              <a:latin typeface="Arial" panose="020B0604020202020204" pitchFamily="34" charset="0"/>
-              <a:ea typeface="微软雅黑" panose="020B0503020204020204" pitchFamily="34" charset="-122"/>
-              <a:cs typeface="微软雅黑" panose="020B0503020204020204" pitchFamily="34" charset="-122"/>
-              <a:sym typeface="Arial" panose="020B0604020202020204" pitchFamily="34" charset="0"/>
-            </a:endParaRPr>
-          </a:p>
-        </p:txBody>
-      </p:sp>
-      <p:sp>
-        <p:nvSpPr>
-          <p:cNvPr id="26" name="文本框 25"/>
-          <p:cNvSpPr txBox="1"/>
-          <p:nvPr>
-            <p:custDataLst>
-              <p:tags r:id="rId4"/>
-            </p:custDataLst>
-          </p:nvPr>
-        </p:nvSpPr>
-        <p:spPr>
-          <a:xfrm>
-            <a:off x="5768975" y="2948305"/>
-            <a:ext cx="958850" cy="768350"/>
-          </a:xfrm>
-          <a:prstGeom prst="rect">
-            <a:avLst/>
-          </a:prstGeom>
-          <a:noFill/>
-        </p:spPr>
-        <p:txBody>
-          <a:bodyPr wrap="square" rtlCol="0">
-            <a:normAutofit/>
-          </a:bodyPr>
-          <a:lstStyle/>
-          <a:p>
-            <a:r>
-              <a:rPr lang="en-US" altLang="zh-CN" sz="4400" b="1" dirty="0">
-                <a:solidFill>
-                  <a:schemeClr val="bg1"/>
-                </a:solidFill>
-                <a:latin typeface="Arial" panose="020B0604020202020204" pitchFamily="34" charset="0"/>
-                <a:ea typeface="微软雅黑" panose="020B0503020204020204" pitchFamily="34" charset="-122"/>
-                <a:cs typeface="Arial" panose="020B0604020202020204" pitchFamily="34" charset="0"/>
-                <a:sym typeface="Arial" panose="020B0604020202020204" pitchFamily="34" charset="0"/>
-              </a:rPr>
-              <a:t>02.</a:t>
-            </a:r>
-            <a:endParaRPr lang="en-US" altLang="zh-CN" sz="4400" b="1" dirty="0">
-              <a:solidFill>
-                <a:schemeClr val="bg1"/>
-              </a:solidFill>
-              <a:latin typeface="Arial" panose="020B0604020202020204" pitchFamily="34" charset="0"/>
-              <a:ea typeface="微软雅黑" panose="020B0503020204020204" pitchFamily="34" charset="-122"/>
-              <a:cs typeface="Arial" panose="020B0604020202020204" pitchFamily="34" charset="0"/>
-              <a:sym typeface="Arial" panose="020B0604020202020204" pitchFamily="34" charset="0"/>
-            </a:endParaRPr>
-          </a:p>
-        </p:txBody>
-      </p:sp>
-      <p:sp>
-        <p:nvSpPr>
-          <p:cNvPr id="29" name="文本框 28"/>
-          <p:cNvSpPr txBox="1"/>
-          <p:nvPr>
-            <p:custDataLst>
-              <p:tags r:id="rId5"/>
-            </p:custDataLst>
-          </p:nvPr>
-        </p:nvSpPr>
-        <p:spPr>
-          <a:xfrm>
-            <a:off x="5768975" y="3960494"/>
-            <a:ext cx="958850" cy="768350"/>
-          </a:xfrm>
-          <a:prstGeom prst="rect">
-            <a:avLst/>
-          </a:prstGeom>
-          <a:noFill/>
-        </p:spPr>
-        <p:txBody>
-          <a:bodyPr wrap="square" rtlCol="0">
-            <a:normAutofit/>
-          </a:bodyPr>
-          <a:lstStyle/>
-          <a:p>
-            <a:r>
-              <a:rPr lang="en-US" altLang="zh-CN" sz="4400" b="1">
-                <a:solidFill>
-                  <a:schemeClr val="bg1"/>
-                </a:solidFill>
-                <a:latin typeface="Arial" panose="020B0604020202020204" pitchFamily="34" charset="0"/>
-                <a:ea typeface="微软雅黑" panose="020B0503020204020204" pitchFamily="34" charset="-122"/>
-                <a:cs typeface="Arial" panose="020B0604020202020204" pitchFamily="34" charset="0"/>
-                <a:sym typeface="Arial" panose="020B0604020202020204" pitchFamily="34" charset="0"/>
-              </a:rPr>
-              <a:t>03.</a:t>
-            </a:r>
-            <a:endParaRPr lang="en-US" altLang="zh-CN" sz="4400" b="1">
-              <a:solidFill>
-                <a:schemeClr val="bg1"/>
-              </a:solidFill>
-              <a:latin typeface="Arial" panose="020B0604020202020204" pitchFamily="34" charset="0"/>
-              <a:ea typeface="微软雅黑" panose="020B0503020204020204" pitchFamily="34" charset="-122"/>
-              <a:cs typeface="Arial" panose="020B0604020202020204" pitchFamily="34" charset="0"/>
-              <a:sym typeface="Arial" panose="020B0604020202020204" pitchFamily="34" charset="0"/>
-            </a:endParaRPr>
-          </a:p>
-        </p:txBody>
-      </p:sp>
-      <p:sp>
-        <p:nvSpPr>
-          <p:cNvPr id="32" name="文本框 31"/>
-          <p:cNvSpPr txBox="1"/>
-          <p:nvPr>
-            <p:custDataLst>
-              <p:tags r:id="rId6"/>
-            </p:custDataLst>
-          </p:nvPr>
-        </p:nvSpPr>
-        <p:spPr>
-          <a:xfrm>
-            <a:off x="5768975" y="4972685"/>
-            <a:ext cx="958850" cy="768350"/>
-          </a:xfrm>
-          <a:prstGeom prst="rect">
-            <a:avLst/>
-          </a:prstGeom>
-          <a:noFill/>
-        </p:spPr>
-        <p:txBody>
-          <a:bodyPr wrap="square" rtlCol="0">
-            <a:normAutofit/>
-          </a:bodyPr>
-          <a:lstStyle/>
-          <a:p>
-            <a:r>
-              <a:rPr lang="en-US" altLang="zh-CN" sz="4400" b="1">
-                <a:solidFill>
-                  <a:schemeClr val="bg1"/>
-                </a:solidFill>
-                <a:latin typeface="Arial" panose="020B0604020202020204" pitchFamily="34" charset="0"/>
-                <a:ea typeface="微软雅黑" panose="020B0503020204020204" pitchFamily="34" charset="-122"/>
-                <a:cs typeface="Arial" panose="020B0604020202020204" pitchFamily="34" charset="0"/>
-                <a:sym typeface="Arial" panose="020B0604020202020204" pitchFamily="34" charset="0"/>
-              </a:rPr>
-              <a:t>04.</a:t>
-            </a:r>
-            <a:endParaRPr lang="en-US" altLang="zh-CN" sz="4400" b="1">
-              <a:solidFill>
-                <a:schemeClr val="bg1"/>
-              </a:solidFill>
-              <a:latin typeface="Arial" panose="020B0604020202020204" pitchFamily="34" charset="0"/>
-              <a:ea typeface="微软雅黑" panose="020B0503020204020204" pitchFamily="34" charset="-122"/>
-              <a:cs typeface="Arial" panose="020B0604020202020204" pitchFamily="34" charset="0"/>
-              <a:sym typeface="Arial" panose="020B0604020202020204" pitchFamily="34" charset="0"/>
-            </a:endParaRPr>
-          </a:p>
-        </p:txBody>
-      </p:sp>
-      <p:cxnSp>
-        <p:nvCxnSpPr>
-          <p:cNvPr id="38" name="直接连接符 37"/>
-          <p:cNvCxnSpPr/>
-          <p:nvPr>
-            <p:custDataLst>
-              <p:tags r:id="rId7"/>
-            </p:custDataLst>
-          </p:nvPr>
-        </p:nvCxnSpPr>
-        <p:spPr>
-          <a:xfrm>
-            <a:off x="5876925" y="1515110"/>
-            <a:ext cx="5248275" cy="0"/>
-          </a:xfrm>
-          <a:prstGeom prst="line">
-            <a:avLst/>
-          </a:prstGeom>
-          <a:ln w="19050">
-            <a:solidFill>
-              <a:schemeClr val="bg1">
-                <a:lumMod val="75000"/>
-              </a:schemeClr>
-            </a:solidFill>
-            <a:prstDash val="solid"/>
-          </a:ln>
-        </p:spPr>
-        <p:style>
-          <a:lnRef idx="1">
-            <a:schemeClr val="accent1"/>
-          </a:lnRef>
-          <a:fillRef idx="0">
-            <a:schemeClr val="accent1"/>
-          </a:fillRef>
-          <a:effectRef idx="0">
-            <a:schemeClr val="accent1"/>
-          </a:effectRef>
-          <a:fontRef idx="minor">
-            <a:schemeClr val="tx1"/>
-          </a:fontRef>
-        </p:style>
-      </p:cxnSp>
-      <p:sp>
-        <p:nvSpPr>
-          <p:cNvPr id="14" name="文本框 13"/>
-          <p:cNvSpPr txBox="1"/>
-          <p:nvPr>
-            <p:custDataLst>
-              <p:tags r:id="rId8"/>
-            </p:custDataLst>
-          </p:nvPr>
-        </p:nvSpPr>
-        <p:spPr>
-          <a:xfrm>
-            <a:off x="887096" y="1393190"/>
-            <a:ext cx="1851660" cy="768350"/>
-          </a:xfrm>
-          <a:prstGeom prst="rect">
-            <a:avLst/>
-          </a:prstGeom>
-          <a:noFill/>
-        </p:spPr>
-        <p:txBody>
-          <a:bodyPr wrap="square" rtlCol="0">
-            <a:normAutofit fontScale="87500"/>
-          </a:bodyPr>
-          <a:lstStyle/>
-          <a:p>
-            <a:pPr algn="r"/>
-            <a:r>
-              <a:rPr lang="zh-CN" altLang="en-US" sz="4400" b="1" spc="300" dirty="0">
-                <a:solidFill>
-                  <a:schemeClr val="bg1"/>
-                </a:solidFill>
-                <a:latin typeface="Arial" panose="020B0604020202020204" pitchFamily="34" charset="0"/>
-                <a:ea typeface="微软雅黑" panose="020B0503020204020204" pitchFamily="34" charset="-122"/>
-                <a:sym typeface="Arial" panose="020B0604020202020204" pitchFamily="34" charset="0"/>
-              </a:rPr>
-              <a:t>目录</a:t>
-            </a:r>
-            <a:endParaRPr lang="zh-CN" altLang="en-US" sz="4400" b="1" spc="300" dirty="0">
-              <a:solidFill>
-                <a:schemeClr val="bg1"/>
-              </a:solidFill>
-              <a:latin typeface="Arial" panose="020B0604020202020204" pitchFamily="34" charset="0"/>
-              <a:ea typeface="微软雅黑" panose="020B0503020204020204" pitchFamily="34" charset="-122"/>
-              <a:sym typeface="Arial" panose="020B0604020202020204" pitchFamily="34" charset="0"/>
-            </a:endParaRPr>
-          </a:p>
-        </p:txBody>
-      </p:sp>
-      <p:sp>
-        <p:nvSpPr>
-          <p:cNvPr id="15" name="文本框 14"/>
-          <p:cNvSpPr txBox="1"/>
-          <p:nvPr>
-            <p:custDataLst>
-              <p:tags r:id="rId9"/>
-            </p:custDataLst>
-          </p:nvPr>
-        </p:nvSpPr>
-        <p:spPr>
-          <a:xfrm>
-            <a:off x="887095" y="2161540"/>
-            <a:ext cx="1851660" cy="368300"/>
-          </a:xfrm>
-          <a:prstGeom prst="rect">
-            <a:avLst/>
-          </a:prstGeom>
-          <a:noFill/>
-        </p:spPr>
-        <p:txBody>
-          <a:bodyPr wrap="square" rtlCol="0">
-            <a:normAutofit/>
-          </a:bodyPr>
-          <a:lstStyle/>
-          <a:p>
-            <a:pPr algn="r"/>
-            <a:r>
-              <a:rPr lang="en-US" altLang="zh-CN" spc="300" dirty="0">
-                <a:solidFill>
-                  <a:schemeClr val="bg1"/>
-                </a:solidFill>
-                <a:latin typeface="Arial" panose="020B0604020202020204" pitchFamily="34" charset="0"/>
-                <a:ea typeface="微软雅黑" panose="020B0503020204020204" pitchFamily="34" charset="-122"/>
-                <a:cs typeface="Arial" panose="020B0604020202020204" pitchFamily="34" charset="0"/>
-                <a:sym typeface="Arial" panose="020B0604020202020204" pitchFamily="34" charset="0"/>
-              </a:rPr>
-              <a:t>CONTENTS</a:t>
-            </a:r>
-            <a:endParaRPr lang="en-US" altLang="zh-CN" spc="300" dirty="0">
-              <a:solidFill>
-                <a:schemeClr val="bg1"/>
-              </a:solidFill>
-              <a:latin typeface="Arial" panose="020B0604020202020204" pitchFamily="34" charset="0"/>
-              <a:ea typeface="微软雅黑" panose="020B0503020204020204" pitchFamily="34" charset="-122"/>
-              <a:cs typeface="Arial" panose="020B0604020202020204" pitchFamily="34" charset="0"/>
-              <a:sym typeface="Arial" panose="020B0604020202020204" pitchFamily="34" charset="0"/>
-            </a:endParaRPr>
-          </a:p>
-        </p:txBody>
-      </p:sp>
-      <p:sp>
-        <p:nvSpPr>
-          <p:cNvPr id="16" name="矩形 15"/>
-          <p:cNvSpPr/>
-          <p:nvPr>
-            <p:custDataLst>
-              <p:tags r:id="rId10"/>
-            </p:custDataLst>
-          </p:nvPr>
-        </p:nvSpPr>
-        <p:spPr>
-          <a:xfrm>
-            <a:off x="2897505" y="1515110"/>
-            <a:ext cx="76200" cy="922655"/>
-          </a:xfrm>
-          <a:prstGeom prst="rect">
-            <a:avLst/>
-          </a:prstGeom>
-          <a:solidFill>
-            <a:schemeClr val="bg1"/>
-          </a:solidFill>
-          <a:ln>
-            <a:noFill/>
-          </a:ln>
-        </p:spPr>
-        <p:style>
-          <a:lnRef idx="2">
-            <a:schemeClr val="accent1">
-              <a:shade val="50000"/>
-            </a:schemeClr>
-          </a:lnRef>
-          <a:fillRef idx="1">
-            <a:schemeClr val="accent1"/>
-          </a:fillRef>
-          <a:effectRef idx="0">
-            <a:schemeClr val="accent1"/>
-          </a:effectRef>
-          <a:fontRef idx="minor">
-            <a:schemeClr val="lt1"/>
-          </a:fontRef>
-        </p:style>
-        <p:txBody>
-          <a:bodyPr rtlCol="0" anchor="ctr"/>
-          <a:lstStyle/>
-          <a:p>
-            <a:pPr algn="ctr"/>
-            <a:endParaRPr lang="zh-CN" altLang="en-US">
-              <a:solidFill>
-                <a:schemeClr val="bg1"/>
-              </a:solidFill>
-              <a:latin typeface="Arial" panose="020B0604020202020204" pitchFamily="34" charset="0"/>
-              <a:ea typeface="微软雅黑" panose="020B0503020204020204" pitchFamily="34" charset="-122"/>
-              <a:sym typeface="Arial" panose="020B0604020202020204" pitchFamily="34" charset="0"/>
-            </a:endParaRPr>
-          </a:p>
-        </p:txBody>
-      </p:sp>
-      <p:sp>
-        <p:nvSpPr>
-          <p:cNvPr id="19" name="文本框 18"/>
-          <p:cNvSpPr txBox="1"/>
-          <p:nvPr>
-            <p:custDataLst>
-              <p:tags r:id="rId11"/>
-            </p:custDataLst>
-          </p:nvPr>
-        </p:nvSpPr>
-        <p:spPr>
-          <a:xfrm>
-            <a:off x="6878955" y="2948305"/>
-            <a:ext cx="4246245" cy="770400"/>
-          </a:xfrm>
-          <a:prstGeom prst="rect">
-            <a:avLst/>
-          </a:prstGeom>
-          <a:noFill/>
-        </p:spPr>
-        <p:txBody>
-          <a:bodyPr wrap="square" bIns="46990" rtlCol="0" anchor="ctr" anchorCtr="0">
-            <a:normAutofit/>
-          </a:bodyPr>
-          <a:lstStyle/>
-          <a:p>
-            <a:pPr fontAlgn="auto">
-              <a:lnSpc>
-                <a:spcPct val="120000"/>
-              </a:lnSpc>
-            </a:pPr>
-            <a:r>
-              <a:rPr lang="zh-CN" altLang="en-US" sz="2000" b="1" dirty="0">
-                <a:solidFill>
-                  <a:schemeClr val="bg1"/>
-                </a:solidFill>
-                <a:latin typeface="Arial" panose="020B0604020202020204" pitchFamily="34" charset="0"/>
-                <a:ea typeface="微软雅黑" panose="020B0503020204020204" pitchFamily="34" charset="-122"/>
-                <a:cs typeface="微软雅黑" panose="020B0503020204020204" pitchFamily="34" charset="-122"/>
-                <a:sym typeface="Arial" panose="020B0604020202020204" pitchFamily="34" charset="0"/>
-              </a:rPr>
-              <a:t>超导量子芯片制备全流程</a:t>
-            </a:r>
-            <a:endParaRPr lang="zh-CN" altLang="en-US" sz="2000" b="1" dirty="0">
-              <a:solidFill>
-                <a:schemeClr val="bg1"/>
-              </a:solidFill>
-              <a:latin typeface="Arial" panose="020B0604020202020204" pitchFamily="34" charset="0"/>
-              <a:ea typeface="微软雅黑" panose="020B0503020204020204" pitchFamily="34" charset="-122"/>
-              <a:cs typeface="微软雅黑" panose="020B0503020204020204" pitchFamily="34" charset="-122"/>
-              <a:sym typeface="Arial" panose="020B0604020202020204" pitchFamily="34" charset="0"/>
-            </a:endParaRPr>
-          </a:p>
-        </p:txBody>
-      </p:sp>
-      <p:sp>
-        <p:nvSpPr>
-          <p:cNvPr id="20" name="文本框 19"/>
-          <p:cNvSpPr txBox="1"/>
-          <p:nvPr>
-            <p:custDataLst>
-              <p:tags r:id="rId12"/>
-            </p:custDataLst>
-          </p:nvPr>
-        </p:nvSpPr>
-        <p:spPr>
-          <a:xfrm>
-            <a:off x="6878955" y="3960494"/>
-            <a:ext cx="4246245" cy="770400"/>
-          </a:xfrm>
-          <a:prstGeom prst="rect">
-            <a:avLst/>
-          </a:prstGeom>
-          <a:noFill/>
-        </p:spPr>
-        <p:txBody>
-          <a:bodyPr wrap="square" bIns="46990" rtlCol="0" anchor="ctr" anchorCtr="0">
-            <a:normAutofit/>
-          </a:bodyPr>
-          <a:lstStyle/>
-          <a:p>
-            <a:pPr fontAlgn="auto">
-              <a:lnSpc>
-                <a:spcPct val="120000"/>
-              </a:lnSpc>
-            </a:pPr>
-            <a:r>
-              <a:rPr lang="zh-CN" altLang="en-US" sz="2000" b="1" dirty="0">
-                <a:solidFill>
-                  <a:schemeClr val="bg1"/>
-                </a:solidFill>
-                <a:latin typeface="Arial" panose="020B0604020202020204" pitchFamily="34" charset="0"/>
-                <a:ea typeface="微软雅黑" panose="020B0503020204020204" pitchFamily="34" charset="-122"/>
-                <a:cs typeface="微软雅黑" panose="020B0503020204020204" pitchFamily="34" charset="-122"/>
-                <a:sym typeface="Arial" panose="020B0604020202020204" pitchFamily="34" charset="0"/>
-              </a:rPr>
-              <a:t>超导芯片设计自动化</a:t>
-            </a:r>
-            <a:endParaRPr lang="zh-CN" altLang="en-US" sz="2000" b="1" dirty="0">
-              <a:solidFill>
-                <a:schemeClr val="bg1"/>
-              </a:solidFill>
-              <a:latin typeface="Arial" panose="020B0604020202020204" pitchFamily="34" charset="0"/>
-              <a:ea typeface="微软雅黑" panose="020B0503020204020204" pitchFamily="34" charset="-122"/>
-              <a:cs typeface="微软雅黑" panose="020B0503020204020204" pitchFamily="34" charset="-122"/>
-              <a:sym typeface="Arial" panose="020B0604020202020204" pitchFamily="34" charset="0"/>
-            </a:endParaRPr>
-          </a:p>
-        </p:txBody>
-      </p:sp>
-      <p:sp>
-        <p:nvSpPr>
-          <p:cNvPr id="21" name="文本框 20"/>
-          <p:cNvSpPr txBox="1"/>
-          <p:nvPr>
-            <p:custDataLst>
-              <p:tags r:id="rId13"/>
-            </p:custDataLst>
-          </p:nvPr>
-        </p:nvSpPr>
-        <p:spPr>
-          <a:xfrm>
-            <a:off x="6878955" y="4972685"/>
-            <a:ext cx="4246245" cy="770400"/>
-          </a:xfrm>
-          <a:prstGeom prst="rect">
-            <a:avLst/>
-          </a:prstGeom>
-          <a:noFill/>
-        </p:spPr>
-        <p:txBody>
-          <a:bodyPr wrap="square" bIns="46990" rtlCol="0" anchor="ctr" anchorCtr="0">
-            <a:normAutofit/>
-          </a:bodyPr>
-          <a:lstStyle/>
-          <a:p>
-            <a:pPr fontAlgn="auto">
-              <a:lnSpc>
-                <a:spcPct val="120000"/>
-              </a:lnSpc>
-            </a:pPr>
-            <a:r>
-              <a:rPr lang="zh-CN" altLang="en-US" sz="2000" b="1" dirty="0">
-                <a:solidFill>
-                  <a:schemeClr val="bg1"/>
-                </a:solidFill>
-                <a:latin typeface="Arial" panose="020B0604020202020204" pitchFamily="34" charset="0"/>
-                <a:ea typeface="微软雅黑" panose="020B0503020204020204" pitchFamily="34" charset="-122"/>
-                <a:cs typeface="微软雅黑" panose="020B0503020204020204" pitchFamily="34" charset="-122"/>
-                <a:sym typeface="Arial" panose="020B0604020202020204" pitchFamily="34" charset="0"/>
-              </a:rPr>
-              <a:t>未来展望</a:t>
-            </a:r>
-            <a:endParaRPr lang="zh-CN" altLang="en-US" sz="2000" b="1" dirty="0">
-              <a:solidFill>
-                <a:schemeClr val="bg1"/>
-              </a:solidFill>
-              <a:latin typeface="Arial" panose="020B0604020202020204" pitchFamily="34" charset="0"/>
-              <a:ea typeface="微软雅黑" panose="020B0503020204020204" pitchFamily="34" charset="-122"/>
-              <a:cs typeface="微软雅黑" panose="020B0503020204020204" pitchFamily="34" charset="-122"/>
-              <a:sym typeface="Arial" panose="020B0604020202020204" pitchFamily="34" charset="0"/>
-            </a:endParaRPr>
-          </a:p>
-        </p:txBody>
-      </p:sp>
-    </p:spTree>
-    <p:custDataLst>
-      <p:tags r:id="rId14"/>
-    </p:custDataLst>
-  </p:cSld>
-  <p:clrMapOvr>
-    <a:masterClrMapping/>
-  </p:clrMapOvr>
-</p:sld>
-</file>
-
-<file path=ppt/slides/slide3.xml><?xml version="1.0" encoding="utf-8"?>
-<p:sld xmlns:a="http://schemas.openxmlformats.org/drawingml/2006/main" xmlns:r="http://schemas.openxmlformats.org/officeDocument/2006/relationships" xmlns:p="http://schemas.openxmlformats.org/presentationml/2006/main">
-  <p:cSld>
-    <p:spTree>
-      <p:nvGrpSpPr>
-        <p:cNvPr id="1" name=""/>
-        <p:cNvGrpSpPr/>
-        <p:nvPr/>
-      </p:nvGrpSpPr>
-      <p:grpSpPr/>
-      <p:sp>
-        <p:nvSpPr>
-          <p:cNvPr id="3" name="矩形 2"/>
-          <p:cNvSpPr/>
-          <p:nvPr/>
-        </p:nvSpPr>
-        <p:spPr>
-          <a:xfrm>
-            <a:off x="3841750" y="294005"/>
-            <a:ext cx="4508500" cy="582295"/>
-          </a:xfrm>
-          <a:prstGeom prst="rect">
-            <a:avLst/>
-          </a:prstGeom>
-          <a:gradFill>
-            <a:gsLst>
-              <a:gs pos="0">
-                <a:srgbClr val="007BD3"/>
-              </a:gs>
-              <a:gs pos="63000">
-                <a:srgbClr val="034373"/>
-              </a:gs>
-            </a:gsLst>
-            <a:lin ang="16200000" scaled="0"/>
-          </a:gradFill>
-          <a:effectLst/>
-        </p:spPr>
-        <p:style>
-          <a:lnRef idx="2">
-            <a:schemeClr val="accent1">
-              <a:shade val="50000"/>
-            </a:schemeClr>
-          </a:lnRef>
-          <a:fillRef idx="1">
-            <a:schemeClr val="accent1"/>
-          </a:fillRef>
-          <a:effectRef idx="0">
-            <a:schemeClr val="accent1"/>
-          </a:effectRef>
-          <a:fontRef idx="minor">
-            <a:schemeClr val="lt1"/>
-          </a:fontRef>
-        </p:style>
-        <p:txBody>
-          <a:bodyPr rtlCol="0" anchor="ctr"/>
-          <a:p>
-            <a:pPr algn="ctr"/>
-            <a:r>
-              <a:rPr lang="zh-CN" altLang="en-US" sz="2000" b="1"/>
-              <a:t>超导量子计算简介</a:t>
-            </a:r>
-            <a:endParaRPr lang="zh-CN" altLang="en-US" sz="2000" b="1"/>
-          </a:p>
-        </p:txBody>
-      </p:sp>
-      <p:sp>
-        <p:nvSpPr>
-          <p:cNvPr id="6" name="矩形 5"/>
-          <p:cNvSpPr/>
-          <p:nvPr/>
-        </p:nvSpPr>
-        <p:spPr>
-          <a:xfrm>
-            <a:off x="0" y="558165"/>
-            <a:ext cx="3841750" cy="54000"/>
-          </a:xfrm>
-          <a:prstGeom prst="rect">
-            <a:avLst/>
-          </a:prstGeom>
-          <a:gradFill>
-            <a:gsLst>
-              <a:gs pos="0">
-                <a:srgbClr val="007BD3"/>
-              </a:gs>
-              <a:gs pos="100000">
-                <a:srgbClr val="034373"/>
-              </a:gs>
-            </a:gsLst>
-            <a:lin ang="10800000" scaled="0"/>
-          </a:gradFill>
-        </p:spPr>
-        <p:style>
-          <a:lnRef idx="2">
-            <a:schemeClr val="accent1">
-              <a:shade val="50000"/>
-            </a:schemeClr>
-          </a:lnRef>
-          <a:fillRef idx="1">
-            <a:schemeClr val="accent1"/>
-          </a:fillRef>
-          <a:effectRef idx="0">
-            <a:schemeClr val="accent1"/>
-          </a:effectRef>
-          <a:fontRef idx="minor">
-            <a:schemeClr val="lt1"/>
-          </a:fontRef>
-        </p:style>
-        <p:txBody>
-          <a:bodyPr rtlCol="0" anchor="ctr"/>
-          <a:p>
-            <a:pPr algn="ctr"/>
-            <a:endParaRPr lang="zh-CN" altLang="en-US"/>
-          </a:p>
-        </p:txBody>
-      </p:sp>
-      <p:sp>
-        <p:nvSpPr>
-          <p:cNvPr id="7" name="矩形 6"/>
-          <p:cNvSpPr/>
-          <p:nvPr/>
-        </p:nvSpPr>
-        <p:spPr>
-          <a:xfrm>
-            <a:off x="8350250" y="558165"/>
-            <a:ext cx="3841750" cy="54000"/>
-          </a:xfrm>
-          <a:prstGeom prst="rect">
-            <a:avLst/>
-          </a:prstGeom>
-          <a:gradFill>
-            <a:gsLst>
-              <a:gs pos="100000">
-                <a:srgbClr val="007BD3"/>
-              </a:gs>
-              <a:gs pos="0">
-                <a:srgbClr val="034373"/>
-              </a:gs>
-            </a:gsLst>
-            <a:lin ang="10800000" scaled="0"/>
-          </a:gradFill>
-        </p:spPr>
-        <p:style>
-          <a:lnRef idx="2">
-            <a:schemeClr val="accent1">
-              <a:shade val="50000"/>
-            </a:schemeClr>
-          </a:lnRef>
-          <a:fillRef idx="1">
-            <a:schemeClr val="accent1"/>
-          </a:fillRef>
-          <a:effectRef idx="0">
-            <a:schemeClr val="accent1"/>
-          </a:effectRef>
-          <a:fontRef idx="minor">
-            <a:schemeClr val="lt1"/>
-          </a:fontRef>
-        </p:style>
-        <p:txBody>
-          <a:bodyPr rtlCol="0" anchor="ctr"/>
-          <a:p>
-            <a:pPr algn="ctr"/>
-            <a:endParaRPr lang="zh-CN" altLang="en-US"/>
-          </a:p>
-        </p:txBody>
-      </p:sp>
-      <p:sp>
-        <p:nvSpPr>
-          <p:cNvPr id="8" name="文本框 7"/>
-          <p:cNvSpPr txBox="1"/>
-          <p:nvPr/>
-        </p:nvSpPr>
-        <p:spPr>
-          <a:xfrm>
-            <a:off x="1104265" y="1922145"/>
-            <a:ext cx="5212080" cy="460375"/>
-          </a:xfrm>
-          <a:prstGeom prst="rect">
-            <a:avLst/>
-          </a:prstGeom>
-          <a:noFill/>
-        </p:spPr>
-        <p:txBody>
-          <a:bodyPr wrap="square" rtlCol="0">
-            <a:spAutoFit/>
-          </a:bodyPr>
-          <a:p>
-            <a:r>
-              <a:rPr lang="en-US" altLang="zh-CN" sz="2400" b="1">
-                <a:solidFill>
-                  <a:schemeClr val="accent1">
-                    <a:lumMod val="50000"/>
-                  </a:schemeClr>
-                </a:solidFill>
-                <a:effectLst>
-                  <a:outerShdw blurRad="38100" dist="19050" dir="2700000" algn="tl" rotWithShape="0">
-                    <a:schemeClr val="dk1">
-                      <a:alpha val="40000"/>
-                    </a:schemeClr>
-                  </a:outerShdw>
-                </a:effectLst>
-              </a:rPr>
-              <a:t>1. </a:t>
-            </a:r>
-            <a:r>
-              <a:rPr lang="zh-CN" altLang="en-US" sz="2400" b="1">
-                <a:solidFill>
-                  <a:schemeClr val="accent1">
-                    <a:lumMod val="50000"/>
-                  </a:schemeClr>
-                </a:solidFill>
-                <a:effectLst>
-                  <a:outerShdw blurRad="38100" dist="19050" dir="2700000" algn="tl" rotWithShape="0">
-                    <a:schemeClr val="dk1">
-                      <a:alpha val="40000"/>
-                    </a:schemeClr>
-                  </a:outerShdw>
-                </a:effectLst>
-              </a:rPr>
-              <a:t>从量子化</a:t>
-            </a:r>
-            <a:r>
-              <a:rPr lang="en-US" altLang="zh-CN" sz="2400" b="1">
-                <a:solidFill>
-                  <a:schemeClr val="accent1">
-                    <a:lumMod val="50000"/>
-                  </a:schemeClr>
-                </a:solidFill>
-                <a:effectLst>
-                  <a:outerShdw blurRad="38100" dist="19050" dir="2700000" algn="tl" rotWithShape="0">
-                    <a:schemeClr val="dk1">
-                      <a:alpha val="40000"/>
-                    </a:schemeClr>
-                  </a:outerShdw>
-                </a:effectLst>
-              </a:rPr>
-              <a:t> LC </a:t>
-            </a:r>
-            <a:r>
-              <a:rPr lang="zh-CN" altLang="en-US" sz="2400" b="1">
-                <a:solidFill>
-                  <a:schemeClr val="accent1">
-                    <a:lumMod val="50000"/>
-                  </a:schemeClr>
-                </a:solidFill>
-                <a:effectLst>
-                  <a:outerShdw blurRad="38100" dist="19050" dir="2700000" algn="tl" rotWithShape="0">
-                    <a:schemeClr val="dk1">
-                      <a:alpha val="40000"/>
-                    </a:schemeClr>
-                  </a:outerShdw>
-                </a:effectLst>
-              </a:rPr>
-              <a:t>电路到</a:t>
-            </a:r>
-            <a:r>
-              <a:rPr lang="en-US" altLang="zh-CN" sz="2400" b="1">
-                <a:solidFill>
-                  <a:schemeClr val="accent1">
-                    <a:lumMod val="50000"/>
-                  </a:schemeClr>
-                </a:solidFill>
-                <a:effectLst>
-                  <a:outerShdw blurRad="38100" dist="19050" dir="2700000" algn="tl" rotWithShape="0">
-                    <a:schemeClr val="dk1">
-                      <a:alpha val="40000"/>
-                    </a:schemeClr>
-                  </a:outerShdw>
-                </a:effectLst>
-              </a:rPr>
-              <a:t> Transmon</a:t>
-            </a:r>
-            <a:endParaRPr lang="en-US" altLang="zh-CN" sz="2400" b="1">
-              <a:solidFill>
-                <a:schemeClr val="accent1">
-                  <a:lumMod val="50000"/>
-                </a:schemeClr>
-              </a:solidFill>
-              <a:effectLst>
-                <a:outerShdw blurRad="38100" dist="19050" dir="2700000" algn="tl" rotWithShape="0">
-                  <a:schemeClr val="dk1">
-                    <a:alpha val="40000"/>
-                  </a:schemeClr>
-                </a:outerShdw>
-              </a:effectLst>
-            </a:endParaRPr>
-          </a:p>
-        </p:txBody>
-      </p:sp>
-      <p:sp>
-        <p:nvSpPr>
-          <p:cNvPr id="9" name="文本框 8"/>
-          <p:cNvSpPr txBox="1"/>
-          <p:nvPr/>
-        </p:nvSpPr>
-        <p:spPr>
-          <a:xfrm>
-            <a:off x="1104265" y="1106805"/>
-            <a:ext cx="9740900" cy="645160"/>
-          </a:xfrm>
-          <a:prstGeom prst="rect">
-            <a:avLst/>
-          </a:prstGeom>
-          <a:noFill/>
-        </p:spPr>
-        <p:txBody>
-          <a:bodyPr wrap="square" rtlCol="0">
-            <a:spAutoFit/>
-          </a:bodyPr>
-          <a:p>
-            <a:pPr>
-              <a:lnSpc>
-                <a:spcPct val="150000"/>
-              </a:lnSpc>
-            </a:pPr>
-            <a:r>
-              <a:rPr lang="zh-CN" altLang="en-US" sz="2400" b="1">
-                <a:solidFill>
-                  <a:schemeClr val="tx1"/>
-                </a:solidFill>
-                <a:effectLst>
-                  <a:outerShdw blurRad="38100" dist="19050" dir="2700000" algn="tl" rotWithShape="0">
-                    <a:schemeClr val="dk1">
-                      <a:alpha val="40000"/>
-                    </a:schemeClr>
-                  </a:outerShdw>
-                </a:effectLst>
-              </a:rPr>
-              <a:t>量子信息的物理载体：超导量子比特</a:t>
-            </a:r>
-            <a:r>
-              <a:rPr lang="en-US" altLang="zh-CN" sz="2400" b="1">
-                <a:solidFill>
-                  <a:schemeClr val="tx1"/>
-                </a:solidFill>
-                <a:effectLst>
-                  <a:outerShdw blurRad="38100" dist="19050" dir="2700000" algn="tl" rotWithShape="0">
-                    <a:schemeClr val="dk1">
-                      <a:alpha val="40000"/>
-                    </a:schemeClr>
-                  </a:outerShdw>
-                </a:effectLst>
-              </a:rPr>
-              <a:t>——</a:t>
-            </a:r>
-            <a:r>
-              <a:rPr lang="zh-CN" altLang="en-US" sz="2400" b="1">
-                <a:solidFill>
-                  <a:schemeClr val="tx1"/>
-                </a:solidFill>
-                <a:effectLst>
-                  <a:outerShdw blurRad="38100" dist="19050" dir="2700000" algn="tl" rotWithShape="0">
-                    <a:schemeClr val="dk1">
-                      <a:alpha val="40000"/>
-                    </a:schemeClr>
-                  </a:outerShdw>
-                </a:effectLst>
-              </a:rPr>
-              <a:t>超导电路构建的人工原子</a:t>
-            </a:r>
-            <a:endParaRPr lang="zh-CN" altLang="en-US" sz="2400" b="1">
-              <a:solidFill>
-                <a:schemeClr val="tx1"/>
-              </a:solidFill>
-              <a:effectLst>
-                <a:outerShdw blurRad="38100" dist="19050" dir="2700000" algn="tl" rotWithShape="0">
-                  <a:schemeClr val="dk1">
-                    <a:alpha val="40000"/>
-                  </a:schemeClr>
-                </a:outerShdw>
-              </a:effectLst>
-            </a:endParaRPr>
-          </a:p>
-        </p:txBody>
-      </p:sp>
-      <p:pic>
-        <p:nvPicPr>
-          <p:cNvPr id="10" name="图片 9"/>
-          <p:cNvPicPr>
-            <a:picLocks noChangeAspect="1"/>
-          </p:cNvPicPr>
-          <p:nvPr/>
-        </p:nvPicPr>
-        <p:blipFill>
-          <a:blip r:embed="rId1"/>
-          <a:stretch>
-            <a:fillRect/>
-          </a:stretch>
-        </p:blipFill>
-        <p:spPr>
-          <a:xfrm>
-            <a:off x="1696720" y="2618105"/>
-            <a:ext cx="3268980" cy="2714625"/>
-          </a:xfrm>
-          <a:prstGeom prst="rect">
-            <a:avLst/>
-          </a:prstGeom>
-        </p:spPr>
-      </p:pic>
-      <p:sp>
-        <p:nvSpPr>
-          <p:cNvPr id="11" name="文本框 10"/>
-          <p:cNvSpPr txBox="1"/>
-          <p:nvPr/>
-        </p:nvSpPr>
-        <p:spPr>
-          <a:xfrm>
-            <a:off x="1719580" y="5332730"/>
-            <a:ext cx="3223260" cy="337185"/>
-          </a:xfrm>
-          <a:prstGeom prst="rect">
-            <a:avLst/>
-          </a:prstGeom>
-          <a:noFill/>
-        </p:spPr>
-        <p:txBody>
-          <a:bodyPr wrap="square" rtlCol="0">
-            <a:spAutoFit/>
-          </a:bodyPr>
-          <a:p>
-            <a:pPr algn="ctr"/>
-            <a:r>
-              <a:rPr lang="en-US" altLang="zh-CN" sz="1600"/>
-              <a:t>Fig. 1. LC circuit</a:t>
-            </a:r>
-            <a:endParaRPr lang="en-US" altLang="zh-CN" sz="1600"/>
-          </a:p>
-        </p:txBody>
-      </p:sp>
-      <p:pic>
-        <p:nvPicPr>
-          <p:cNvPr id="13" name="图片 12"/>
-          <p:cNvPicPr>
-            <a:picLocks noChangeAspect="1"/>
-          </p:cNvPicPr>
-          <p:nvPr/>
-        </p:nvPicPr>
-        <p:blipFill>
-          <a:blip r:embed="rId2"/>
-          <a:srcRect r="1182" b="11659"/>
-          <a:stretch>
-            <a:fillRect/>
-          </a:stretch>
-        </p:blipFill>
-        <p:spPr>
-          <a:xfrm>
-            <a:off x="5251450" y="2593340"/>
-            <a:ext cx="6288405" cy="3508375"/>
-          </a:xfrm>
-          <a:prstGeom prst="rect">
-            <a:avLst/>
-          </a:prstGeom>
-        </p:spPr>
-      </p:pic>
-    </p:spTree>
-    <p:custDataLst>
-      <p:tags r:id="rId3"/>
-    </p:custDataLst>
-  </p:cSld>
-  <p:clrMapOvr>
-    <a:masterClrMapping/>
-  </p:clrMapOvr>
-</p:sld>
-</file>
-
-<file path=ppt/slides/slide4.xml><?xml version="1.0" encoding="utf-8"?>
-<p:sld xmlns:a="http://schemas.openxmlformats.org/drawingml/2006/main" xmlns:r="http://schemas.openxmlformats.org/officeDocument/2006/relationships" xmlns:p="http://schemas.openxmlformats.org/presentationml/2006/main">
-  <p:cSld>
-    <p:spTree>
-      <p:nvGrpSpPr>
-        <p:cNvPr id="1" name=""/>
-        <p:cNvGrpSpPr/>
-        <p:nvPr/>
-      </p:nvGrpSpPr>
-      <p:grpSpPr/>
-      <p:sp>
-        <p:nvSpPr>
-          <p:cNvPr id="3" name="矩形 2"/>
-          <p:cNvSpPr/>
-          <p:nvPr/>
-        </p:nvSpPr>
-        <p:spPr>
-          <a:xfrm>
-            <a:off x="3841750" y="294005"/>
-            <a:ext cx="4508500" cy="582295"/>
-          </a:xfrm>
-          <a:prstGeom prst="rect">
-            <a:avLst/>
-          </a:prstGeom>
-          <a:gradFill>
-            <a:gsLst>
-              <a:gs pos="0">
-                <a:srgbClr val="007BD3"/>
-              </a:gs>
-              <a:gs pos="63000">
-                <a:srgbClr val="034373"/>
-              </a:gs>
-            </a:gsLst>
-            <a:lin ang="16200000" scaled="0"/>
-          </a:gradFill>
-          <a:effectLst/>
-        </p:spPr>
-        <p:style>
-          <a:lnRef idx="2">
-            <a:schemeClr val="accent1">
-              <a:shade val="50000"/>
-            </a:schemeClr>
-          </a:lnRef>
-          <a:fillRef idx="1">
-            <a:schemeClr val="accent1"/>
-          </a:fillRef>
-          <a:effectRef idx="0">
-            <a:schemeClr val="accent1"/>
-          </a:effectRef>
-          <a:fontRef idx="minor">
-            <a:schemeClr val="lt1"/>
-          </a:fontRef>
-        </p:style>
-        <p:txBody>
-          <a:bodyPr rtlCol="0" anchor="ctr"/>
-          <a:p>
-            <a:pPr algn="ctr"/>
-            <a:r>
-              <a:rPr lang="en-US" altLang="zh-CN" sz="2000" b="1"/>
-              <a:t>LC </a:t>
-            </a:r>
-            <a:r>
-              <a:rPr lang="zh-CN" altLang="en-US" sz="2000" b="1"/>
-              <a:t>电路量子化</a:t>
-            </a:r>
-            <a:endParaRPr lang="zh-CN" altLang="en-US" sz="2000" b="1"/>
-          </a:p>
-        </p:txBody>
-      </p:sp>
-      <p:sp>
-        <p:nvSpPr>
-          <p:cNvPr id="6" name="矩形 5"/>
-          <p:cNvSpPr/>
-          <p:nvPr/>
-        </p:nvSpPr>
-        <p:spPr>
-          <a:xfrm>
-            <a:off x="0" y="558165"/>
-            <a:ext cx="3841750" cy="54000"/>
-          </a:xfrm>
-          <a:prstGeom prst="rect">
-            <a:avLst/>
-          </a:prstGeom>
-          <a:gradFill>
-            <a:gsLst>
-              <a:gs pos="0">
-                <a:srgbClr val="007BD3"/>
-              </a:gs>
-              <a:gs pos="100000">
-                <a:srgbClr val="034373"/>
-              </a:gs>
-            </a:gsLst>
-            <a:lin ang="10800000" scaled="0"/>
-          </a:gradFill>
-        </p:spPr>
-        <p:style>
-          <a:lnRef idx="2">
-            <a:schemeClr val="accent1">
-              <a:shade val="50000"/>
-            </a:schemeClr>
-          </a:lnRef>
-          <a:fillRef idx="1">
-            <a:schemeClr val="accent1"/>
-          </a:fillRef>
-          <a:effectRef idx="0">
-            <a:schemeClr val="accent1"/>
-          </a:effectRef>
-          <a:fontRef idx="minor">
-            <a:schemeClr val="lt1"/>
-          </a:fontRef>
-        </p:style>
-        <p:txBody>
-          <a:bodyPr rtlCol="0" anchor="ctr"/>
-          <a:p>
-            <a:pPr algn="ctr"/>
-            <a:endParaRPr lang="zh-CN" altLang="en-US"/>
-          </a:p>
-        </p:txBody>
-      </p:sp>
-      <p:sp>
-        <p:nvSpPr>
-          <p:cNvPr id="7" name="矩形 6"/>
-          <p:cNvSpPr/>
-          <p:nvPr/>
-        </p:nvSpPr>
-        <p:spPr>
-          <a:xfrm>
-            <a:off x="8350250" y="558165"/>
-            <a:ext cx="3841750" cy="54000"/>
-          </a:xfrm>
-          <a:prstGeom prst="rect">
-            <a:avLst/>
-          </a:prstGeom>
-          <a:gradFill>
-            <a:gsLst>
-              <a:gs pos="100000">
-                <a:srgbClr val="007BD3"/>
-              </a:gs>
-              <a:gs pos="0">
-                <a:srgbClr val="034373"/>
-              </a:gs>
-            </a:gsLst>
-            <a:lin ang="10800000" scaled="0"/>
-          </a:gradFill>
-        </p:spPr>
-        <p:style>
-          <a:lnRef idx="2">
-            <a:schemeClr val="accent1">
-              <a:shade val="50000"/>
-            </a:schemeClr>
-          </a:lnRef>
-          <a:fillRef idx="1">
-            <a:schemeClr val="accent1"/>
-          </a:fillRef>
-          <a:effectRef idx="0">
-            <a:schemeClr val="accent1"/>
-          </a:effectRef>
-          <a:fontRef idx="minor">
-            <a:schemeClr val="lt1"/>
-          </a:fontRef>
-        </p:style>
-        <p:txBody>
-          <a:bodyPr rtlCol="0" anchor="ctr"/>
-          <a:p>
-            <a:pPr algn="ctr"/>
-            <a:endParaRPr lang="zh-CN" altLang="en-US"/>
-          </a:p>
-        </p:txBody>
-      </p:sp>
-      <p:sp>
-        <p:nvSpPr>
-          <p:cNvPr id="4" name="文本框 3"/>
-          <p:cNvSpPr txBox="1"/>
-          <p:nvPr/>
-        </p:nvSpPr>
-        <p:spPr>
-          <a:xfrm>
-            <a:off x="1697990" y="1329690"/>
-            <a:ext cx="3986530" cy="368300"/>
-          </a:xfrm>
-          <a:prstGeom prst="rect">
-            <a:avLst/>
-          </a:prstGeom>
-          <a:noFill/>
-        </p:spPr>
-        <p:txBody>
-          <a:bodyPr wrap="square" rtlCol="0">
-            <a:spAutoFit/>
-          </a:bodyPr>
-          <a:p>
-            <a:r>
-              <a:rPr lang="zh-CN" altLang="en-US"/>
-              <a:t>磁通定义为</a:t>
-            </a:r>
-            <a:endParaRPr lang="zh-CN" altLang="en-US"/>
-          </a:p>
-        </p:txBody>
-      </p:sp>
-      <p:pic>
-        <p:nvPicPr>
-          <p:cNvPr id="5" name="图片 4"/>
-          <p:cNvPicPr>
-            <a:picLocks noChangeAspect="1"/>
-          </p:cNvPicPr>
-          <p:nvPr/>
-        </p:nvPicPr>
-        <p:blipFill>
-          <a:blip r:embed="rId1"/>
-          <a:srcRect l="13604"/>
-          <a:stretch>
-            <a:fillRect/>
-          </a:stretch>
-        </p:blipFill>
-        <p:spPr>
-          <a:xfrm>
-            <a:off x="2959100" y="1216660"/>
-            <a:ext cx="1403350" cy="594360"/>
-          </a:xfrm>
-          <a:prstGeom prst="rect">
-            <a:avLst/>
-          </a:prstGeom>
-        </p:spPr>
-      </p:pic>
-      <p:sp>
-        <p:nvSpPr>
-          <p:cNvPr id="14" name="文本框 13"/>
-          <p:cNvSpPr txBox="1"/>
-          <p:nvPr/>
-        </p:nvSpPr>
-        <p:spPr>
-          <a:xfrm>
-            <a:off x="1697990" y="2069465"/>
-            <a:ext cx="3986530" cy="368300"/>
-          </a:xfrm>
-          <a:prstGeom prst="rect">
-            <a:avLst/>
-          </a:prstGeom>
-          <a:noFill/>
-        </p:spPr>
-        <p:txBody>
-          <a:bodyPr wrap="square" rtlCol="0">
-            <a:spAutoFit/>
-          </a:bodyPr>
-          <a:p>
-            <a:r>
-              <a:rPr lang="zh-CN" altLang="en-US"/>
-              <a:t>电感能量为</a:t>
-            </a:r>
-            <a:endParaRPr lang="zh-CN" altLang="en-US"/>
-          </a:p>
-        </p:txBody>
-      </p:sp>
-      <p:pic>
-        <p:nvPicPr>
-          <p:cNvPr id="15" name="图片 14"/>
-          <p:cNvPicPr>
-            <a:picLocks noChangeAspect="1"/>
-          </p:cNvPicPr>
-          <p:nvPr/>
-        </p:nvPicPr>
-        <p:blipFill>
-          <a:blip r:embed="rId2"/>
-          <a:stretch>
-            <a:fillRect/>
-          </a:stretch>
-        </p:blipFill>
-        <p:spPr>
-          <a:xfrm>
-            <a:off x="2974340" y="1920240"/>
-            <a:ext cx="3352800" cy="685800"/>
-          </a:xfrm>
-          <a:prstGeom prst="rect">
-            <a:avLst/>
-          </a:prstGeom>
-        </p:spPr>
-      </p:pic>
-      <p:sp>
-        <p:nvSpPr>
-          <p:cNvPr id="16" name="文本框 15"/>
-          <p:cNvSpPr txBox="1"/>
-          <p:nvPr/>
-        </p:nvSpPr>
-        <p:spPr>
-          <a:xfrm>
-            <a:off x="1697990" y="2761615"/>
-            <a:ext cx="8444865" cy="1129665"/>
-          </a:xfrm>
-          <a:prstGeom prst="rect">
-            <a:avLst/>
-          </a:prstGeom>
-          <a:noFill/>
-        </p:spPr>
-        <p:txBody>
-          <a:bodyPr wrap="square" rtlCol="0">
-            <a:spAutoFit/>
-          </a:bodyPr>
-          <a:p>
-            <a:pPr>
-              <a:lnSpc>
-                <a:spcPct val="125000"/>
-              </a:lnSpc>
-              <a:spcBef>
-                <a:spcPts val="0"/>
-              </a:spcBef>
-              <a:spcAft>
-                <a:spcPts val="0"/>
-              </a:spcAft>
-            </a:pPr>
-            <a:r>
-              <a:rPr lang="zh-CN" altLang="en-US"/>
-              <a:t>在超导体系中，我们常常研究磁通量，是因为，电子在超导体中表现出统一的集体行为（超导凝聚态），其相位的统一变化可以用磁通来描述，大量电子的集体行为可以看做一个</a:t>
-            </a:r>
-            <a:r>
-              <a:rPr lang="en-US" altLang="zh-CN" b="1"/>
-              <a:t>“</a:t>
-            </a:r>
-            <a:r>
-              <a:rPr lang="zh-CN" altLang="en-US" b="1"/>
-              <a:t>准单粒子</a:t>
-            </a:r>
-            <a:r>
-              <a:rPr lang="en-US" altLang="zh-CN" b="1"/>
-              <a:t>”</a:t>
-            </a:r>
-            <a:r>
-              <a:rPr lang="zh-CN" altLang="en-US" b="1"/>
-              <a:t>，</a:t>
-            </a:r>
-            <a:r>
-              <a:rPr lang="zh-CN" altLang="en-US"/>
-              <a:t>这个</a:t>
-            </a:r>
-            <a:r>
-              <a:rPr lang="en-US" altLang="zh-CN"/>
-              <a:t>“</a:t>
-            </a:r>
-            <a:r>
-              <a:rPr lang="zh-CN" altLang="en-US"/>
-              <a:t>单粒子</a:t>
-            </a:r>
-            <a:r>
-              <a:rPr lang="en-US" altLang="zh-CN"/>
-              <a:t>”</a:t>
-            </a:r>
-            <a:r>
-              <a:rPr lang="zh-CN" altLang="en-US"/>
-              <a:t>的行为可以用量子力学来描述</a:t>
-            </a:r>
-            <a:endParaRPr lang="zh-CN" altLang="en-US"/>
-          </a:p>
-        </p:txBody>
-      </p:sp>
-      <p:sp>
-        <p:nvSpPr>
-          <p:cNvPr id="17" name="文本框 16"/>
-          <p:cNvSpPr txBox="1"/>
-          <p:nvPr/>
-        </p:nvSpPr>
-        <p:spPr>
-          <a:xfrm>
-            <a:off x="1288415" y="4329430"/>
-            <a:ext cx="1405890" cy="368300"/>
-          </a:xfrm>
-          <a:prstGeom prst="rect">
-            <a:avLst/>
-          </a:prstGeom>
-          <a:noFill/>
-        </p:spPr>
-        <p:txBody>
-          <a:bodyPr wrap="square" rtlCol="0">
-            <a:spAutoFit/>
-          </a:bodyPr>
-          <a:p>
-            <a:r>
-              <a:rPr lang="zh-CN" altLang="en-US"/>
-              <a:t>重写能量</a:t>
-            </a:r>
-            <a:endParaRPr lang="zh-CN" altLang="en-US"/>
-          </a:p>
-        </p:txBody>
-      </p:sp>
-      <p:pic>
-        <p:nvPicPr>
-          <p:cNvPr id="18" name="图片 17"/>
-          <p:cNvPicPr>
-            <a:picLocks noChangeAspect="1"/>
-          </p:cNvPicPr>
-          <p:nvPr/>
-        </p:nvPicPr>
-        <p:blipFill>
-          <a:blip r:embed="rId3"/>
-          <a:stretch>
-            <a:fillRect/>
-          </a:stretch>
-        </p:blipFill>
-        <p:spPr>
-          <a:xfrm>
-            <a:off x="1420495" y="4762500"/>
-            <a:ext cx="2514600" cy="1432560"/>
-          </a:xfrm>
-          <a:prstGeom prst="rect">
-            <a:avLst/>
-          </a:prstGeom>
-        </p:spPr>
-      </p:pic>
-      <p:cxnSp>
-        <p:nvCxnSpPr>
-          <p:cNvPr id="19" name="直接连接符 18"/>
-          <p:cNvCxnSpPr/>
-          <p:nvPr/>
-        </p:nvCxnSpPr>
-        <p:spPr>
-          <a:xfrm flipH="1">
-            <a:off x="3764280" y="4260215"/>
-            <a:ext cx="0" cy="2179320"/>
-          </a:xfrm>
-          <a:prstGeom prst="line">
-            <a:avLst/>
-          </a:prstGeom>
-          <a:ln w="28575" cmpd="sng">
-            <a:solidFill>
-              <a:schemeClr val="accent1">
-                <a:shade val="50000"/>
-              </a:schemeClr>
-            </a:solidFill>
-            <a:prstDash val="sysDot"/>
-          </a:ln>
-        </p:spPr>
-        <p:style>
-          <a:lnRef idx="1">
-            <a:schemeClr val="accent1"/>
-          </a:lnRef>
-          <a:fillRef idx="0">
-            <a:schemeClr val="accent1"/>
-          </a:fillRef>
-          <a:effectRef idx="0">
-            <a:schemeClr val="accent1"/>
-          </a:effectRef>
-          <a:fontRef idx="minor">
-            <a:schemeClr val="tx1"/>
-          </a:fontRef>
-        </p:style>
-      </p:cxnSp>
-      <p:sp>
-        <p:nvSpPr>
-          <p:cNvPr id="20" name="文本框 19"/>
-          <p:cNvSpPr txBox="1"/>
-          <p:nvPr/>
-        </p:nvSpPr>
-        <p:spPr>
-          <a:xfrm>
-            <a:off x="3987800" y="4329430"/>
-            <a:ext cx="1746885" cy="368300"/>
-          </a:xfrm>
-          <a:prstGeom prst="rect">
-            <a:avLst/>
-          </a:prstGeom>
-          <a:noFill/>
-        </p:spPr>
-        <p:txBody>
-          <a:bodyPr wrap="square" rtlCol="0">
-            <a:spAutoFit/>
-          </a:bodyPr>
-          <a:p>
-            <a:r>
-              <a:rPr lang="zh-CN" altLang="en-US"/>
-              <a:t>拉格朗日量为</a:t>
-            </a:r>
-            <a:endParaRPr lang="zh-CN" altLang="en-US"/>
-          </a:p>
-        </p:txBody>
-      </p:sp>
-      <p:pic>
-        <p:nvPicPr>
-          <p:cNvPr id="21" name="图片 20"/>
-          <p:cNvPicPr>
-            <a:picLocks noChangeAspect="1"/>
-          </p:cNvPicPr>
-          <p:nvPr/>
-        </p:nvPicPr>
-        <p:blipFill>
-          <a:blip r:embed="rId4"/>
-          <a:stretch>
-            <a:fillRect/>
-          </a:stretch>
-        </p:blipFill>
-        <p:spPr>
-          <a:xfrm>
-            <a:off x="3987800" y="4962525"/>
-            <a:ext cx="3876675" cy="756920"/>
-          </a:xfrm>
-          <a:prstGeom prst="rect">
-            <a:avLst/>
-          </a:prstGeom>
-        </p:spPr>
-      </p:pic>
-      <p:cxnSp>
-        <p:nvCxnSpPr>
-          <p:cNvPr id="22" name="直接连接符 21"/>
-          <p:cNvCxnSpPr/>
-          <p:nvPr/>
-        </p:nvCxnSpPr>
-        <p:spPr>
-          <a:xfrm flipH="1">
-            <a:off x="8099425" y="4260215"/>
-            <a:ext cx="0" cy="2179320"/>
-          </a:xfrm>
-          <a:prstGeom prst="line">
-            <a:avLst/>
-          </a:prstGeom>
-          <a:ln w="28575" cmpd="sng">
-            <a:solidFill>
-              <a:schemeClr val="accent1">
-                <a:shade val="50000"/>
-              </a:schemeClr>
-            </a:solidFill>
-            <a:prstDash val="sysDot"/>
-          </a:ln>
-        </p:spPr>
-        <p:style>
-          <a:lnRef idx="1">
-            <a:schemeClr val="accent1"/>
-          </a:lnRef>
-          <a:fillRef idx="0">
-            <a:schemeClr val="accent1"/>
-          </a:fillRef>
-          <a:effectRef idx="0">
-            <a:schemeClr val="accent1"/>
-          </a:effectRef>
-          <a:fontRef idx="minor">
-            <a:schemeClr val="tx1"/>
-          </a:fontRef>
-        </p:style>
-      </p:cxnSp>
-      <p:sp>
-        <p:nvSpPr>
-          <p:cNvPr id="23" name="文本框 22"/>
-          <p:cNvSpPr txBox="1"/>
-          <p:nvPr/>
-        </p:nvSpPr>
-        <p:spPr>
-          <a:xfrm>
-            <a:off x="8322945" y="4329430"/>
-            <a:ext cx="1746885" cy="368300"/>
-          </a:xfrm>
-          <a:prstGeom prst="rect">
-            <a:avLst/>
-          </a:prstGeom>
-          <a:noFill/>
-        </p:spPr>
-        <p:txBody>
-          <a:bodyPr wrap="square" rtlCol="0">
-            <a:spAutoFit/>
-          </a:bodyPr>
-          <a:p>
-            <a:r>
-              <a:rPr lang="zh-CN" altLang="en-US"/>
-              <a:t>广义动量</a:t>
-            </a:r>
-            <a:endParaRPr lang="zh-CN" altLang="en-US"/>
-          </a:p>
-        </p:txBody>
-      </p:sp>
-      <p:pic>
-        <p:nvPicPr>
-          <p:cNvPr id="24" name="图片 23"/>
-          <p:cNvPicPr>
-            <a:picLocks noChangeAspect="1"/>
-          </p:cNvPicPr>
-          <p:nvPr/>
-        </p:nvPicPr>
-        <p:blipFill>
-          <a:blip r:embed="rId5"/>
-          <a:stretch>
-            <a:fillRect/>
-          </a:stretch>
-        </p:blipFill>
-        <p:spPr>
-          <a:xfrm>
-            <a:off x="8382635" y="4954270"/>
-            <a:ext cx="2787650" cy="807720"/>
-          </a:xfrm>
-          <a:prstGeom prst="rect">
-            <a:avLst/>
-          </a:prstGeom>
-        </p:spPr>
-      </p:pic>
-    </p:spTree>
-    <p:custDataLst>
-      <p:tags r:id="rId6"/>
-    </p:custDataLst>
-  </p:cSld>
-  <p:clrMapOvr>
-    <a:masterClrMapping/>
-  </p:clrMapOvr>
-</p:sld>
-</file>
-
-<file path=ppt/slides/slide5.xml><?xml version="1.0" encoding="utf-8"?>
-<p:sld xmlns:a="http://schemas.openxmlformats.org/drawingml/2006/main" xmlns:r="http://schemas.openxmlformats.org/officeDocument/2006/relationships" xmlns:p="http://schemas.openxmlformats.org/presentationml/2006/main">
-  <p:cSld>
-    <p:spTree>
-      <p:nvGrpSpPr>
-        <p:cNvPr id="1" name=""/>
-        <p:cNvGrpSpPr/>
-        <p:nvPr/>
-      </p:nvGrpSpPr>
-      <p:grpSpPr/>
-      <p:sp>
-        <p:nvSpPr>
-          <p:cNvPr id="3" name="矩形 2"/>
-          <p:cNvSpPr/>
-          <p:nvPr/>
-        </p:nvSpPr>
-        <p:spPr>
-          <a:xfrm>
-            <a:off x="3841750" y="294005"/>
-            <a:ext cx="4508500" cy="582295"/>
-          </a:xfrm>
-          <a:prstGeom prst="rect">
-            <a:avLst/>
-          </a:prstGeom>
-          <a:gradFill>
-            <a:gsLst>
-              <a:gs pos="0">
-                <a:srgbClr val="007BD3"/>
-              </a:gs>
-              <a:gs pos="63000">
-                <a:srgbClr val="034373"/>
-              </a:gs>
-            </a:gsLst>
-            <a:lin ang="16200000" scaled="0"/>
-          </a:gradFill>
-          <a:effectLst/>
-        </p:spPr>
-        <p:style>
-          <a:lnRef idx="2">
-            <a:schemeClr val="accent1">
-              <a:shade val="50000"/>
-            </a:schemeClr>
-          </a:lnRef>
-          <a:fillRef idx="1">
-            <a:schemeClr val="accent1"/>
-          </a:fillRef>
-          <a:effectRef idx="0">
-            <a:schemeClr val="accent1"/>
-          </a:effectRef>
-          <a:fontRef idx="minor">
-            <a:schemeClr val="lt1"/>
-          </a:fontRef>
-        </p:style>
-        <p:txBody>
-          <a:bodyPr rtlCol="0" anchor="ctr"/>
-          <a:p>
-            <a:pPr algn="ctr"/>
-            <a:r>
-              <a:rPr lang="en-US" altLang="zh-CN" sz="2000" b="1"/>
-              <a:t>LC </a:t>
-            </a:r>
-            <a:r>
-              <a:rPr lang="zh-CN" altLang="en-US" sz="2000" b="1"/>
-              <a:t>电路量子化</a:t>
-            </a:r>
-            <a:endParaRPr lang="zh-CN" altLang="en-US" sz="2000" b="1"/>
-          </a:p>
-        </p:txBody>
-      </p:sp>
-      <p:sp>
-        <p:nvSpPr>
-          <p:cNvPr id="6" name="矩形 5"/>
-          <p:cNvSpPr/>
-          <p:nvPr/>
-        </p:nvSpPr>
-        <p:spPr>
-          <a:xfrm>
-            <a:off x="0" y="558165"/>
-            <a:ext cx="3841750" cy="54000"/>
-          </a:xfrm>
-          <a:prstGeom prst="rect">
-            <a:avLst/>
-          </a:prstGeom>
-          <a:gradFill>
-            <a:gsLst>
-              <a:gs pos="0">
-                <a:srgbClr val="007BD3"/>
-              </a:gs>
-              <a:gs pos="100000">
-                <a:srgbClr val="034373"/>
-              </a:gs>
-            </a:gsLst>
-            <a:lin ang="10800000" scaled="0"/>
-          </a:gradFill>
-        </p:spPr>
-        <p:style>
-          <a:lnRef idx="2">
-            <a:schemeClr val="accent1">
-              <a:shade val="50000"/>
-            </a:schemeClr>
-          </a:lnRef>
-          <a:fillRef idx="1">
-            <a:schemeClr val="accent1"/>
-          </a:fillRef>
-          <a:effectRef idx="0">
-            <a:schemeClr val="accent1"/>
-          </a:effectRef>
-          <a:fontRef idx="minor">
-            <a:schemeClr val="lt1"/>
-          </a:fontRef>
-        </p:style>
-        <p:txBody>
-          <a:bodyPr rtlCol="0" anchor="ctr"/>
-          <a:p>
-            <a:pPr algn="ctr"/>
-            <a:endParaRPr lang="zh-CN" altLang="en-US"/>
-          </a:p>
-        </p:txBody>
-      </p:sp>
-      <p:sp>
-        <p:nvSpPr>
-          <p:cNvPr id="7" name="矩形 6"/>
-          <p:cNvSpPr/>
-          <p:nvPr/>
-        </p:nvSpPr>
-        <p:spPr>
-          <a:xfrm>
-            <a:off x="8350250" y="558165"/>
-            <a:ext cx="3841750" cy="54000"/>
-          </a:xfrm>
-          <a:prstGeom prst="rect">
-            <a:avLst/>
-          </a:prstGeom>
-          <a:gradFill>
-            <a:gsLst>
-              <a:gs pos="100000">
-                <a:srgbClr val="007BD3"/>
-              </a:gs>
-              <a:gs pos="0">
-                <a:srgbClr val="034373"/>
-              </a:gs>
-            </a:gsLst>
-            <a:lin ang="10800000" scaled="0"/>
-          </a:gradFill>
-        </p:spPr>
-        <p:style>
-          <a:lnRef idx="2">
-            <a:schemeClr val="accent1">
-              <a:shade val="50000"/>
-            </a:schemeClr>
-          </a:lnRef>
-          <a:fillRef idx="1">
-            <a:schemeClr val="accent1"/>
-          </a:fillRef>
-          <a:effectRef idx="0">
-            <a:schemeClr val="accent1"/>
-          </a:effectRef>
-          <a:fontRef idx="minor">
-            <a:schemeClr val="lt1"/>
-          </a:fontRef>
-        </p:style>
-        <p:txBody>
-          <a:bodyPr rtlCol="0" anchor="ctr"/>
-          <a:p>
-            <a:pPr algn="ctr"/>
-            <a:endParaRPr lang="zh-CN" altLang="en-US"/>
-          </a:p>
-        </p:txBody>
-      </p:sp>
-      <p:sp>
-        <p:nvSpPr>
-          <p:cNvPr id="4" name="文本框 3"/>
-          <p:cNvSpPr txBox="1"/>
-          <p:nvPr/>
-        </p:nvSpPr>
-        <p:spPr>
-          <a:xfrm>
-            <a:off x="1346835" y="1204595"/>
-            <a:ext cx="4347210" cy="368300"/>
-          </a:xfrm>
-          <a:prstGeom prst="rect">
-            <a:avLst/>
-          </a:prstGeom>
-          <a:noFill/>
-        </p:spPr>
-        <p:txBody>
-          <a:bodyPr wrap="square" rtlCol="0">
-            <a:spAutoFit/>
-          </a:bodyPr>
-          <a:p>
-            <a:r>
-              <a:rPr lang="zh-CN" altLang="en-US"/>
-              <a:t>利用前述几个关系式，可得体系哈密顿量</a:t>
-            </a:r>
-            <a:endParaRPr lang="zh-CN" altLang="en-US"/>
-          </a:p>
-        </p:txBody>
-      </p:sp>
-      <p:pic>
-        <p:nvPicPr>
-          <p:cNvPr id="2" name="图片 1"/>
-          <p:cNvPicPr>
-            <a:picLocks noChangeAspect="1"/>
-          </p:cNvPicPr>
-          <p:nvPr/>
-        </p:nvPicPr>
-        <p:blipFill>
-          <a:blip r:embed="rId1"/>
-          <a:stretch>
-            <a:fillRect/>
-          </a:stretch>
-        </p:blipFill>
-        <p:spPr>
-          <a:xfrm>
-            <a:off x="3919855" y="1666240"/>
-            <a:ext cx="4509135" cy="1818005"/>
-          </a:xfrm>
-          <a:prstGeom prst="rect">
-            <a:avLst/>
-          </a:prstGeom>
-        </p:spPr>
-      </p:pic>
-      <p:sp>
-        <p:nvSpPr>
-          <p:cNvPr id="8" name="文本框 7"/>
-          <p:cNvSpPr txBox="1"/>
-          <p:nvPr/>
-        </p:nvSpPr>
-        <p:spPr>
-          <a:xfrm>
-            <a:off x="1346835" y="3653790"/>
-            <a:ext cx="5272405" cy="368300"/>
-          </a:xfrm>
-          <a:prstGeom prst="rect">
-            <a:avLst/>
-          </a:prstGeom>
-          <a:noFill/>
-        </p:spPr>
-        <p:txBody>
-          <a:bodyPr wrap="square" rtlCol="0">
-            <a:spAutoFit/>
-          </a:bodyPr>
-          <a:p>
-            <a:r>
-              <a:rPr lang="zh-CN" altLang="en-US"/>
-              <a:t>观察上式，易于发现其与</a:t>
-            </a:r>
-            <a:r>
-              <a:rPr lang="zh-CN" altLang="en-US" b="1"/>
-              <a:t>量子谐振子</a:t>
-            </a:r>
-            <a:r>
-              <a:rPr lang="zh-CN" altLang="en-US"/>
-              <a:t>类似</a:t>
-            </a:r>
-            <a:endParaRPr lang="zh-CN" altLang="en-US"/>
-          </a:p>
-        </p:txBody>
-      </p:sp>
-      <p:pic>
-        <p:nvPicPr>
-          <p:cNvPr id="9" name="图片 8"/>
-          <p:cNvPicPr>
-            <a:picLocks noChangeAspect="1"/>
-          </p:cNvPicPr>
-          <p:nvPr/>
-        </p:nvPicPr>
-        <p:blipFill>
-          <a:blip r:embed="rId2"/>
-          <a:stretch>
-            <a:fillRect/>
-          </a:stretch>
-        </p:blipFill>
-        <p:spPr>
-          <a:xfrm>
-            <a:off x="1678940" y="4944110"/>
-            <a:ext cx="3205480" cy="857250"/>
-          </a:xfrm>
-          <a:prstGeom prst="rect">
-            <a:avLst/>
-          </a:prstGeom>
-        </p:spPr>
-      </p:pic>
-      <p:sp>
-        <p:nvSpPr>
-          <p:cNvPr id="10" name="文本框 9"/>
-          <p:cNvSpPr txBox="1"/>
-          <p:nvPr/>
-        </p:nvSpPr>
-        <p:spPr>
-          <a:xfrm>
-            <a:off x="1413510" y="4298950"/>
-            <a:ext cx="2219325" cy="368300"/>
-          </a:xfrm>
-          <a:prstGeom prst="rect">
-            <a:avLst/>
-          </a:prstGeom>
-          <a:noFill/>
-        </p:spPr>
-        <p:txBody>
-          <a:bodyPr wrap="square" rtlCol="0">
-            <a:spAutoFit/>
-          </a:bodyPr>
-          <a:p>
-            <a:r>
-              <a:rPr lang="zh-CN" altLang="en-US"/>
-              <a:t>简谐振子哈密顿量</a:t>
-            </a:r>
-            <a:endParaRPr lang="zh-CN" altLang="en-US"/>
-          </a:p>
-        </p:txBody>
-      </p:sp>
-      <p:cxnSp>
-        <p:nvCxnSpPr>
-          <p:cNvPr id="11" name="直接连接符 10"/>
-          <p:cNvCxnSpPr/>
-          <p:nvPr/>
-        </p:nvCxnSpPr>
-        <p:spPr>
-          <a:xfrm flipH="1">
-            <a:off x="4775200" y="4140200"/>
-            <a:ext cx="0" cy="2179320"/>
-          </a:xfrm>
-          <a:prstGeom prst="line">
-            <a:avLst/>
-          </a:prstGeom>
-          <a:ln w="28575" cmpd="sng">
-            <a:solidFill>
-              <a:schemeClr val="accent1">
-                <a:shade val="50000"/>
-              </a:schemeClr>
-            </a:solidFill>
-            <a:prstDash val="sysDot"/>
-          </a:ln>
-        </p:spPr>
-        <p:style>
-          <a:lnRef idx="1">
-            <a:schemeClr val="accent1"/>
-          </a:lnRef>
-          <a:fillRef idx="0">
-            <a:schemeClr val="accent1"/>
-          </a:fillRef>
-          <a:effectRef idx="0">
-            <a:schemeClr val="accent1"/>
-          </a:effectRef>
-          <a:fontRef idx="minor">
-            <a:schemeClr val="tx1"/>
-          </a:fontRef>
-        </p:style>
-      </p:cxnSp>
-      <p:sp>
-        <p:nvSpPr>
-          <p:cNvPr id="12" name="文本框 11"/>
-          <p:cNvSpPr txBox="1"/>
-          <p:nvPr/>
-        </p:nvSpPr>
-        <p:spPr>
-          <a:xfrm>
-            <a:off x="5027295" y="4298950"/>
-            <a:ext cx="2219325" cy="368300"/>
-          </a:xfrm>
-          <a:prstGeom prst="rect">
-            <a:avLst/>
-          </a:prstGeom>
-          <a:noFill/>
-        </p:spPr>
-        <p:txBody>
-          <a:bodyPr wrap="square" rtlCol="0">
-            <a:spAutoFit/>
-          </a:bodyPr>
-          <a:p>
-            <a:r>
-              <a:rPr lang="zh-CN" altLang="en-US"/>
-              <a:t>对易关系</a:t>
-            </a:r>
-            <a:endParaRPr lang="zh-CN" altLang="en-US"/>
-          </a:p>
-        </p:txBody>
-      </p:sp>
-      <p:pic>
-        <p:nvPicPr>
-          <p:cNvPr id="13" name="图片 12"/>
-          <p:cNvPicPr>
-            <a:picLocks noChangeAspect="1"/>
-          </p:cNvPicPr>
-          <p:nvPr/>
-        </p:nvPicPr>
-        <p:blipFill>
-          <a:blip r:embed="rId3"/>
-          <a:stretch>
-            <a:fillRect/>
-          </a:stretch>
-        </p:blipFill>
-        <p:spPr>
-          <a:xfrm>
-            <a:off x="5258435" y="5052060"/>
-            <a:ext cx="1757680" cy="478790"/>
-          </a:xfrm>
-          <a:prstGeom prst="rect">
-            <a:avLst/>
-          </a:prstGeom>
-        </p:spPr>
-      </p:pic>
-      <p:cxnSp>
-        <p:nvCxnSpPr>
-          <p:cNvPr id="25" name="直接连接符 24"/>
-          <p:cNvCxnSpPr/>
-          <p:nvPr/>
-        </p:nvCxnSpPr>
-        <p:spPr>
-          <a:xfrm flipH="1">
-            <a:off x="7357110" y="4140200"/>
-            <a:ext cx="0" cy="2179320"/>
-          </a:xfrm>
-          <a:prstGeom prst="line">
-            <a:avLst/>
-          </a:prstGeom>
-          <a:ln w="28575" cmpd="sng">
-            <a:solidFill>
-              <a:schemeClr val="accent1">
-                <a:shade val="50000"/>
-              </a:schemeClr>
-            </a:solidFill>
-            <a:prstDash val="sysDot"/>
-          </a:ln>
-        </p:spPr>
-        <p:style>
-          <a:lnRef idx="1">
-            <a:schemeClr val="accent1"/>
-          </a:lnRef>
-          <a:fillRef idx="0">
-            <a:schemeClr val="accent1"/>
-          </a:fillRef>
-          <a:effectRef idx="0">
-            <a:schemeClr val="accent1"/>
-          </a:effectRef>
-          <a:fontRef idx="minor">
-            <a:schemeClr val="tx1"/>
-          </a:fontRef>
-        </p:style>
-      </p:cxnSp>
-      <p:sp>
-        <p:nvSpPr>
-          <p:cNvPr id="26" name="文本框 25"/>
-          <p:cNvSpPr txBox="1"/>
-          <p:nvPr/>
-        </p:nvSpPr>
-        <p:spPr>
-          <a:xfrm>
-            <a:off x="7640320" y="4283075"/>
-            <a:ext cx="2219325" cy="368300"/>
-          </a:xfrm>
-          <a:prstGeom prst="rect">
-            <a:avLst/>
-          </a:prstGeom>
-          <a:noFill/>
-        </p:spPr>
-        <p:txBody>
-          <a:bodyPr wrap="square" rtlCol="0">
-            <a:spAutoFit/>
-          </a:bodyPr>
-          <a:p>
-            <a:r>
-              <a:rPr lang="zh-CN" altLang="en-US"/>
-              <a:t>产生湮灭算符</a:t>
-            </a:r>
-            <a:endParaRPr lang="zh-CN" altLang="en-US"/>
-          </a:p>
-        </p:txBody>
-      </p:sp>
-      <p:pic>
-        <p:nvPicPr>
-          <p:cNvPr id="27" name="图片 26"/>
-          <p:cNvPicPr>
-            <a:picLocks noChangeAspect="1"/>
-          </p:cNvPicPr>
-          <p:nvPr/>
-        </p:nvPicPr>
-        <p:blipFill>
-          <a:blip r:embed="rId4"/>
-          <a:stretch>
-            <a:fillRect/>
-          </a:stretch>
-        </p:blipFill>
-        <p:spPr>
-          <a:xfrm>
-            <a:off x="7976235" y="4767580"/>
-            <a:ext cx="2868930" cy="1421130"/>
-          </a:xfrm>
-          <a:prstGeom prst="rect">
-            <a:avLst/>
-          </a:prstGeom>
-        </p:spPr>
-      </p:pic>
-    </p:spTree>
-    <p:custDataLst>
-      <p:tags r:id="rId5"/>
-    </p:custDataLst>
-  </p:cSld>
-  <p:clrMapOvr>
-    <a:masterClrMapping/>
-  </p:clrMapOvr>
-</p:sld>
-</file>
-
-<file path=ppt/slides/slide6.xml><?xml version="1.0" encoding="utf-8"?>
-<p:sld xmlns:a="http://schemas.openxmlformats.org/drawingml/2006/main" xmlns:r="http://schemas.openxmlformats.org/officeDocument/2006/relationships" xmlns:p="http://schemas.openxmlformats.org/presentationml/2006/main">
-  <p:cSld>
-    <p:spTree>
-      <p:nvGrpSpPr>
-        <p:cNvPr id="1" name=""/>
-        <p:cNvGrpSpPr/>
-        <p:nvPr/>
-      </p:nvGrpSpPr>
-      <p:grpSpPr/>
-      <p:sp>
-        <p:nvSpPr>
-          <p:cNvPr id="3" name="矩形 2"/>
-          <p:cNvSpPr/>
-          <p:nvPr/>
-        </p:nvSpPr>
-        <p:spPr>
-          <a:xfrm>
-            <a:off x="3841750" y="294005"/>
-            <a:ext cx="4508500" cy="582295"/>
-          </a:xfrm>
-          <a:prstGeom prst="rect">
-            <a:avLst/>
-          </a:prstGeom>
-          <a:gradFill>
-            <a:gsLst>
-              <a:gs pos="0">
-                <a:srgbClr val="007BD3"/>
-              </a:gs>
-              <a:gs pos="63000">
-                <a:srgbClr val="034373"/>
-              </a:gs>
-            </a:gsLst>
-            <a:lin ang="16200000" scaled="0"/>
-          </a:gradFill>
-          <a:effectLst/>
-        </p:spPr>
-        <p:style>
-          <a:lnRef idx="2">
-            <a:schemeClr val="accent1">
-              <a:shade val="50000"/>
-            </a:schemeClr>
-          </a:lnRef>
-          <a:fillRef idx="1">
-            <a:schemeClr val="accent1"/>
-          </a:fillRef>
-          <a:effectRef idx="0">
-            <a:schemeClr val="accent1"/>
-          </a:effectRef>
-          <a:fontRef idx="minor">
-            <a:schemeClr val="lt1"/>
-          </a:fontRef>
-        </p:style>
-        <p:txBody>
-          <a:bodyPr rtlCol="0" anchor="ctr"/>
-          <a:p>
-            <a:pPr algn="ctr"/>
-            <a:r>
-              <a:rPr lang="en-US" altLang="zh-CN" sz="2000" b="1"/>
-              <a:t>LC </a:t>
-            </a:r>
-            <a:r>
-              <a:rPr lang="zh-CN" altLang="en-US" sz="2000" b="1"/>
-              <a:t>电路量子化</a:t>
-            </a:r>
-            <a:endParaRPr lang="zh-CN" altLang="en-US" sz="2000" b="1"/>
-          </a:p>
-        </p:txBody>
-      </p:sp>
-      <p:sp>
-        <p:nvSpPr>
-          <p:cNvPr id="6" name="矩形 5"/>
-          <p:cNvSpPr/>
-          <p:nvPr/>
-        </p:nvSpPr>
-        <p:spPr>
-          <a:xfrm>
-            <a:off x="0" y="558165"/>
-            <a:ext cx="3841750" cy="54000"/>
-          </a:xfrm>
-          <a:prstGeom prst="rect">
-            <a:avLst/>
-          </a:prstGeom>
-          <a:gradFill>
-            <a:gsLst>
-              <a:gs pos="0">
-                <a:srgbClr val="007BD3"/>
-              </a:gs>
-              <a:gs pos="100000">
-                <a:srgbClr val="034373"/>
-              </a:gs>
-            </a:gsLst>
-            <a:lin ang="10800000" scaled="0"/>
-          </a:gradFill>
-        </p:spPr>
-        <p:style>
-          <a:lnRef idx="2">
-            <a:schemeClr val="accent1">
-              <a:shade val="50000"/>
-            </a:schemeClr>
-          </a:lnRef>
-          <a:fillRef idx="1">
-            <a:schemeClr val="accent1"/>
-          </a:fillRef>
-          <a:effectRef idx="0">
-            <a:schemeClr val="accent1"/>
-          </a:effectRef>
-          <a:fontRef idx="minor">
-            <a:schemeClr val="lt1"/>
-          </a:fontRef>
-        </p:style>
-        <p:txBody>
-          <a:bodyPr rtlCol="0" anchor="ctr"/>
-          <a:p>
-            <a:pPr algn="ctr"/>
-            <a:endParaRPr lang="zh-CN" altLang="en-US"/>
-          </a:p>
-        </p:txBody>
-      </p:sp>
-      <p:sp>
-        <p:nvSpPr>
-          <p:cNvPr id="7" name="矩形 6"/>
-          <p:cNvSpPr/>
-          <p:nvPr/>
-        </p:nvSpPr>
-        <p:spPr>
-          <a:xfrm>
-            <a:off x="8350250" y="558165"/>
-            <a:ext cx="3841750" cy="54000"/>
-          </a:xfrm>
-          <a:prstGeom prst="rect">
-            <a:avLst/>
-          </a:prstGeom>
-          <a:gradFill>
-            <a:gsLst>
-              <a:gs pos="100000">
-                <a:srgbClr val="007BD3"/>
-              </a:gs>
-              <a:gs pos="0">
-                <a:srgbClr val="034373"/>
-              </a:gs>
-            </a:gsLst>
-            <a:lin ang="10800000" scaled="0"/>
-          </a:gradFill>
-        </p:spPr>
-        <p:style>
-          <a:lnRef idx="2">
-            <a:schemeClr val="accent1">
-              <a:shade val="50000"/>
-            </a:schemeClr>
-          </a:lnRef>
-          <a:fillRef idx="1">
-            <a:schemeClr val="accent1"/>
-          </a:fillRef>
-          <a:effectRef idx="0">
-            <a:schemeClr val="accent1"/>
-          </a:effectRef>
-          <a:fontRef idx="minor">
-            <a:schemeClr val="lt1"/>
-          </a:fontRef>
-        </p:style>
-        <p:txBody>
-          <a:bodyPr rtlCol="0" anchor="ctr"/>
-          <a:p>
-            <a:pPr algn="ctr"/>
-            <a:endParaRPr lang="zh-CN" altLang="en-US"/>
-          </a:p>
-        </p:txBody>
-      </p:sp>
-      <p:sp>
-        <p:nvSpPr>
-          <p:cNvPr id="4" name="文本框 3"/>
-          <p:cNvSpPr txBox="1"/>
-          <p:nvPr/>
-        </p:nvSpPr>
-        <p:spPr>
-          <a:xfrm>
-            <a:off x="849630" y="1174115"/>
-            <a:ext cx="4772660" cy="368300"/>
-          </a:xfrm>
-          <a:prstGeom prst="rect">
-            <a:avLst/>
-          </a:prstGeom>
-          <a:noFill/>
-        </p:spPr>
-        <p:txBody>
-          <a:bodyPr wrap="square" rtlCol="0">
-            <a:spAutoFit/>
-          </a:bodyPr>
-          <a:p>
-            <a:r>
-              <a:rPr lang="zh-CN" altLang="en-US"/>
-              <a:t>类比简谐振子，我们对参量定义如下对应关系</a:t>
-            </a:r>
-            <a:endParaRPr lang="zh-CN" altLang="en-US"/>
-          </a:p>
-        </p:txBody>
-      </p:sp>
-      <p:pic>
-        <p:nvPicPr>
-          <p:cNvPr id="5" name="图片 4"/>
-          <p:cNvPicPr>
-            <a:picLocks noChangeAspect="1"/>
-          </p:cNvPicPr>
-          <p:nvPr/>
-        </p:nvPicPr>
-        <p:blipFill>
-          <a:blip r:embed="rId1"/>
-          <a:stretch>
-            <a:fillRect/>
-          </a:stretch>
-        </p:blipFill>
-        <p:spPr>
-          <a:xfrm>
-            <a:off x="1534795" y="1840230"/>
-            <a:ext cx="3177540" cy="4061460"/>
-          </a:xfrm>
-          <a:prstGeom prst="rect">
-            <a:avLst/>
-          </a:prstGeom>
-          <a:noFill/>
-        </p:spPr>
-      </p:pic>
-      <p:cxnSp>
-        <p:nvCxnSpPr>
-          <p:cNvPr id="14" name="直接连接符 13"/>
-          <p:cNvCxnSpPr/>
-          <p:nvPr/>
-        </p:nvCxnSpPr>
-        <p:spPr>
-          <a:xfrm>
-            <a:off x="6078855" y="1059180"/>
-            <a:ext cx="0" cy="5328000"/>
-          </a:xfrm>
-          <a:prstGeom prst="line">
-            <a:avLst/>
-          </a:prstGeom>
-          <a:ln w="28575" cmpd="sng">
-            <a:solidFill>
-              <a:schemeClr val="accent1">
-                <a:shade val="50000"/>
-              </a:schemeClr>
-            </a:solidFill>
-            <a:prstDash val="sysDot"/>
-          </a:ln>
-        </p:spPr>
-        <p:style>
-          <a:lnRef idx="1">
-            <a:schemeClr val="accent1"/>
-          </a:lnRef>
-          <a:fillRef idx="0">
-            <a:schemeClr val="accent1"/>
-          </a:fillRef>
-          <a:effectRef idx="0">
-            <a:schemeClr val="accent1"/>
-          </a:effectRef>
-          <a:fontRef idx="minor">
-            <a:schemeClr val="tx1"/>
-          </a:fontRef>
-        </p:style>
-      </p:cxnSp>
-      <p:sp>
-        <p:nvSpPr>
-          <p:cNvPr id="15" name="文本框 14"/>
-          <p:cNvSpPr txBox="1"/>
-          <p:nvPr/>
-        </p:nvSpPr>
-        <p:spPr>
-          <a:xfrm>
-            <a:off x="6535420" y="1174115"/>
-            <a:ext cx="5182870" cy="368300"/>
-          </a:xfrm>
-          <a:prstGeom prst="rect">
-            <a:avLst/>
-          </a:prstGeom>
-          <a:noFill/>
-        </p:spPr>
-        <p:txBody>
-          <a:bodyPr wrap="square" rtlCol="0">
-            <a:spAutoFit/>
-          </a:bodyPr>
-          <a:p>
-            <a:r>
-              <a:rPr lang="zh-CN" altLang="en-US"/>
-              <a:t>利用对应关系，可得量子化后的</a:t>
-            </a:r>
-            <a:r>
-              <a:rPr lang="en-US" altLang="zh-CN"/>
-              <a:t> LC </a:t>
-            </a:r>
-            <a:r>
-              <a:rPr lang="zh-CN" altLang="en-US"/>
-              <a:t>电路模型</a:t>
-            </a:r>
-            <a:endParaRPr lang="zh-CN" altLang="en-US"/>
-          </a:p>
-        </p:txBody>
-      </p:sp>
-      <p:sp>
-        <p:nvSpPr>
-          <p:cNvPr id="16" name="文本框 15"/>
-          <p:cNvSpPr txBox="1"/>
-          <p:nvPr/>
-        </p:nvSpPr>
-        <p:spPr>
-          <a:xfrm>
-            <a:off x="6768465" y="1713865"/>
-            <a:ext cx="2373630" cy="368300"/>
-          </a:xfrm>
-          <a:prstGeom prst="rect">
-            <a:avLst/>
-          </a:prstGeom>
-          <a:noFill/>
-        </p:spPr>
-        <p:txBody>
-          <a:bodyPr wrap="square" rtlCol="0">
-            <a:spAutoFit/>
-          </a:bodyPr>
-          <a:p>
-            <a:r>
-              <a:rPr lang="zh-CN" altLang="en-US"/>
-              <a:t>对易关系</a:t>
-            </a:r>
-            <a:endParaRPr lang="zh-CN" altLang="en-US"/>
-          </a:p>
-        </p:txBody>
-      </p:sp>
-      <p:pic>
-        <p:nvPicPr>
-          <p:cNvPr id="17" name="图片 16"/>
-          <p:cNvPicPr>
-            <a:picLocks noChangeAspect="1"/>
-          </p:cNvPicPr>
-          <p:nvPr/>
-        </p:nvPicPr>
-        <p:blipFill>
-          <a:blip r:embed="rId2"/>
-          <a:stretch>
-            <a:fillRect/>
-          </a:stretch>
-        </p:blipFill>
-        <p:spPr>
-          <a:xfrm>
-            <a:off x="7402195" y="2113915"/>
-            <a:ext cx="1458595" cy="448945"/>
-          </a:xfrm>
-          <a:prstGeom prst="rect">
-            <a:avLst/>
-          </a:prstGeom>
-        </p:spPr>
-      </p:pic>
-      <p:cxnSp>
-        <p:nvCxnSpPr>
-          <p:cNvPr id="18" name="直接连接符 17"/>
-          <p:cNvCxnSpPr/>
-          <p:nvPr/>
-        </p:nvCxnSpPr>
-        <p:spPr>
-          <a:xfrm flipV="1">
-            <a:off x="6687820" y="2687955"/>
-            <a:ext cx="4493260" cy="0"/>
-          </a:xfrm>
-          <a:prstGeom prst="line">
-            <a:avLst/>
-          </a:prstGeom>
-          <a:ln w="28575" cmpd="sng">
-            <a:solidFill>
-              <a:schemeClr val="accent1">
-                <a:shade val="50000"/>
-              </a:schemeClr>
-            </a:solidFill>
-            <a:prstDash val="sysDot"/>
-          </a:ln>
-        </p:spPr>
-        <p:style>
-          <a:lnRef idx="1">
-            <a:schemeClr val="accent1"/>
-          </a:lnRef>
-          <a:fillRef idx="0">
-            <a:schemeClr val="accent1"/>
-          </a:fillRef>
-          <a:effectRef idx="0">
-            <a:schemeClr val="accent1"/>
-          </a:effectRef>
-          <a:fontRef idx="minor">
-            <a:schemeClr val="tx1"/>
-          </a:fontRef>
-        </p:style>
-      </p:cxnSp>
-      <p:sp>
-        <p:nvSpPr>
-          <p:cNvPr id="19" name="文本框 18"/>
-          <p:cNvSpPr txBox="1"/>
-          <p:nvPr/>
-        </p:nvSpPr>
-        <p:spPr>
-          <a:xfrm>
-            <a:off x="6768465" y="2881630"/>
-            <a:ext cx="2373630" cy="368300"/>
-          </a:xfrm>
-          <a:prstGeom prst="rect">
-            <a:avLst/>
-          </a:prstGeom>
-          <a:noFill/>
-        </p:spPr>
-        <p:txBody>
-          <a:bodyPr wrap="square" rtlCol="0">
-            <a:spAutoFit/>
-          </a:bodyPr>
-          <a:p>
-            <a:r>
-              <a:rPr lang="zh-CN" altLang="en-US"/>
-              <a:t>定义产生湮灭算符</a:t>
-            </a:r>
-            <a:endParaRPr lang="zh-CN" altLang="en-US"/>
-          </a:p>
-        </p:txBody>
-      </p:sp>
-      <p:pic>
-        <p:nvPicPr>
-          <p:cNvPr id="20" name="图片 19"/>
-          <p:cNvPicPr>
-            <a:picLocks noChangeAspect="1"/>
-          </p:cNvPicPr>
-          <p:nvPr/>
-        </p:nvPicPr>
-        <p:blipFill>
-          <a:blip r:embed="rId3"/>
-          <a:stretch>
-            <a:fillRect/>
-          </a:stretch>
-        </p:blipFill>
-        <p:spPr>
-          <a:xfrm>
-            <a:off x="7186930" y="3293745"/>
-            <a:ext cx="2749550" cy="1421130"/>
-          </a:xfrm>
-          <a:prstGeom prst="rect">
-            <a:avLst/>
-          </a:prstGeom>
-        </p:spPr>
-      </p:pic>
-      <p:cxnSp>
-        <p:nvCxnSpPr>
-          <p:cNvPr id="21" name="直接连接符 20"/>
-          <p:cNvCxnSpPr/>
-          <p:nvPr/>
-        </p:nvCxnSpPr>
-        <p:spPr>
-          <a:xfrm flipV="1">
-            <a:off x="6687820" y="4763770"/>
-            <a:ext cx="4493260" cy="0"/>
-          </a:xfrm>
-          <a:prstGeom prst="line">
-            <a:avLst/>
-          </a:prstGeom>
-          <a:ln w="28575" cmpd="sng">
-            <a:solidFill>
-              <a:schemeClr val="accent1">
-                <a:shade val="50000"/>
-              </a:schemeClr>
-            </a:solidFill>
-            <a:prstDash val="sysDot"/>
-          </a:ln>
-        </p:spPr>
-        <p:style>
-          <a:lnRef idx="1">
-            <a:schemeClr val="accent1"/>
-          </a:lnRef>
-          <a:fillRef idx="0">
-            <a:schemeClr val="accent1"/>
-          </a:fillRef>
-          <a:effectRef idx="0">
-            <a:schemeClr val="accent1"/>
-          </a:effectRef>
-          <a:fontRef idx="minor">
-            <a:schemeClr val="tx1"/>
-          </a:fontRef>
-        </p:style>
-      </p:cxnSp>
-      <p:sp>
-        <p:nvSpPr>
-          <p:cNvPr id="22" name="文本框 21"/>
-          <p:cNvSpPr txBox="1"/>
-          <p:nvPr/>
-        </p:nvSpPr>
-        <p:spPr>
-          <a:xfrm>
-            <a:off x="6768465" y="4959985"/>
-            <a:ext cx="2596515" cy="368300"/>
-          </a:xfrm>
-          <a:prstGeom prst="rect">
-            <a:avLst/>
-          </a:prstGeom>
-          <a:noFill/>
-        </p:spPr>
-        <p:txBody>
-          <a:bodyPr wrap="square" rtlCol="0">
-            <a:spAutoFit/>
-          </a:bodyPr>
-          <a:p>
-            <a:r>
-              <a:rPr lang="zh-CN" altLang="en-US"/>
-              <a:t>电路哈密顿量</a:t>
-            </a:r>
-            <a:endParaRPr lang="zh-CN" altLang="en-US"/>
-          </a:p>
-        </p:txBody>
-      </p:sp>
-      <p:pic>
-        <p:nvPicPr>
-          <p:cNvPr id="23" name="图片 22"/>
-          <p:cNvPicPr>
-            <a:picLocks noChangeAspect="1"/>
-          </p:cNvPicPr>
-          <p:nvPr/>
-        </p:nvPicPr>
-        <p:blipFill>
-          <a:blip r:embed="rId4"/>
-          <a:stretch>
-            <a:fillRect/>
-          </a:stretch>
-        </p:blipFill>
-        <p:spPr>
-          <a:xfrm>
-            <a:off x="7493000" y="5393055"/>
-            <a:ext cx="2065655" cy="690245"/>
-          </a:xfrm>
-          <a:prstGeom prst="rect">
-            <a:avLst/>
-          </a:prstGeom>
-        </p:spPr>
-      </p:pic>
-    </p:spTree>
-    <p:custDataLst>
-      <p:tags r:id="rId5"/>
-    </p:custDataLst>
-  </p:cSld>
-  <p:clrMapOvr>
-    <a:masterClrMapping/>
-  </p:clrMapOvr>
-</p:sld>
-</file>
-
-<file path=ppt/slides/slide7.xml><?xml version="1.0" encoding="utf-8"?>
-<p:sld xmlns:a="http://schemas.openxmlformats.org/drawingml/2006/main" xmlns:r="http://schemas.openxmlformats.org/officeDocument/2006/relationships" xmlns:p="http://schemas.openxmlformats.org/presentationml/2006/main">
-  <p:cSld>
-    <p:spTree>
-      <p:nvGrpSpPr>
-        <p:cNvPr id="1" name=""/>
-        <p:cNvGrpSpPr/>
-        <p:nvPr/>
-      </p:nvGrpSpPr>
-      <p:grpSpPr/>
-      <p:sp>
-        <p:nvSpPr>
-          <p:cNvPr id="3" name="矩形 2"/>
-          <p:cNvSpPr/>
-          <p:nvPr/>
-        </p:nvSpPr>
-        <p:spPr>
-          <a:xfrm>
-            <a:off x="3841750" y="294005"/>
-            <a:ext cx="4508500" cy="582295"/>
-          </a:xfrm>
-          <a:prstGeom prst="rect">
-            <a:avLst/>
-          </a:prstGeom>
-          <a:gradFill>
-            <a:gsLst>
-              <a:gs pos="0">
-                <a:srgbClr val="007BD3"/>
-              </a:gs>
-              <a:gs pos="63000">
-                <a:srgbClr val="034373"/>
-              </a:gs>
-            </a:gsLst>
-            <a:lin ang="16200000" scaled="0"/>
-          </a:gradFill>
-          <a:effectLst/>
-        </p:spPr>
-        <p:style>
-          <a:lnRef idx="2">
-            <a:schemeClr val="accent1">
-              <a:shade val="50000"/>
-            </a:schemeClr>
-          </a:lnRef>
-          <a:fillRef idx="1">
-            <a:schemeClr val="accent1"/>
-          </a:fillRef>
-          <a:effectRef idx="0">
-            <a:schemeClr val="accent1"/>
-          </a:effectRef>
-          <a:fontRef idx="minor">
-            <a:schemeClr val="lt1"/>
-          </a:fontRef>
-        </p:style>
-        <p:txBody>
-          <a:bodyPr rtlCol="0" anchor="ctr"/>
-          <a:p>
-            <a:pPr algn="ctr"/>
-            <a:r>
-              <a:rPr lang="en-US" altLang="zh-CN" sz="2000" b="1"/>
-              <a:t>LC </a:t>
-            </a:r>
-            <a:r>
-              <a:rPr lang="zh-CN" altLang="en-US" sz="2000" b="1"/>
-              <a:t>电路量子化</a:t>
-            </a:r>
-            <a:endParaRPr lang="zh-CN" altLang="en-US" sz="2000" b="1"/>
-          </a:p>
-        </p:txBody>
-      </p:sp>
-      <p:sp>
-        <p:nvSpPr>
-          <p:cNvPr id="6" name="矩形 5"/>
-          <p:cNvSpPr/>
-          <p:nvPr/>
-        </p:nvSpPr>
-        <p:spPr>
-          <a:xfrm>
-            <a:off x="0" y="558165"/>
-            <a:ext cx="3841750" cy="54000"/>
-          </a:xfrm>
-          <a:prstGeom prst="rect">
-            <a:avLst/>
-          </a:prstGeom>
-          <a:gradFill>
-            <a:gsLst>
-              <a:gs pos="0">
-                <a:srgbClr val="007BD3"/>
-              </a:gs>
-              <a:gs pos="100000">
-                <a:srgbClr val="034373"/>
-              </a:gs>
-            </a:gsLst>
-            <a:lin ang="10800000" scaled="0"/>
-          </a:gradFill>
-        </p:spPr>
-        <p:style>
-          <a:lnRef idx="2">
-            <a:schemeClr val="accent1">
-              <a:shade val="50000"/>
-            </a:schemeClr>
-          </a:lnRef>
-          <a:fillRef idx="1">
-            <a:schemeClr val="accent1"/>
-          </a:fillRef>
-          <a:effectRef idx="0">
-            <a:schemeClr val="accent1"/>
-          </a:effectRef>
-          <a:fontRef idx="minor">
-            <a:schemeClr val="lt1"/>
-          </a:fontRef>
-        </p:style>
-        <p:txBody>
-          <a:bodyPr rtlCol="0" anchor="ctr"/>
-          <a:p>
-            <a:pPr algn="ctr"/>
-            <a:endParaRPr lang="zh-CN" altLang="en-US"/>
-          </a:p>
-        </p:txBody>
-      </p:sp>
-      <p:sp>
-        <p:nvSpPr>
-          <p:cNvPr id="7" name="矩形 6"/>
-          <p:cNvSpPr/>
-          <p:nvPr/>
-        </p:nvSpPr>
-        <p:spPr>
-          <a:xfrm>
-            <a:off x="8350250" y="558165"/>
-            <a:ext cx="3841750" cy="54000"/>
-          </a:xfrm>
-          <a:prstGeom prst="rect">
-            <a:avLst/>
-          </a:prstGeom>
-          <a:gradFill>
-            <a:gsLst>
-              <a:gs pos="100000">
-                <a:srgbClr val="007BD3"/>
-              </a:gs>
-              <a:gs pos="0">
-                <a:srgbClr val="034373"/>
-              </a:gs>
-            </a:gsLst>
-            <a:lin ang="10800000" scaled="0"/>
-          </a:gradFill>
-        </p:spPr>
-        <p:style>
-          <a:lnRef idx="2">
-            <a:schemeClr val="accent1">
-              <a:shade val="50000"/>
-            </a:schemeClr>
-          </a:lnRef>
-          <a:fillRef idx="1">
-            <a:schemeClr val="accent1"/>
-          </a:fillRef>
-          <a:effectRef idx="0">
-            <a:schemeClr val="accent1"/>
-          </a:effectRef>
-          <a:fontRef idx="minor">
-            <a:schemeClr val="lt1"/>
-          </a:fontRef>
-        </p:style>
-        <p:txBody>
-          <a:bodyPr rtlCol="0" anchor="ctr"/>
-          <a:p>
-            <a:pPr algn="ctr"/>
-            <a:endParaRPr lang="zh-CN" altLang="en-US"/>
-          </a:p>
-        </p:txBody>
-      </p:sp>
-    </p:spTree>
-    <p:custDataLst>
-      <p:tags r:id="rId1"/>
-    </p:custDataLst>
-  </p:cSld>
-  <p:clrMapOvr>
-    <a:masterClrMapping/>
-  </p:clrMapOvr>
-</p:sld>
-</file>
-
-<file path=ppt/slides/slide8.xml><?xml version="1.0" encoding="utf-8"?>
+<file path=ppt/slides/slide10.xml><?xml version="1.0" encoding="utf-8"?>
 <p:sld xmlns:a="http://schemas.openxmlformats.org/drawingml/2006/main" xmlns:r="http://schemas.openxmlformats.org/officeDocument/2006/relationships" xmlns:p="http://schemas.openxmlformats.org/presentationml/2006/main">
   <p:cSld>
     <p:bg>
@@ -6881,6 +3880,4363 @@
 </p:sld>
 </file>
 
+<file path=ppt/slides/slide2.xml><?xml version="1.0" encoding="utf-8"?>
+<p:sld xmlns:a="http://schemas.openxmlformats.org/drawingml/2006/main" xmlns:r="http://schemas.openxmlformats.org/officeDocument/2006/relationships" xmlns:p="http://schemas.openxmlformats.org/presentationml/2006/main">
+  <p:cSld>
+    <p:bg>
+      <p:bgPr>
+        <a:blipFill rotWithShape="1">
+          <a:blip r:embed="rId1"/>
+          <a:stretch>
+            <a:fillRect/>
+          </a:stretch>
+        </a:blipFill>
+        <a:effectLst/>
+      </p:bgPr>
+    </p:bg>
+    <p:spTree>
+      <p:nvGrpSpPr>
+        <p:cNvPr id="1" name=""/>
+        <p:cNvGrpSpPr/>
+        <p:nvPr/>
+      </p:nvGrpSpPr>
+      <p:grpSpPr>
+        <a:xfrm>
+          <a:off x="0" y="0"/>
+          <a:ext cx="0" cy="0"/>
+          <a:chOff x="0" y="0"/>
+          <a:chExt cx="0" cy="0"/>
+        </a:xfrm>
+      </p:grpSpPr>
+      <p:sp>
+        <p:nvSpPr>
+          <p:cNvPr id="5" name="矩形 4"/>
+          <p:cNvSpPr/>
+          <p:nvPr/>
+        </p:nvSpPr>
+        <p:spPr>
+          <a:xfrm>
+            <a:off x="0" y="0"/>
+            <a:ext cx="12191365" cy="6858000"/>
+          </a:xfrm>
+          <a:prstGeom prst="rect">
+            <a:avLst/>
+          </a:prstGeom>
+          <a:solidFill>
+            <a:schemeClr val="tx2">
+              <a:lumMod val="90000"/>
+              <a:lumOff val="10000"/>
+              <a:alpha val="47000"/>
+            </a:schemeClr>
+          </a:solidFill>
+          <a:ln>
+            <a:solidFill>
+              <a:schemeClr val="tx2">
+                <a:lumMod val="50000"/>
+                <a:lumOff val="50000"/>
+              </a:schemeClr>
+            </a:solidFill>
+          </a:ln>
+        </p:spPr>
+        <p:style>
+          <a:lnRef idx="2">
+            <a:schemeClr val="accent1">
+              <a:shade val="50000"/>
+            </a:schemeClr>
+          </a:lnRef>
+          <a:fillRef idx="1">
+            <a:schemeClr val="accent1"/>
+          </a:fillRef>
+          <a:effectRef idx="0">
+            <a:schemeClr val="accent1"/>
+          </a:effectRef>
+          <a:fontRef idx="minor">
+            <a:schemeClr val="lt1"/>
+          </a:fontRef>
+        </p:style>
+        <p:txBody>
+          <a:bodyPr rtlCol="0" anchor="ctr"/>
+          <a:p>
+            <a:pPr algn="ctr"/>
+            <a:endParaRPr lang="zh-CN" altLang="en-US"/>
+          </a:p>
+        </p:txBody>
+      </p:sp>
+      <p:sp>
+        <p:nvSpPr>
+          <p:cNvPr id="17" name="文本框 16"/>
+          <p:cNvSpPr txBox="1"/>
+          <p:nvPr>
+            <p:custDataLst>
+              <p:tags r:id="rId2"/>
+            </p:custDataLst>
+          </p:nvPr>
+        </p:nvSpPr>
+        <p:spPr>
+          <a:xfrm>
+            <a:off x="5768975" y="1936113"/>
+            <a:ext cx="958850" cy="768350"/>
+          </a:xfrm>
+          <a:prstGeom prst="rect">
+            <a:avLst/>
+          </a:prstGeom>
+          <a:noFill/>
+        </p:spPr>
+        <p:txBody>
+          <a:bodyPr wrap="square" rtlCol="0">
+            <a:normAutofit/>
+          </a:bodyPr>
+          <a:lstStyle/>
+          <a:p>
+            <a:r>
+              <a:rPr lang="en-US" altLang="zh-CN" sz="4400" b="1" dirty="0">
+                <a:solidFill>
+                  <a:schemeClr val="bg1"/>
+                </a:solidFill>
+                <a:latin typeface="Arial" panose="020B0604020202020204" pitchFamily="34" charset="0"/>
+                <a:ea typeface="微软雅黑" panose="020B0503020204020204" pitchFamily="34" charset="-122"/>
+                <a:cs typeface="Arial" panose="020B0604020202020204" pitchFamily="34" charset="0"/>
+                <a:sym typeface="Arial" panose="020B0604020202020204" pitchFamily="34" charset="0"/>
+              </a:rPr>
+              <a:t>01.</a:t>
+            </a:r>
+            <a:endParaRPr lang="en-US" altLang="zh-CN" sz="4400" b="1" dirty="0">
+              <a:solidFill>
+                <a:schemeClr val="bg1"/>
+              </a:solidFill>
+              <a:latin typeface="Arial" panose="020B0604020202020204" pitchFamily="34" charset="0"/>
+              <a:ea typeface="微软雅黑" panose="020B0503020204020204" pitchFamily="34" charset="-122"/>
+              <a:cs typeface="Arial" panose="020B0604020202020204" pitchFamily="34" charset="0"/>
+              <a:sym typeface="Arial" panose="020B0604020202020204" pitchFamily="34" charset="0"/>
+            </a:endParaRPr>
+          </a:p>
+        </p:txBody>
+      </p:sp>
+      <p:sp>
+        <p:nvSpPr>
+          <p:cNvPr id="18" name="文本框 17"/>
+          <p:cNvSpPr txBox="1"/>
+          <p:nvPr>
+            <p:custDataLst>
+              <p:tags r:id="rId3"/>
+            </p:custDataLst>
+          </p:nvPr>
+        </p:nvSpPr>
+        <p:spPr>
+          <a:xfrm>
+            <a:off x="6878955" y="1936113"/>
+            <a:ext cx="4246245" cy="770400"/>
+          </a:xfrm>
+          <a:prstGeom prst="rect">
+            <a:avLst/>
+          </a:prstGeom>
+          <a:noFill/>
+        </p:spPr>
+        <p:txBody>
+          <a:bodyPr wrap="square" bIns="46990" rtlCol="0" anchor="ctr" anchorCtr="0">
+            <a:normAutofit/>
+          </a:bodyPr>
+          <a:lstStyle/>
+          <a:p>
+            <a:pPr fontAlgn="auto">
+              <a:lnSpc>
+                <a:spcPct val="120000"/>
+              </a:lnSpc>
+            </a:pPr>
+            <a:r>
+              <a:rPr lang="zh-CN" altLang="en-US" sz="2000" b="1" dirty="0">
+                <a:solidFill>
+                  <a:schemeClr val="bg1"/>
+                </a:solidFill>
+                <a:latin typeface="Arial" panose="020B0604020202020204" pitchFamily="34" charset="0"/>
+                <a:ea typeface="微软雅黑" panose="020B0503020204020204" pitchFamily="34" charset="-122"/>
+                <a:cs typeface="微软雅黑" panose="020B0503020204020204" pitchFamily="34" charset="-122"/>
+                <a:sym typeface="Arial" panose="020B0604020202020204" pitchFamily="34" charset="0"/>
+              </a:rPr>
+              <a:t>超导量子计算简介</a:t>
+            </a:r>
+            <a:endParaRPr lang="zh-CN" altLang="en-US" sz="2000" b="1" dirty="0">
+              <a:solidFill>
+                <a:schemeClr val="bg1"/>
+              </a:solidFill>
+              <a:latin typeface="Arial" panose="020B0604020202020204" pitchFamily="34" charset="0"/>
+              <a:ea typeface="微软雅黑" panose="020B0503020204020204" pitchFamily="34" charset="-122"/>
+              <a:cs typeface="微软雅黑" panose="020B0503020204020204" pitchFamily="34" charset="-122"/>
+              <a:sym typeface="Arial" panose="020B0604020202020204" pitchFamily="34" charset="0"/>
+            </a:endParaRPr>
+          </a:p>
+        </p:txBody>
+      </p:sp>
+      <p:sp>
+        <p:nvSpPr>
+          <p:cNvPr id="26" name="文本框 25"/>
+          <p:cNvSpPr txBox="1"/>
+          <p:nvPr>
+            <p:custDataLst>
+              <p:tags r:id="rId4"/>
+            </p:custDataLst>
+          </p:nvPr>
+        </p:nvSpPr>
+        <p:spPr>
+          <a:xfrm>
+            <a:off x="5768975" y="2948305"/>
+            <a:ext cx="958850" cy="768350"/>
+          </a:xfrm>
+          <a:prstGeom prst="rect">
+            <a:avLst/>
+          </a:prstGeom>
+          <a:noFill/>
+        </p:spPr>
+        <p:txBody>
+          <a:bodyPr wrap="square" rtlCol="0">
+            <a:normAutofit/>
+          </a:bodyPr>
+          <a:lstStyle/>
+          <a:p>
+            <a:r>
+              <a:rPr lang="en-US" altLang="zh-CN" sz="4400" b="1" dirty="0">
+                <a:solidFill>
+                  <a:schemeClr val="bg1"/>
+                </a:solidFill>
+                <a:latin typeface="Arial" panose="020B0604020202020204" pitchFamily="34" charset="0"/>
+                <a:ea typeface="微软雅黑" panose="020B0503020204020204" pitchFamily="34" charset="-122"/>
+                <a:cs typeface="Arial" panose="020B0604020202020204" pitchFamily="34" charset="0"/>
+                <a:sym typeface="Arial" panose="020B0604020202020204" pitchFamily="34" charset="0"/>
+              </a:rPr>
+              <a:t>02.</a:t>
+            </a:r>
+            <a:endParaRPr lang="en-US" altLang="zh-CN" sz="4400" b="1" dirty="0">
+              <a:solidFill>
+                <a:schemeClr val="bg1"/>
+              </a:solidFill>
+              <a:latin typeface="Arial" panose="020B0604020202020204" pitchFamily="34" charset="0"/>
+              <a:ea typeface="微软雅黑" panose="020B0503020204020204" pitchFamily="34" charset="-122"/>
+              <a:cs typeface="Arial" panose="020B0604020202020204" pitchFamily="34" charset="0"/>
+              <a:sym typeface="Arial" panose="020B0604020202020204" pitchFamily="34" charset="0"/>
+            </a:endParaRPr>
+          </a:p>
+        </p:txBody>
+      </p:sp>
+      <p:sp>
+        <p:nvSpPr>
+          <p:cNvPr id="29" name="文本框 28"/>
+          <p:cNvSpPr txBox="1"/>
+          <p:nvPr>
+            <p:custDataLst>
+              <p:tags r:id="rId5"/>
+            </p:custDataLst>
+          </p:nvPr>
+        </p:nvSpPr>
+        <p:spPr>
+          <a:xfrm>
+            <a:off x="5768975" y="3960494"/>
+            <a:ext cx="958850" cy="768350"/>
+          </a:xfrm>
+          <a:prstGeom prst="rect">
+            <a:avLst/>
+          </a:prstGeom>
+          <a:noFill/>
+        </p:spPr>
+        <p:txBody>
+          <a:bodyPr wrap="square" rtlCol="0">
+            <a:normAutofit/>
+          </a:bodyPr>
+          <a:lstStyle/>
+          <a:p>
+            <a:r>
+              <a:rPr lang="en-US" altLang="zh-CN" sz="4400" b="1">
+                <a:solidFill>
+                  <a:schemeClr val="bg1"/>
+                </a:solidFill>
+                <a:latin typeface="Arial" panose="020B0604020202020204" pitchFamily="34" charset="0"/>
+                <a:ea typeface="微软雅黑" panose="020B0503020204020204" pitchFamily="34" charset="-122"/>
+                <a:cs typeface="Arial" panose="020B0604020202020204" pitchFamily="34" charset="0"/>
+                <a:sym typeface="Arial" panose="020B0604020202020204" pitchFamily="34" charset="0"/>
+              </a:rPr>
+              <a:t>03.</a:t>
+            </a:r>
+            <a:endParaRPr lang="en-US" altLang="zh-CN" sz="4400" b="1">
+              <a:solidFill>
+                <a:schemeClr val="bg1"/>
+              </a:solidFill>
+              <a:latin typeface="Arial" panose="020B0604020202020204" pitchFamily="34" charset="0"/>
+              <a:ea typeface="微软雅黑" panose="020B0503020204020204" pitchFamily="34" charset="-122"/>
+              <a:cs typeface="Arial" panose="020B0604020202020204" pitchFamily="34" charset="0"/>
+              <a:sym typeface="Arial" panose="020B0604020202020204" pitchFamily="34" charset="0"/>
+            </a:endParaRPr>
+          </a:p>
+        </p:txBody>
+      </p:sp>
+      <p:sp>
+        <p:nvSpPr>
+          <p:cNvPr id="32" name="文本框 31"/>
+          <p:cNvSpPr txBox="1"/>
+          <p:nvPr>
+            <p:custDataLst>
+              <p:tags r:id="rId6"/>
+            </p:custDataLst>
+          </p:nvPr>
+        </p:nvSpPr>
+        <p:spPr>
+          <a:xfrm>
+            <a:off x="5768975" y="4972685"/>
+            <a:ext cx="958850" cy="768350"/>
+          </a:xfrm>
+          <a:prstGeom prst="rect">
+            <a:avLst/>
+          </a:prstGeom>
+          <a:noFill/>
+        </p:spPr>
+        <p:txBody>
+          <a:bodyPr wrap="square" rtlCol="0">
+            <a:normAutofit/>
+          </a:bodyPr>
+          <a:lstStyle/>
+          <a:p>
+            <a:r>
+              <a:rPr lang="en-US" altLang="zh-CN" sz="4400" b="1">
+                <a:solidFill>
+                  <a:schemeClr val="bg1"/>
+                </a:solidFill>
+                <a:latin typeface="Arial" panose="020B0604020202020204" pitchFamily="34" charset="0"/>
+                <a:ea typeface="微软雅黑" panose="020B0503020204020204" pitchFamily="34" charset="-122"/>
+                <a:cs typeface="Arial" panose="020B0604020202020204" pitchFamily="34" charset="0"/>
+                <a:sym typeface="Arial" panose="020B0604020202020204" pitchFamily="34" charset="0"/>
+              </a:rPr>
+              <a:t>04.</a:t>
+            </a:r>
+            <a:endParaRPr lang="en-US" altLang="zh-CN" sz="4400" b="1">
+              <a:solidFill>
+                <a:schemeClr val="bg1"/>
+              </a:solidFill>
+              <a:latin typeface="Arial" panose="020B0604020202020204" pitchFamily="34" charset="0"/>
+              <a:ea typeface="微软雅黑" panose="020B0503020204020204" pitchFamily="34" charset="-122"/>
+              <a:cs typeface="Arial" panose="020B0604020202020204" pitchFamily="34" charset="0"/>
+              <a:sym typeface="Arial" panose="020B0604020202020204" pitchFamily="34" charset="0"/>
+            </a:endParaRPr>
+          </a:p>
+        </p:txBody>
+      </p:sp>
+      <p:cxnSp>
+        <p:nvCxnSpPr>
+          <p:cNvPr id="38" name="直接连接符 37"/>
+          <p:cNvCxnSpPr/>
+          <p:nvPr>
+            <p:custDataLst>
+              <p:tags r:id="rId7"/>
+            </p:custDataLst>
+          </p:nvPr>
+        </p:nvCxnSpPr>
+        <p:spPr>
+          <a:xfrm>
+            <a:off x="5876925" y="1515110"/>
+            <a:ext cx="5248275" cy="0"/>
+          </a:xfrm>
+          <a:prstGeom prst="line">
+            <a:avLst/>
+          </a:prstGeom>
+          <a:ln w="19050">
+            <a:solidFill>
+              <a:schemeClr val="bg1">
+                <a:lumMod val="75000"/>
+              </a:schemeClr>
+            </a:solidFill>
+            <a:prstDash val="solid"/>
+          </a:ln>
+        </p:spPr>
+        <p:style>
+          <a:lnRef idx="1">
+            <a:schemeClr val="accent1"/>
+          </a:lnRef>
+          <a:fillRef idx="0">
+            <a:schemeClr val="accent1"/>
+          </a:fillRef>
+          <a:effectRef idx="0">
+            <a:schemeClr val="accent1"/>
+          </a:effectRef>
+          <a:fontRef idx="minor">
+            <a:schemeClr val="tx1"/>
+          </a:fontRef>
+        </p:style>
+      </p:cxnSp>
+      <p:sp>
+        <p:nvSpPr>
+          <p:cNvPr id="14" name="文本框 13"/>
+          <p:cNvSpPr txBox="1"/>
+          <p:nvPr>
+            <p:custDataLst>
+              <p:tags r:id="rId8"/>
+            </p:custDataLst>
+          </p:nvPr>
+        </p:nvSpPr>
+        <p:spPr>
+          <a:xfrm>
+            <a:off x="887096" y="1393190"/>
+            <a:ext cx="1851660" cy="768350"/>
+          </a:xfrm>
+          <a:prstGeom prst="rect">
+            <a:avLst/>
+          </a:prstGeom>
+          <a:noFill/>
+        </p:spPr>
+        <p:txBody>
+          <a:bodyPr wrap="square" rtlCol="0">
+            <a:normAutofit fontScale="87500"/>
+          </a:bodyPr>
+          <a:lstStyle/>
+          <a:p>
+            <a:pPr algn="r"/>
+            <a:r>
+              <a:rPr lang="zh-CN" altLang="en-US" sz="4400" b="1" spc="300" dirty="0">
+                <a:solidFill>
+                  <a:schemeClr val="bg1"/>
+                </a:solidFill>
+                <a:latin typeface="Arial" panose="020B0604020202020204" pitchFamily="34" charset="0"/>
+                <a:ea typeface="微软雅黑" panose="020B0503020204020204" pitchFamily="34" charset="-122"/>
+                <a:sym typeface="Arial" panose="020B0604020202020204" pitchFamily="34" charset="0"/>
+              </a:rPr>
+              <a:t>目录</a:t>
+            </a:r>
+            <a:endParaRPr lang="zh-CN" altLang="en-US" sz="4400" b="1" spc="300" dirty="0">
+              <a:solidFill>
+                <a:schemeClr val="bg1"/>
+              </a:solidFill>
+              <a:latin typeface="Arial" panose="020B0604020202020204" pitchFamily="34" charset="0"/>
+              <a:ea typeface="微软雅黑" panose="020B0503020204020204" pitchFamily="34" charset="-122"/>
+              <a:sym typeface="Arial" panose="020B0604020202020204" pitchFamily="34" charset="0"/>
+            </a:endParaRPr>
+          </a:p>
+        </p:txBody>
+      </p:sp>
+      <p:sp>
+        <p:nvSpPr>
+          <p:cNvPr id="15" name="文本框 14"/>
+          <p:cNvSpPr txBox="1"/>
+          <p:nvPr>
+            <p:custDataLst>
+              <p:tags r:id="rId9"/>
+            </p:custDataLst>
+          </p:nvPr>
+        </p:nvSpPr>
+        <p:spPr>
+          <a:xfrm>
+            <a:off x="887095" y="2161540"/>
+            <a:ext cx="1851660" cy="368300"/>
+          </a:xfrm>
+          <a:prstGeom prst="rect">
+            <a:avLst/>
+          </a:prstGeom>
+          <a:noFill/>
+        </p:spPr>
+        <p:txBody>
+          <a:bodyPr wrap="square" rtlCol="0">
+            <a:normAutofit/>
+          </a:bodyPr>
+          <a:lstStyle/>
+          <a:p>
+            <a:pPr algn="r"/>
+            <a:r>
+              <a:rPr lang="en-US" altLang="zh-CN" spc="300" dirty="0">
+                <a:solidFill>
+                  <a:schemeClr val="bg1"/>
+                </a:solidFill>
+                <a:latin typeface="Arial" panose="020B0604020202020204" pitchFamily="34" charset="0"/>
+                <a:ea typeface="微软雅黑" panose="020B0503020204020204" pitchFamily="34" charset="-122"/>
+                <a:cs typeface="Arial" panose="020B0604020202020204" pitchFamily="34" charset="0"/>
+                <a:sym typeface="Arial" panose="020B0604020202020204" pitchFamily="34" charset="0"/>
+              </a:rPr>
+              <a:t>CONTENTS</a:t>
+            </a:r>
+            <a:endParaRPr lang="en-US" altLang="zh-CN" spc="300" dirty="0">
+              <a:solidFill>
+                <a:schemeClr val="bg1"/>
+              </a:solidFill>
+              <a:latin typeface="Arial" panose="020B0604020202020204" pitchFamily="34" charset="0"/>
+              <a:ea typeface="微软雅黑" panose="020B0503020204020204" pitchFamily="34" charset="-122"/>
+              <a:cs typeface="Arial" panose="020B0604020202020204" pitchFamily="34" charset="0"/>
+              <a:sym typeface="Arial" panose="020B0604020202020204" pitchFamily="34" charset="0"/>
+            </a:endParaRPr>
+          </a:p>
+        </p:txBody>
+      </p:sp>
+      <p:sp>
+        <p:nvSpPr>
+          <p:cNvPr id="16" name="矩形 15"/>
+          <p:cNvSpPr/>
+          <p:nvPr>
+            <p:custDataLst>
+              <p:tags r:id="rId10"/>
+            </p:custDataLst>
+          </p:nvPr>
+        </p:nvSpPr>
+        <p:spPr>
+          <a:xfrm>
+            <a:off x="2897505" y="1515110"/>
+            <a:ext cx="76200" cy="922655"/>
+          </a:xfrm>
+          <a:prstGeom prst="rect">
+            <a:avLst/>
+          </a:prstGeom>
+          <a:solidFill>
+            <a:schemeClr val="bg1"/>
+          </a:solidFill>
+          <a:ln>
+            <a:noFill/>
+          </a:ln>
+        </p:spPr>
+        <p:style>
+          <a:lnRef idx="2">
+            <a:schemeClr val="accent1">
+              <a:shade val="50000"/>
+            </a:schemeClr>
+          </a:lnRef>
+          <a:fillRef idx="1">
+            <a:schemeClr val="accent1"/>
+          </a:fillRef>
+          <a:effectRef idx="0">
+            <a:schemeClr val="accent1"/>
+          </a:effectRef>
+          <a:fontRef idx="minor">
+            <a:schemeClr val="lt1"/>
+          </a:fontRef>
+        </p:style>
+        <p:txBody>
+          <a:bodyPr rtlCol="0" anchor="ctr"/>
+          <a:lstStyle/>
+          <a:p>
+            <a:pPr algn="ctr"/>
+            <a:endParaRPr lang="zh-CN" altLang="en-US">
+              <a:solidFill>
+                <a:schemeClr val="bg1"/>
+              </a:solidFill>
+              <a:latin typeface="Arial" panose="020B0604020202020204" pitchFamily="34" charset="0"/>
+              <a:ea typeface="微软雅黑" panose="020B0503020204020204" pitchFamily="34" charset="-122"/>
+              <a:sym typeface="Arial" panose="020B0604020202020204" pitchFamily="34" charset="0"/>
+            </a:endParaRPr>
+          </a:p>
+        </p:txBody>
+      </p:sp>
+      <p:sp>
+        <p:nvSpPr>
+          <p:cNvPr id="19" name="文本框 18"/>
+          <p:cNvSpPr txBox="1"/>
+          <p:nvPr>
+            <p:custDataLst>
+              <p:tags r:id="rId11"/>
+            </p:custDataLst>
+          </p:nvPr>
+        </p:nvSpPr>
+        <p:spPr>
+          <a:xfrm>
+            <a:off x="6878955" y="2948305"/>
+            <a:ext cx="4246245" cy="770400"/>
+          </a:xfrm>
+          <a:prstGeom prst="rect">
+            <a:avLst/>
+          </a:prstGeom>
+          <a:noFill/>
+        </p:spPr>
+        <p:txBody>
+          <a:bodyPr wrap="square" bIns="46990" rtlCol="0" anchor="ctr" anchorCtr="0">
+            <a:normAutofit/>
+          </a:bodyPr>
+          <a:lstStyle/>
+          <a:p>
+            <a:pPr fontAlgn="auto">
+              <a:lnSpc>
+                <a:spcPct val="120000"/>
+              </a:lnSpc>
+            </a:pPr>
+            <a:r>
+              <a:rPr lang="zh-CN" altLang="en-US" sz="2000" b="1" dirty="0">
+                <a:solidFill>
+                  <a:schemeClr val="bg1"/>
+                </a:solidFill>
+                <a:latin typeface="Arial" panose="020B0604020202020204" pitchFamily="34" charset="0"/>
+                <a:ea typeface="微软雅黑" panose="020B0503020204020204" pitchFamily="34" charset="-122"/>
+                <a:cs typeface="微软雅黑" panose="020B0503020204020204" pitchFamily="34" charset="-122"/>
+                <a:sym typeface="Arial" panose="020B0604020202020204" pitchFamily="34" charset="0"/>
+              </a:rPr>
+              <a:t>超导量子芯片制备全流程</a:t>
+            </a:r>
+            <a:endParaRPr lang="zh-CN" altLang="en-US" sz="2000" b="1" dirty="0">
+              <a:solidFill>
+                <a:schemeClr val="bg1"/>
+              </a:solidFill>
+              <a:latin typeface="Arial" panose="020B0604020202020204" pitchFamily="34" charset="0"/>
+              <a:ea typeface="微软雅黑" panose="020B0503020204020204" pitchFamily="34" charset="-122"/>
+              <a:cs typeface="微软雅黑" panose="020B0503020204020204" pitchFamily="34" charset="-122"/>
+              <a:sym typeface="Arial" panose="020B0604020202020204" pitchFamily="34" charset="0"/>
+            </a:endParaRPr>
+          </a:p>
+        </p:txBody>
+      </p:sp>
+      <p:sp>
+        <p:nvSpPr>
+          <p:cNvPr id="20" name="文本框 19"/>
+          <p:cNvSpPr txBox="1"/>
+          <p:nvPr>
+            <p:custDataLst>
+              <p:tags r:id="rId12"/>
+            </p:custDataLst>
+          </p:nvPr>
+        </p:nvSpPr>
+        <p:spPr>
+          <a:xfrm>
+            <a:off x="6878955" y="3960494"/>
+            <a:ext cx="4246245" cy="770400"/>
+          </a:xfrm>
+          <a:prstGeom prst="rect">
+            <a:avLst/>
+          </a:prstGeom>
+          <a:noFill/>
+        </p:spPr>
+        <p:txBody>
+          <a:bodyPr wrap="square" bIns="46990" rtlCol="0" anchor="ctr" anchorCtr="0">
+            <a:normAutofit/>
+          </a:bodyPr>
+          <a:lstStyle/>
+          <a:p>
+            <a:pPr fontAlgn="auto">
+              <a:lnSpc>
+                <a:spcPct val="120000"/>
+              </a:lnSpc>
+            </a:pPr>
+            <a:r>
+              <a:rPr lang="zh-CN" altLang="en-US" sz="2000" b="1" dirty="0">
+                <a:solidFill>
+                  <a:schemeClr val="bg1"/>
+                </a:solidFill>
+                <a:latin typeface="Arial" panose="020B0604020202020204" pitchFamily="34" charset="0"/>
+                <a:ea typeface="微软雅黑" panose="020B0503020204020204" pitchFamily="34" charset="-122"/>
+                <a:cs typeface="微软雅黑" panose="020B0503020204020204" pitchFamily="34" charset="-122"/>
+                <a:sym typeface="Arial" panose="020B0604020202020204" pitchFamily="34" charset="0"/>
+              </a:rPr>
+              <a:t>超导芯片设计自动化</a:t>
+            </a:r>
+            <a:endParaRPr lang="zh-CN" altLang="en-US" sz="2000" b="1" dirty="0">
+              <a:solidFill>
+                <a:schemeClr val="bg1"/>
+              </a:solidFill>
+              <a:latin typeface="Arial" panose="020B0604020202020204" pitchFamily="34" charset="0"/>
+              <a:ea typeface="微软雅黑" panose="020B0503020204020204" pitchFamily="34" charset="-122"/>
+              <a:cs typeface="微软雅黑" panose="020B0503020204020204" pitchFamily="34" charset="-122"/>
+              <a:sym typeface="Arial" panose="020B0604020202020204" pitchFamily="34" charset="0"/>
+            </a:endParaRPr>
+          </a:p>
+        </p:txBody>
+      </p:sp>
+      <p:sp>
+        <p:nvSpPr>
+          <p:cNvPr id="21" name="文本框 20"/>
+          <p:cNvSpPr txBox="1"/>
+          <p:nvPr>
+            <p:custDataLst>
+              <p:tags r:id="rId13"/>
+            </p:custDataLst>
+          </p:nvPr>
+        </p:nvSpPr>
+        <p:spPr>
+          <a:xfrm>
+            <a:off x="6878955" y="4972685"/>
+            <a:ext cx="4246245" cy="770400"/>
+          </a:xfrm>
+          <a:prstGeom prst="rect">
+            <a:avLst/>
+          </a:prstGeom>
+          <a:noFill/>
+        </p:spPr>
+        <p:txBody>
+          <a:bodyPr wrap="square" bIns="46990" rtlCol="0" anchor="ctr" anchorCtr="0">
+            <a:normAutofit/>
+          </a:bodyPr>
+          <a:lstStyle/>
+          <a:p>
+            <a:pPr fontAlgn="auto">
+              <a:lnSpc>
+                <a:spcPct val="120000"/>
+              </a:lnSpc>
+            </a:pPr>
+            <a:r>
+              <a:rPr lang="zh-CN" altLang="en-US" sz="2000" b="1" dirty="0">
+                <a:solidFill>
+                  <a:schemeClr val="bg1"/>
+                </a:solidFill>
+                <a:latin typeface="Arial" panose="020B0604020202020204" pitchFamily="34" charset="0"/>
+                <a:ea typeface="微软雅黑" panose="020B0503020204020204" pitchFamily="34" charset="-122"/>
+                <a:cs typeface="微软雅黑" panose="020B0503020204020204" pitchFamily="34" charset="-122"/>
+                <a:sym typeface="Arial" panose="020B0604020202020204" pitchFamily="34" charset="0"/>
+              </a:rPr>
+              <a:t>未来展望</a:t>
+            </a:r>
+            <a:endParaRPr lang="zh-CN" altLang="en-US" sz="2000" b="1" dirty="0">
+              <a:solidFill>
+                <a:schemeClr val="bg1"/>
+              </a:solidFill>
+              <a:latin typeface="Arial" panose="020B0604020202020204" pitchFamily="34" charset="0"/>
+              <a:ea typeface="微软雅黑" panose="020B0503020204020204" pitchFamily="34" charset="-122"/>
+              <a:cs typeface="微软雅黑" panose="020B0503020204020204" pitchFamily="34" charset="-122"/>
+              <a:sym typeface="Arial" panose="020B0604020202020204" pitchFamily="34" charset="0"/>
+            </a:endParaRPr>
+          </a:p>
+        </p:txBody>
+      </p:sp>
+    </p:spTree>
+    <p:custDataLst>
+      <p:tags r:id="rId14"/>
+    </p:custDataLst>
+  </p:cSld>
+  <p:clrMapOvr>
+    <a:masterClrMapping/>
+  </p:clrMapOvr>
+</p:sld>
+</file>
+
+<file path=ppt/slides/slide3.xml><?xml version="1.0" encoding="utf-8"?>
+<p:sld xmlns:a="http://schemas.openxmlformats.org/drawingml/2006/main" xmlns:r="http://schemas.openxmlformats.org/officeDocument/2006/relationships" xmlns:p="http://schemas.openxmlformats.org/presentationml/2006/main">
+  <p:cSld>
+    <p:spTree>
+      <p:nvGrpSpPr>
+        <p:cNvPr id="1" name=""/>
+        <p:cNvGrpSpPr/>
+        <p:nvPr/>
+      </p:nvGrpSpPr>
+      <p:grpSpPr/>
+      <p:sp>
+        <p:nvSpPr>
+          <p:cNvPr id="3" name="矩形 2"/>
+          <p:cNvSpPr/>
+          <p:nvPr/>
+        </p:nvSpPr>
+        <p:spPr>
+          <a:xfrm>
+            <a:off x="3841750" y="294005"/>
+            <a:ext cx="4508500" cy="582295"/>
+          </a:xfrm>
+          <a:prstGeom prst="rect">
+            <a:avLst/>
+          </a:prstGeom>
+          <a:gradFill>
+            <a:gsLst>
+              <a:gs pos="0">
+                <a:srgbClr val="007BD3"/>
+              </a:gs>
+              <a:gs pos="63000">
+                <a:srgbClr val="034373"/>
+              </a:gs>
+            </a:gsLst>
+            <a:lin ang="16200000" scaled="0"/>
+          </a:gradFill>
+          <a:effectLst/>
+        </p:spPr>
+        <p:style>
+          <a:lnRef idx="2">
+            <a:schemeClr val="accent1">
+              <a:shade val="50000"/>
+            </a:schemeClr>
+          </a:lnRef>
+          <a:fillRef idx="1">
+            <a:schemeClr val="accent1"/>
+          </a:fillRef>
+          <a:effectRef idx="0">
+            <a:schemeClr val="accent1"/>
+          </a:effectRef>
+          <a:fontRef idx="minor">
+            <a:schemeClr val="lt1"/>
+          </a:fontRef>
+        </p:style>
+        <p:txBody>
+          <a:bodyPr rtlCol="0" anchor="ctr"/>
+          <a:p>
+            <a:pPr algn="ctr"/>
+            <a:r>
+              <a:rPr lang="zh-CN" altLang="en-US" sz="2000" b="1"/>
+              <a:t>超导量子计算简介</a:t>
+            </a:r>
+            <a:endParaRPr lang="zh-CN" altLang="en-US" sz="2000" b="1"/>
+          </a:p>
+        </p:txBody>
+      </p:sp>
+      <p:sp>
+        <p:nvSpPr>
+          <p:cNvPr id="6" name="矩形 5"/>
+          <p:cNvSpPr/>
+          <p:nvPr/>
+        </p:nvSpPr>
+        <p:spPr>
+          <a:xfrm>
+            <a:off x="0" y="558165"/>
+            <a:ext cx="3841750" cy="54000"/>
+          </a:xfrm>
+          <a:prstGeom prst="rect">
+            <a:avLst/>
+          </a:prstGeom>
+          <a:gradFill>
+            <a:gsLst>
+              <a:gs pos="0">
+                <a:srgbClr val="007BD3"/>
+              </a:gs>
+              <a:gs pos="100000">
+                <a:srgbClr val="034373"/>
+              </a:gs>
+            </a:gsLst>
+            <a:lin ang="10800000" scaled="0"/>
+          </a:gradFill>
+        </p:spPr>
+        <p:style>
+          <a:lnRef idx="2">
+            <a:schemeClr val="accent1">
+              <a:shade val="50000"/>
+            </a:schemeClr>
+          </a:lnRef>
+          <a:fillRef idx="1">
+            <a:schemeClr val="accent1"/>
+          </a:fillRef>
+          <a:effectRef idx="0">
+            <a:schemeClr val="accent1"/>
+          </a:effectRef>
+          <a:fontRef idx="minor">
+            <a:schemeClr val="lt1"/>
+          </a:fontRef>
+        </p:style>
+        <p:txBody>
+          <a:bodyPr rtlCol="0" anchor="ctr"/>
+          <a:p>
+            <a:pPr algn="ctr"/>
+            <a:endParaRPr lang="zh-CN" altLang="en-US"/>
+          </a:p>
+        </p:txBody>
+      </p:sp>
+      <p:sp>
+        <p:nvSpPr>
+          <p:cNvPr id="7" name="矩形 6"/>
+          <p:cNvSpPr/>
+          <p:nvPr/>
+        </p:nvSpPr>
+        <p:spPr>
+          <a:xfrm>
+            <a:off x="8350250" y="558165"/>
+            <a:ext cx="3841750" cy="54000"/>
+          </a:xfrm>
+          <a:prstGeom prst="rect">
+            <a:avLst/>
+          </a:prstGeom>
+          <a:gradFill>
+            <a:gsLst>
+              <a:gs pos="100000">
+                <a:srgbClr val="007BD3"/>
+              </a:gs>
+              <a:gs pos="0">
+                <a:srgbClr val="034373"/>
+              </a:gs>
+            </a:gsLst>
+            <a:lin ang="10800000" scaled="0"/>
+          </a:gradFill>
+        </p:spPr>
+        <p:style>
+          <a:lnRef idx="2">
+            <a:schemeClr val="accent1">
+              <a:shade val="50000"/>
+            </a:schemeClr>
+          </a:lnRef>
+          <a:fillRef idx="1">
+            <a:schemeClr val="accent1"/>
+          </a:fillRef>
+          <a:effectRef idx="0">
+            <a:schemeClr val="accent1"/>
+          </a:effectRef>
+          <a:fontRef idx="minor">
+            <a:schemeClr val="lt1"/>
+          </a:fontRef>
+        </p:style>
+        <p:txBody>
+          <a:bodyPr rtlCol="0" anchor="ctr"/>
+          <a:p>
+            <a:pPr algn="ctr"/>
+            <a:endParaRPr lang="zh-CN" altLang="en-US"/>
+          </a:p>
+        </p:txBody>
+      </p:sp>
+      <p:sp>
+        <p:nvSpPr>
+          <p:cNvPr id="8" name="文本框 7"/>
+          <p:cNvSpPr txBox="1"/>
+          <p:nvPr/>
+        </p:nvSpPr>
+        <p:spPr>
+          <a:xfrm>
+            <a:off x="1104265" y="1922145"/>
+            <a:ext cx="5212080" cy="460375"/>
+          </a:xfrm>
+          <a:prstGeom prst="rect">
+            <a:avLst/>
+          </a:prstGeom>
+          <a:noFill/>
+        </p:spPr>
+        <p:txBody>
+          <a:bodyPr wrap="square" rtlCol="0">
+            <a:spAutoFit/>
+          </a:bodyPr>
+          <a:p>
+            <a:r>
+              <a:rPr lang="en-US" altLang="zh-CN" sz="2400" b="1">
+                <a:solidFill>
+                  <a:schemeClr val="accent1">
+                    <a:lumMod val="50000"/>
+                  </a:schemeClr>
+                </a:solidFill>
+                <a:effectLst>
+                  <a:outerShdw blurRad="38100" dist="19050" dir="2700000" algn="tl" rotWithShape="0">
+                    <a:schemeClr val="dk1">
+                      <a:alpha val="40000"/>
+                    </a:schemeClr>
+                  </a:outerShdw>
+                </a:effectLst>
+              </a:rPr>
+              <a:t>1. </a:t>
+            </a:r>
+            <a:r>
+              <a:rPr lang="zh-CN" altLang="en-US" sz="2400" b="1">
+                <a:solidFill>
+                  <a:schemeClr val="accent1">
+                    <a:lumMod val="50000"/>
+                  </a:schemeClr>
+                </a:solidFill>
+                <a:effectLst>
+                  <a:outerShdw blurRad="38100" dist="19050" dir="2700000" algn="tl" rotWithShape="0">
+                    <a:schemeClr val="dk1">
+                      <a:alpha val="40000"/>
+                    </a:schemeClr>
+                  </a:outerShdw>
+                </a:effectLst>
+              </a:rPr>
+              <a:t>从量子化</a:t>
+            </a:r>
+            <a:r>
+              <a:rPr lang="en-US" altLang="zh-CN" sz="2400" b="1">
+                <a:solidFill>
+                  <a:schemeClr val="accent1">
+                    <a:lumMod val="50000"/>
+                  </a:schemeClr>
+                </a:solidFill>
+                <a:effectLst>
+                  <a:outerShdw blurRad="38100" dist="19050" dir="2700000" algn="tl" rotWithShape="0">
+                    <a:schemeClr val="dk1">
+                      <a:alpha val="40000"/>
+                    </a:schemeClr>
+                  </a:outerShdw>
+                </a:effectLst>
+              </a:rPr>
+              <a:t> LC </a:t>
+            </a:r>
+            <a:r>
+              <a:rPr lang="zh-CN" altLang="en-US" sz="2400" b="1">
+                <a:solidFill>
+                  <a:schemeClr val="accent1">
+                    <a:lumMod val="50000"/>
+                  </a:schemeClr>
+                </a:solidFill>
+                <a:effectLst>
+                  <a:outerShdw blurRad="38100" dist="19050" dir="2700000" algn="tl" rotWithShape="0">
+                    <a:schemeClr val="dk1">
+                      <a:alpha val="40000"/>
+                    </a:schemeClr>
+                  </a:outerShdw>
+                </a:effectLst>
+              </a:rPr>
+              <a:t>电路到</a:t>
+            </a:r>
+            <a:r>
+              <a:rPr lang="en-US" altLang="zh-CN" sz="2400" b="1">
+                <a:solidFill>
+                  <a:schemeClr val="accent1">
+                    <a:lumMod val="50000"/>
+                  </a:schemeClr>
+                </a:solidFill>
+                <a:effectLst>
+                  <a:outerShdw blurRad="38100" dist="19050" dir="2700000" algn="tl" rotWithShape="0">
+                    <a:schemeClr val="dk1">
+                      <a:alpha val="40000"/>
+                    </a:schemeClr>
+                  </a:outerShdw>
+                </a:effectLst>
+              </a:rPr>
+              <a:t> Transmon</a:t>
+            </a:r>
+            <a:endParaRPr lang="en-US" altLang="zh-CN" sz="2400" b="1">
+              <a:solidFill>
+                <a:schemeClr val="accent1">
+                  <a:lumMod val="50000"/>
+                </a:schemeClr>
+              </a:solidFill>
+              <a:effectLst>
+                <a:outerShdw blurRad="38100" dist="19050" dir="2700000" algn="tl" rotWithShape="0">
+                  <a:schemeClr val="dk1">
+                    <a:alpha val="40000"/>
+                  </a:schemeClr>
+                </a:outerShdw>
+              </a:effectLst>
+            </a:endParaRPr>
+          </a:p>
+        </p:txBody>
+      </p:sp>
+      <p:sp>
+        <p:nvSpPr>
+          <p:cNvPr id="9" name="文本框 8"/>
+          <p:cNvSpPr txBox="1"/>
+          <p:nvPr/>
+        </p:nvSpPr>
+        <p:spPr>
+          <a:xfrm>
+            <a:off x="1104265" y="1106805"/>
+            <a:ext cx="9740900" cy="645160"/>
+          </a:xfrm>
+          <a:prstGeom prst="rect">
+            <a:avLst/>
+          </a:prstGeom>
+          <a:noFill/>
+        </p:spPr>
+        <p:txBody>
+          <a:bodyPr wrap="square" rtlCol="0">
+            <a:spAutoFit/>
+          </a:bodyPr>
+          <a:p>
+            <a:pPr>
+              <a:lnSpc>
+                <a:spcPct val="150000"/>
+              </a:lnSpc>
+            </a:pPr>
+            <a:r>
+              <a:rPr lang="zh-CN" altLang="en-US" sz="2400" b="1">
+                <a:solidFill>
+                  <a:schemeClr val="tx1"/>
+                </a:solidFill>
+                <a:effectLst>
+                  <a:outerShdw blurRad="38100" dist="19050" dir="2700000" algn="tl" rotWithShape="0">
+                    <a:schemeClr val="dk1">
+                      <a:alpha val="40000"/>
+                    </a:schemeClr>
+                  </a:outerShdw>
+                </a:effectLst>
+              </a:rPr>
+              <a:t>量子信息的物理载体：超导量子比特</a:t>
+            </a:r>
+            <a:r>
+              <a:rPr lang="en-US" altLang="zh-CN" sz="2400" b="1">
+                <a:solidFill>
+                  <a:schemeClr val="tx1"/>
+                </a:solidFill>
+                <a:effectLst>
+                  <a:outerShdw blurRad="38100" dist="19050" dir="2700000" algn="tl" rotWithShape="0">
+                    <a:schemeClr val="dk1">
+                      <a:alpha val="40000"/>
+                    </a:schemeClr>
+                  </a:outerShdw>
+                </a:effectLst>
+              </a:rPr>
+              <a:t>——</a:t>
+            </a:r>
+            <a:r>
+              <a:rPr lang="zh-CN" altLang="en-US" sz="2400" b="1">
+                <a:solidFill>
+                  <a:schemeClr val="tx1"/>
+                </a:solidFill>
+                <a:effectLst>
+                  <a:outerShdw blurRad="38100" dist="19050" dir="2700000" algn="tl" rotWithShape="0">
+                    <a:schemeClr val="dk1">
+                      <a:alpha val="40000"/>
+                    </a:schemeClr>
+                  </a:outerShdw>
+                </a:effectLst>
+              </a:rPr>
+              <a:t>超导电路构建的人工原子</a:t>
+            </a:r>
+            <a:endParaRPr lang="zh-CN" altLang="en-US" sz="2400" b="1">
+              <a:solidFill>
+                <a:schemeClr val="tx1"/>
+              </a:solidFill>
+              <a:effectLst>
+                <a:outerShdw blurRad="38100" dist="19050" dir="2700000" algn="tl" rotWithShape="0">
+                  <a:schemeClr val="dk1">
+                    <a:alpha val="40000"/>
+                  </a:schemeClr>
+                </a:outerShdw>
+              </a:effectLst>
+            </a:endParaRPr>
+          </a:p>
+        </p:txBody>
+      </p:sp>
+      <p:pic>
+        <p:nvPicPr>
+          <p:cNvPr id="10" name="图片 9"/>
+          <p:cNvPicPr>
+            <a:picLocks noChangeAspect="1"/>
+          </p:cNvPicPr>
+          <p:nvPr/>
+        </p:nvPicPr>
+        <p:blipFill>
+          <a:blip r:embed="rId1"/>
+          <a:stretch>
+            <a:fillRect/>
+          </a:stretch>
+        </p:blipFill>
+        <p:spPr>
+          <a:xfrm>
+            <a:off x="1696720" y="2618105"/>
+            <a:ext cx="3268980" cy="2714625"/>
+          </a:xfrm>
+          <a:prstGeom prst="rect">
+            <a:avLst/>
+          </a:prstGeom>
+        </p:spPr>
+      </p:pic>
+      <p:sp>
+        <p:nvSpPr>
+          <p:cNvPr id="11" name="文本框 10"/>
+          <p:cNvSpPr txBox="1"/>
+          <p:nvPr/>
+        </p:nvSpPr>
+        <p:spPr>
+          <a:xfrm>
+            <a:off x="1719580" y="5332730"/>
+            <a:ext cx="3223260" cy="337185"/>
+          </a:xfrm>
+          <a:prstGeom prst="rect">
+            <a:avLst/>
+          </a:prstGeom>
+          <a:noFill/>
+        </p:spPr>
+        <p:txBody>
+          <a:bodyPr wrap="square" rtlCol="0">
+            <a:spAutoFit/>
+          </a:bodyPr>
+          <a:p>
+            <a:pPr algn="ctr"/>
+            <a:r>
+              <a:rPr lang="en-US" altLang="zh-CN" sz="1600"/>
+              <a:t>Fig. 1. LC circuit</a:t>
+            </a:r>
+            <a:endParaRPr lang="en-US" altLang="zh-CN" sz="1600"/>
+          </a:p>
+        </p:txBody>
+      </p:sp>
+      <p:pic>
+        <p:nvPicPr>
+          <p:cNvPr id="13" name="图片 12"/>
+          <p:cNvPicPr>
+            <a:picLocks noChangeAspect="1"/>
+          </p:cNvPicPr>
+          <p:nvPr/>
+        </p:nvPicPr>
+        <p:blipFill>
+          <a:blip r:embed="rId2"/>
+          <a:srcRect r="1182" b="11659"/>
+          <a:stretch>
+            <a:fillRect/>
+          </a:stretch>
+        </p:blipFill>
+        <p:spPr>
+          <a:xfrm>
+            <a:off x="5251450" y="2593340"/>
+            <a:ext cx="6288405" cy="3508375"/>
+          </a:xfrm>
+          <a:prstGeom prst="rect">
+            <a:avLst/>
+          </a:prstGeom>
+        </p:spPr>
+      </p:pic>
+    </p:spTree>
+    <p:custDataLst>
+      <p:tags r:id="rId3"/>
+    </p:custDataLst>
+  </p:cSld>
+  <p:clrMapOvr>
+    <a:masterClrMapping/>
+  </p:clrMapOvr>
+</p:sld>
+</file>
+
+<file path=ppt/slides/slide4.xml><?xml version="1.0" encoding="utf-8"?>
+<p:sld xmlns:a="http://schemas.openxmlformats.org/drawingml/2006/main" xmlns:r="http://schemas.openxmlformats.org/officeDocument/2006/relationships" xmlns:p="http://schemas.openxmlformats.org/presentationml/2006/main">
+  <p:cSld>
+    <p:spTree>
+      <p:nvGrpSpPr>
+        <p:cNvPr id="1" name=""/>
+        <p:cNvGrpSpPr/>
+        <p:nvPr/>
+      </p:nvGrpSpPr>
+      <p:grpSpPr/>
+      <p:sp>
+        <p:nvSpPr>
+          <p:cNvPr id="3" name="矩形 2"/>
+          <p:cNvSpPr/>
+          <p:nvPr/>
+        </p:nvSpPr>
+        <p:spPr>
+          <a:xfrm>
+            <a:off x="3841750" y="294005"/>
+            <a:ext cx="4508500" cy="582295"/>
+          </a:xfrm>
+          <a:prstGeom prst="rect">
+            <a:avLst/>
+          </a:prstGeom>
+          <a:gradFill>
+            <a:gsLst>
+              <a:gs pos="0">
+                <a:srgbClr val="007BD3"/>
+              </a:gs>
+              <a:gs pos="63000">
+                <a:srgbClr val="034373"/>
+              </a:gs>
+            </a:gsLst>
+            <a:lin ang="16200000" scaled="0"/>
+          </a:gradFill>
+          <a:effectLst/>
+        </p:spPr>
+        <p:style>
+          <a:lnRef idx="2">
+            <a:schemeClr val="accent1">
+              <a:shade val="50000"/>
+            </a:schemeClr>
+          </a:lnRef>
+          <a:fillRef idx="1">
+            <a:schemeClr val="accent1"/>
+          </a:fillRef>
+          <a:effectRef idx="0">
+            <a:schemeClr val="accent1"/>
+          </a:effectRef>
+          <a:fontRef idx="minor">
+            <a:schemeClr val="lt1"/>
+          </a:fontRef>
+        </p:style>
+        <p:txBody>
+          <a:bodyPr rtlCol="0" anchor="ctr"/>
+          <a:p>
+            <a:pPr algn="ctr"/>
+            <a:r>
+              <a:rPr lang="en-US" altLang="zh-CN" sz="2000" b="1"/>
+              <a:t>LC </a:t>
+            </a:r>
+            <a:r>
+              <a:rPr lang="zh-CN" altLang="en-US" sz="2000" b="1"/>
+              <a:t>电路量子化</a:t>
+            </a:r>
+            <a:endParaRPr lang="zh-CN" altLang="en-US" sz="2000" b="1"/>
+          </a:p>
+        </p:txBody>
+      </p:sp>
+      <p:sp>
+        <p:nvSpPr>
+          <p:cNvPr id="6" name="矩形 5"/>
+          <p:cNvSpPr/>
+          <p:nvPr/>
+        </p:nvSpPr>
+        <p:spPr>
+          <a:xfrm>
+            <a:off x="0" y="558165"/>
+            <a:ext cx="3841750" cy="54000"/>
+          </a:xfrm>
+          <a:prstGeom prst="rect">
+            <a:avLst/>
+          </a:prstGeom>
+          <a:gradFill>
+            <a:gsLst>
+              <a:gs pos="0">
+                <a:srgbClr val="007BD3"/>
+              </a:gs>
+              <a:gs pos="100000">
+                <a:srgbClr val="034373"/>
+              </a:gs>
+            </a:gsLst>
+            <a:lin ang="10800000" scaled="0"/>
+          </a:gradFill>
+        </p:spPr>
+        <p:style>
+          <a:lnRef idx="2">
+            <a:schemeClr val="accent1">
+              <a:shade val="50000"/>
+            </a:schemeClr>
+          </a:lnRef>
+          <a:fillRef idx="1">
+            <a:schemeClr val="accent1"/>
+          </a:fillRef>
+          <a:effectRef idx="0">
+            <a:schemeClr val="accent1"/>
+          </a:effectRef>
+          <a:fontRef idx="minor">
+            <a:schemeClr val="lt1"/>
+          </a:fontRef>
+        </p:style>
+        <p:txBody>
+          <a:bodyPr rtlCol="0" anchor="ctr"/>
+          <a:p>
+            <a:pPr algn="ctr"/>
+            <a:endParaRPr lang="zh-CN" altLang="en-US"/>
+          </a:p>
+        </p:txBody>
+      </p:sp>
+      <p:sp>
+        <p:nvSpPr>
+          <p:cNvPr id="7" name="矩形 6"/>
+          <p:cNvSpPr/>
+          <p:nvPr/>
+        </p:nvSpPr>
+        <p:spPr>
+          <a:xfrm>
+            <a:off x="8350250" y="558165"/>
+            <a:ext cx="3841750" cy="54000"/>
+          </a:xfrm>
+          <a:prstGeom prst="rect">
+            <a:avLst/>
+          </a:prstGeom>
+          <a:gradFill>
+            <a:gsLst>
+              <a:gs pos="100000">
+                <a:srgbClr val="007BD3"/>
+              </a:gs>
+              <a:gs pos="0">
+                <a:srgbClr val="034373"/>
+              </a:gs>
+            </a:gsLst>
+            <a:lin ang="10800000" scaled="0"/>
+          </a:gradFill>
+        </p:spPr>
+        <p:style>
+          <a:lnRef idx="2">
+            <a:schemeClr val="accent1">
+              <a:shade val="50000"/>
+            </a:schemeClr>
+          </a:lnRef>
+          <a:fillRef idx="1">
+            <a:schemeClr val="accent1"/>
+          </a:fillRef>
+          <a:effectRef idx="0">
+            <a:schemeClr val="accent1"/>
+          </a:effectRef>
+          <a:fontRef idx="minor">
+            <a:schemeClr val="lt1"/>
+          </a:fontRef>
+        </p:style>
+        <p:txBody>
+          <a:bodyPr rtlCol="0" anchor="ctr"/>
+          <a:p>
+            <a:pPr algn="ctr"/>
+            <a:endParaRPr lang="zh-CN" altLang="en-US"/>
+          </a:p>
+        </p:txBody>
+      </p:sp>
+      <p:sp>
+        <p:nvSpPr>
+          <p:cNvPr id="4" name="文本框 3"/>
+          <p:cNvSpPr txBox="1"/>
+          <p:nvPr/>
+        </p:nvSpPr>
+        <p:spPr>
+          <a:xfrm>
+            <a:off x="1697990" y="1329690"/>
+            <a:ext cx="3986530" cy="368300"/>
+          </a:xfrm>
+          <a:prstGeom prst="rect">
+            <a:avLst/>
+          </a:prstGeom>
+          <a:noFill/>
+        </p:spPr>
+        <p:txBody>
+          <a:bodyPr wrap="square" rtlCol="0">
+            <a:spAutoFit/>
+          </a:bodyPr>
+          <a:p>
+            <a:r>
+              <a:rPr lang="zh-CN" altLang="en-US"/>
+              <a:t>磁通定义为</a:t>
+            </a:r>
+            <a:endParaRPr lang="zh-CN" altLang="en-US"/>
+          </a:p>
+        </p:txBody>
+      </p:sp>
+      <p:pic>
+        <p:nvPicPr>
+          <p:cNvPr id="5" name="图片 4"/>
+          <p:cNvPicPr>
+            <a:picLocks noChangeAspect="1"/>
+          </p:cNvPicPr>
+          <p:nvPr/>
+        </p:nvPicPr>
+        <p:blipFill>
+          <a:blip r:embed="rId1"/>
+          <a:srcRect l="13604"/>
+          <a:stretch>
+            <a:fillRect/>
+          </a:stretch>
+        </p:blipFill>
+        <p:spPr>
+          <a:xfrm>
+            <a:off x="2959100" y="1216660"/>
+            <a:ext cx="1403350" cy="594360"/>
+          </a:xfrm>
+          <a:prstGeom prst="rect">
+            <a:avLst/>
+          </a:prstGeom>
+        </p:spPr>
+      </p:pic>
+      <p:sp>
+        <p:nvSpPr>
+          <p:cNvPr id="14" name="文本框 13"/>
+          <p:cNvSpPr txBox="1"/>
+          <p:nvPr/>
+        </p:nvSpPr>
+        <p:spPr>
+          <a:xfrm>
+            <a:off x="1697990" y="2069465"/>
+            <a:ext cx="3986530" cy="368300"/>
+          </a:xfrm>
+          <a:prstGeom prst="rect">
+            <a:avLst/>
+          </a:prstGeom>
+          <a:noFill/>
+        </p:spPr>
+        <p:txBody>
+          <a:bodyPr wrap="square" rtlCol="0">
+            <a:spAutoFit/>
+          </a:bodyPr>
+          <a:p>
+            <a:r>
+              <a:rPr lang="zh-CN" altLang="en-US"/>
+              <a:t>电感能量为</a:t>
+            </a:r>
+            <a:endParaRPr lang="zh-CN" altLang="en-US"/>
+          </a:p>
+        </p:txBody>
+      </p:sp>
+      <p:pic>
+        <p:nvPicPr>
+          <p:cNvPr id="15" name="图片 14"/>
+          <p:cNvPicPr>
+            <a:picLocks noChangeAspect="1"/>
+          </p:cNvPicPr>
+          <p:nvPr/>
+        </p:nvPicPr>
+        <p:blipFill>
+          <a:blip r:embed="rId2"/>
+          <a:stretch>
+            <a:fillRect/>
+          </a:stretch>
+        </p:blipFill>
+        <p:spPr>
+          <a:xfrm>
+            <a:off x="2974340" y="1920240"/>
+            <a:ext cx="3352800" cy="685800"/>
+          </a:xfrm>
+          <a:prstGeom prst="rect">
+            <a:avLst/>
+          </a:prstGeom>
+        </p:spPr>
+      </p:pic>
+      <p:sp>
+        <p:nvSpPr>
+          <p:cNvPr id="16" name="文本框 15"/>
+          <p:cNvSpPr txBox="1"/>
+          <p:nvPr/>
+        </p:nvSpPr>
+        <p:spPr>
+          <a:xfrm>
+            <a:off x="1697990" y="2761615"/>
+            <a:ext cx="8444865" cy="1129665"/>
+          </a:xfrm>
+          <a:prstGeom prst="rect">
+            <a:avLst/>
+          </a:prstGeom>
+          <a:noFill/>
+        </p:spPr>
+        <p:txBody>
+          <a:bodyPr wrap="square" rtlCol="0">
+            <a:spAutoFit/>
+          </a:bodyPr>
+          <a:p>
+            <a:pPr>
+              <a:lnSpc>
+                <a:spcPct val="125000"/>
+              </a:lnSpc>
+              <a:spcBef>
+                <a:spcPts val="0"/>
+              </a:spcBef>
+              <a:spcAft>
+                <a:spcPts val="0"/>
+              </a:spcAft>
+            </a:pPr>
+            <a:r>
+              <a:rPr lang="zh-CN" altLang="en-US"/>
+              <a:t>在超导体系中，我们常常研究磁通量，是因为，电子在超导体中表现出统一的集体行为（超导凝聚态），其相位的统一变化可以用磁通来描述，大量电子的集体行为可以看做一个</a:t>
+            </a:r>
+            <a:r>
+              <a:rPr lang="en-US" altLang="zh-CN" b="1"/>
+              <a:t>“</a:t>
+            </a:r>
+            <a:r>
+              <a:rPr lang="zh-CN" altLang="en-US" b="1"/>
+              <a:t>准单粒子</a:t>
+            </a:r>
+            <a:r>
+              <a:rPr lang="en-US" altLang="zh-CN" b="1"/>
+              <a:t>”</a:t>
+            </a:r>
+            <a:r>
+              <a:rPr lang="zh-CN" altLang="en-US" b="1"/>
+              <a:t>，</a:t>
+            </a:r>
+            <a:r>
+              <a:rPr lang="zh-CN" altLang="en-US"/>
+              <a:t>这个</a:t>
+            </a:r>
+            <a:r>
+              <a:rPr lang="en-US" altLang="zh-CN"/>
+              <a:t>“</a:t>
+            </a:r>
+            <a:r>
+              <a:rPr lang="zh-CN" altLang="en-US"/>
+              <a:t>单粒子</a:t>
+            </a:r>
+            <a:r>
+              <a:rPr lang="en-US" altLang="zh-CN"/>
+              <a:t>”</a:t>
+            </a:r>
+            <a:r>
+              <a:rPr lang="zh-CN" altLang="en-US"/>
+              <a:t>的行为可以用量子力学来描述</a:t>
+            </a:r>
+            <a:endParaRPr lang="zh-CN" altLang="en-US"/>
+          </a:p>
+        </p:txBody>
+      </p:sp>
+      <p:sp>
+        <p:nvSpPr>
+          <p:cNvPr id="17" name="文本框 16"/>
+          <p:cNvSpPr txBox="1"/>
+          <p:nvPr/>
+        </p:nvSpPr>
+        <p:spPr>
+          <a:xfrm>
+            <a:off x="1288415" y="4329430"/>
+            <a:ext cx="1405890" cy="368300"/>
+          </a:xfrm>
+          <a:prstGeom prst="rect">
+            <a:avLst/>
+          </a:prstGeom>
+          <a:noFill/>
+        </p:spPr>
+        <p:txBody>
+          <a:bodyPr wrap="square" rtlCol="0">
+            <a:spAutoFit/>
+          </a:bodyPr>
+          <a:p>
+            <a:r>
+              <a:rPr lang="zh-CN" altLang="en-US"/>
+              <a:t>重写能量</a:t>
+            </a:r>
+            <a:endParaRPr lang="zh-CN" altLang="en-US"/>
+          </a:p>
+        </p:txBody>
+      </p:sp>
+      <p:pic>
+        <p:nvPicPr>
+          <p:cNvPr id="18" name="图片 17"/>
+          <p:cNvPicPr>
+            <a:picLocks noChangeAspect="1"/>
+          </p:cNvPicPr>
+          <p:nvPr/>
+        </p:nvPicPr>
+        <p:blipFill>
+          <a:blip r:embed="rId3"/>
+          <a:stretch>
+            <a:fillRect/>
+          </a:stretch>
+        </p:blipFill>
+        <p:spPr>
+          <a:xfrm>
+            <a:off x="1420495" y="4762500"/>
+            <a:ext cx="2514600" cy="1432560"/>
+          </a:xfrm>
+          <a:prstGeom prst="rect">
+            <a:avLst/>
+          </a:prstGeom>
+        </p:spPr>
+      </p:pic>
+      <p:cxnSp>
+        <p:nvCxnSpPr>
+          <p:cNvPr id="19" name="直接连接符 18"/>
+          <p:cNvCxnSpPr/>
+          <p:nvPr/>
+        </p:nvCxnSpPr>
+        <p:spPr>
+          <a:xfrm flipH="1">
+            <a:off x="3764280" y="4260215"/>
+            <a:ext cx="0" cy="2179320"/>
+          </a:xfrm>
+          <a:prstGeom prst="line">
+            <a:avLst/>
+          </a:prstGeom>
+          <a:ln w="28575" cmpd="sng">
+            <a:solidFill>
+              <a:schemeClr val="accent1">
+                <a:shade val="50000"/>
+              </a:schemeClr>
+            </a:solidFill>
+            <a:prstDash val="sysDot"/>
+          </a:ln>
+        </p:spPr>
+        <p:style>
+          <a:lnRef idx="1">
+            <a:schemeClr val="accent1"/>
+          </a:lnRef>
+          <a:fillRef idx="0">
+            <a:schemeClr val="accent1"/>
+          </a:fillRef>
+          <a:effectRef idx="0">
+            <a:schemeClr val="accent1"/>
+          </a:effectRef>
+          <a:fontRef idx="minor">
+            <a:schemeClr val="tx1"/>
+          </a:fontRef>
+        </p:style>
+      </p:cxnSp>
+      <p:sp>
+        <p:nvSpPr>
+          <p:cNvPr id="20" name="文本框 19"/>
+          <p:cNvSpPr txBox="1"/>
+          <p:nvPr/>
+        </p:nvSpPr>
+        <p:spPr>
+          <a:xfrm>
+            <a:off x="3987800" y="4329430"/>
+            <a:ext cx="1746885" cy="368300"/>
+          </a:xfrm>
+          <a:prstGeom prst="rect">
+            <a:avLst/>
+          </a:prstGeom>
+          <a:noFill/>
+        </p:spPr>
+        <p:txBody>
+          <a:bodyPr wrap="square" rtlCol="0">
+            <a:spAutoFit/>
+          </a:bodyPr>
+          <a:p>
+            <a:r>
+              <a:rPr lang="zh-CN" altLang="en-US"/>
+              <a:t>拉格朗日量为</a:t>
+            </a:r>
+            <a:endParaRPr lang="zh-CN" altLang="en-US"/>
+          </a:p>
+        </p:txBody>
+      </p:sp>
+      <p:pic>
+        <p:nvPicPr>
+          <p:cNvPr id="21" name="图片 20"/>
+          <p:cNvPicPr>
+            <a:picLocks noChangeAspect="1"/>
+          </p:cNvPicPr>
+          <p:nvPr/>
+        </p:nvPicPr>
+        <p:blipFill>
+          <a:blip r:embed="rId4"/>
+          <a:stretch>
+            <a:fillRect/>
+          </a:stretch>
+        </p:blipFill>
+        <p:spPr>
+          <a:xfrm>
+            <a:off x="3987800" y="4962525"/>
+            <a:ext cx="3876675" cy="756920"/>
+          </a:xfrm>
+          <a:prstGeom prst="rect">
+            <a:avLst/>
+          </a:prstGeom>
+        </p:spPr>
+      </p:pic>
+      <p:cxnSp>
+        <p:nvCxnSpPr>
+          <p:cNvPr id="22" name="直接连接符 21"/>
+          <p:cNvCxnSpPr/>
+          <p:nvPr/>
+        </p:nvCxnSpPr>
+        <p:spPr>
+          <a:xfrm flipH="1">
+            <a:off x="8099425" y="4260215"/>
+            <a:ext cx="0" cy="2179320"/>
+          </a:xfrm>
+          <a:prstGeom prst="line">
+            <a:avLst/>
+          </a:prstGeom>
+          <a:ln w="28575" cmpd="sng">
+            <a:solidFill>
+              <a:schemeClr val="accent1">
+                <a:shade val="50000"/>
+              </a:schemeClr>
+            </a:solidFill>
+            <a:prstDash val="sysDot"/>
+          </a:ln>
+        </p:spPr>
+        <p:style>
+          <a:lnRef idx="1">
+            <a:schemeClr val="accent1"/>
+          </a:lnRef>
+          <a:fillRef idx="0">
+            <a:schemeClr val="accent1"/>
+          </a:fillRef>
+          <a:effectRef idx="0">
+            <a:schemeClr val="accent1"/>
+          </a:effectRef>
+          <a:fontRef idx="minor">
+            <a:schemeClr val="tx1"/>
+          </a:fontRef>
+        </p:style>
+      </p:cxnSp>
+      <p:sp>
+        <p:nvSpPr>
+          <p:cNvPr id="23" name="文本框 22"/>
+          <p:cNvSpPr txBox="1"/>
+          <p:nvPr/>
+        </p:nvSpPr>
+        <p:spPr>
+          <a:xfrm>
+            <a:off x="8322945" y="4329430"/>
+            <a:ext cx="1746885" cy="368300"/>
+          </a:xfrm>
+          <a:prstGeom prst="rect">
+            <a:avLst/>
+          </a:prstGeom>
+          <a:noFill/>
+        </p:spPr>
+        <p:txBody>
+          <a:bodyPr wrap="square" rtlCol="0">
+            <a:spAutoFit/>
+          </a:bodyPr>
+          <a:p>
+            <a:r>
+              <a:rPr lang="zh-CN" altLang="en-US"/>
+              <a:t>广义动量</a:t>
+            </a:r>
+            <a:endParaRPr lang="zh-CN" altLang="en-US"/>
+          </a:p>
+        </p:txBody>
+      </p:sp>
+      <p:pic>
+        <p:nvPicPr>
+          <p:cNvPr id="24" name="图片 23"/>
+          <p:cNvPicPr>
+            <a:picLocks noChangeAspect="1"/>
+          </p:cNvPicPr>
+          <p:nvPr/>
+        </p:nvPicPr>
+        <p:blipFill>
+          <a:blip r:embed="rId5"/>
+          <a:stretch>
+            <a:fillRect/>
+          </a:stretch>
+        </p:blipFill>
+        <p:spPr>
+          <a:xfrm>
+            <a:off x="8382635" y="4954270"/>
+            <a:ext cx="2787650" cy="807720"/>
+          </a:xfrm>
+          <a:prstGeom prst="rect">
+            <a:avLst/>
+          </a:prstGeom>
+        </p:spPr>
+      </p:pic>
+    </p:spTree>
+    <p:custDataLst>
+      <p:tags r:id="rId6"/>
+    </p:custDataLst>
+  </p:cSld>
+  <p:clrMapOvr>
+    <a:masterClrMapping/>
+  </p:clrMapOvr>
+</p:sld>
+</file>
+
+<file path=ppt/slides/slide5.xml><?xml version="1.0" encoding="utf-8"?>
+<p:sld xmlns:a="http://schemas.openxmlformats.org/drawingml/2006/main" xmlns:r="http://schemas.openxmlformats.org/officeDocument/2006/relationships" xmlns:p="http://schemas.openxmlformats.org/presentationml/2006/main">
+  <p:cSld>
+    <p:spTree>
+      <p:nvGrpSpPr>
+        <p:cNvPr id="1" name=""/>
+        <p:cNvGrpSpPr/>
+        <p:nvPr/>
+      </p:nvGrpSpPr>
+      <p:grpSpPr/>
+      <p:sp>
+        <p:nvSpPr>
+          <p:cNvPr id="3" name="矩形 2"/>
+          <p:cNvSpPr/>
+          <p:nvPr/>
+        </p:nvSpPr>
+        <p:spPr>
+          <a:xfrm>
+            <a:off x="3841750" y="294005"/>
+            <a:ext cx="4508500" cy="582295"/>
+          </a:xfrm>
+          <a:prstGeom prst="rect">
+            <a:avLst/>
+          </a:prstGeom>
+          <a:gradFill>
+            <a:gsLst>
+              <a:gs pos="0">
+                <a:srgbClr val="007BD3"/>
+              </a:gs>
+              <a:gs pos="63000">
+                <a:srgbClr val="034373"/>
+              </a:gs>
+            </a:gsLst>
+            <a:lin ang="16200000" scaled="0"/>
+          </a:gradFill>
+          <a:effectLst/>
+        </p:spPr>
+        <p:style>
+          <a:lnRef idx="2">
+            <a:schemeClr val="accent1">
+              <a:shade val="50000"/>
+            </a:schemeClr>
+          </a:lnRef>
+          <a:fillRef idx="1">
+            <a:schemeClr val="accent1"/>
+          </a:fillRef>
+          <a:effectRef idx="0">
+            <a:schemeClr val="accent1"/>
+          </a:effectRef>
+          <a:fontRef idx="minor">
+            <a:schemeClr val="lt1"/>
+          </a:fontRef>
+        </p:style>
+        <p:txBody>
+          <a:bodyPr rtlCol="0" anchor="ctr"/>
+          <a:p>
+            <a:pPr algn="ctr"/>
+            <a:r>
+              <a:rPr lang="en-US" altLang="zh-CN" sz="2000" b="1"/>
+              <a:t>LC </a:t>
+            </a:r>
+            <a:r>
+              <a:rPr lang="zh-CN" altLang="en-US" sz="2000" b="1"/>
+              <a:t>电路量子化</a:t>
+            </a:r>
+            <a:endParaRPr lang="zh-CN" altLang="en-US" sz="2000" b="1"/>
+          </a:p>
+        </p:txBody>
+      </p:sp>
+      <p:sp>
+        <p:nvSpPr>
+          <p:cNvPr id="6" name="矩形 5"/>
+          <p:cNvSpPr/>
+          <p:nvPr/>
+        </p:nvSpPr>
+        <p:spPr>
+          <a:xfrm>
+            <a:off x="0" y="558165"/>
+            <a:ext cx="3841750" cy="54000"/>
+          </a:xfrm>
+          <a:prstGeom prst="rect">
+            <a:avLst/>
+          </a:prstGeom>
+          <a:gradFill>
+            <a:gsLst>
+              <a:gs pos="0">
+                <a:srgbClr val="007BD3"/>
+              </a:gs>
+              <a:gs pos="100000">
+                <a:srgbClr val="034373"/>
+              </a:gs>
+            </a:gsLst>
+            <a:lin ang="10800000" scaled="0"/>
+          </a:gradFill>
+        </p:spPr>
+        <p:style>
+          <a:lnRef idx="2">
+            <a:schemeClr val="accent1">
+              <a:shade val="50000"/>
+            </a:schemeClr>
+          </a:lnRef>
+          <a:fillRef idx="1">
+            <a:schemeClr val="accent1"/>
+          </a:fillRef>
+          <a:effectRef idx="0">
+            <a:schemeClr val="accent1"/>
+          </a:effectRef>
+          <a:fontRef idx="minor">
+            <a:schemeClr val="lt1"/>
+          </a:fontRef>
+        </p:style>
+        <p:txBody>
+          <a:bodyPr rtlCol="0" anchor="ctr"/>
+          <a:p>
+            <a:pPr algn="ctr"/>
+            <a:endParaRPr lang="zh-CN" altLang="en-US"/>
+          </a:p>
+        </p:txBody>
+      </p:sp>
+      <p:sp>
+        <p:nvSpPr>
+          <p:cNvPr id="7" name="矩形 6"/>
+          <p:cNvSpPr/>
+          <p:nvPr/>
+        </p:nvSpPr>
+        <p:spPr>
+          <a:xfrm>
+            <a:off x="8350250" y="558165"/>
+            <a:ext cx="3841750" cy="54000"/>
+          </a:xfrm>
+          <a:prstGeom prst="rect">
+            <a:avLst/>
+          </a:prstGeom>
+          <a:gradFill>
+            <a:gsLst>
+              <a:gs pos="100000">
+                <a:srgbClr val="007BD3"/>
+              </a:gs>
+              <a:gs pos="0">
+                <a:srgbClr val="034373"/>
+              </a:gs>
+            </a:gsLst>
+            <a:lin ang="10800000" scaled="0"/>
+          </a:gradFill>
+        </p:spPr>
+        <p:style>
+          <a:lnRef idx="2">
+            <a:schemeClr val="accent1">
+              <a:shade val="50000"/>
+            </a:schemeClr>
+          </a:lnRef>
+          <a:fillRef idx="1">
+            <a:schemeClr val="accent1"/>
+          </a:fillRef>
+          <a:effectRef idx="0">
+            <a:schemeClr val="accent1"/>
+          </a:effectRef>
+          <a:fontRef idx="minor">
+            <a:schemeClr val="lt1"/>
+          </a:fontRef>
+        </p:style>
+        <p:txBody>
+          <a:bodyPr rtlCol="0" anchor="ctr"/>
+          <a:p>
+            <a:pPr algn="ctr"/>
+            <a:endParaRPr lang="zh-CN" altLang="en-US"/>
+          </a:p>
+        </p:txBody>
+      </p:sp>
+      <p:sp>
+        <p:nvSpPr>
+          <p:cNvPr id="4" name="文本框 3"/>
+          <p:cNvSpPr txBox="1"/>
+          <p:nvPr/>
+        </p:nvSpPr>
+        <p:spPr>
+          <a:xfrm>
+            <a:off x="1346835" y="1204595"/>
+            <a:ext cx="4347210" cy="368300"/>
+          </a:xfrm>
+          <a:prstGeom prst="rect">
+            <a:avLst/>
+          </a:prstGeom>
+          <a:noFill/>
+        </p:spPr>
+        <p:txBody>
+          <a:bodyPr wrap="square" rtlCol="0">
+            <a:spAutoFit/>
+          </a:bodyPr>
+          <a:p>
+            <a:r>
+              <a:rPr lang="zh-CN" altLang="en-US"/>
+              <a:t>利用前述几个关系式，可得体系哈密顿量</a:t>
+            </a:r>
+            <a:endParaRPr lang="zh-CN" altLang="en-US"/>
+          </a:p>
+        </p:txBody>
+      </p:sp>
+      <p:pic>
+        <p:nvPicPr>
+          <p:cNvPr id="2" name="图片 1"/>
+          <p:cNvPicPr>
+            <a:picLocks noChangeAspect="1"/>
+          </p:cNvPicPr>
+          <p:nvPr/>
+        </p:nvPicPr>
+        <p:blipFill>
+          <a:blip r:embed="rId1"/>
+          <a:stretch>
+            <a:fillRect/>
+          </a:stretch>
+        </p:blipFill>
+        <p:spPr>
+          <a:xfrm>
+            <a:off x="3919855" y="1666240"/>
+            <a:ext cx="4509135" cy="1818005"/>
+          </a:xfrm>
+          <a:prstGeom prst="rect">
+            <a:avLst/>
+          </a:prstGeom>
+        </p:spPr>
+      </p:pic>
+      <p:sp>
+        <p:nvSpPr>
+          <p:cNvPr id="8" name="文本框 7"/>
+          <p:cNvSpPr txBox="1"/>
+          <p:nvPr/>
+        </p:nvSpPr>
+        <p:spPr>
+          <a:xfrm>
+            <a:off x="1346835" y="3653790"/>
+            <a:ext cx="5272405" cy="368300"/>
+          </a:xfrm>
+          <a:prstGeom prst="rect">
+            <a:avLst/>
+          </a:prstGeom>
+          <a:noFill/>
+        </p:spPr>
+        <p:txBody>
+          <a:bodyPr wrap="square" rtlCol="0">
+            <a:spAutoFit/>
+          </a:bodyPr>
+          <a:p>
+            <a:r>
+              <a:rPr lang="zh-CN" altLang="en-US"/>
+              <a:t>观察上式，易于发现其与</a:t>
+            </a:r>
+            <a:r>
+              <a:rPr lang="zh-CN" altLang="en-US" b="1"/>
+              <a:t>量子谐振子</a:t>
+            </a:r>
+            <a:r>
+              <a:rPr lang="zh-CN" altLang="en-US"/>
+              <a:t>类似</a:t>
+            </a:r>
+            <a:endParaRPr lang="zh-CN" altLang="en-US"/>
+          </a:p>
+        </p:txBody>
+      </p:sp>
+      <p:pic>
+        <p:nvPicPr>
+          <p:cNvPr id="9" name="图片 8"/>
+          <p:cNvPicPr>
+            <a:picLocks noChangeAspect="1"/>
+          </p:cNvPicPr>
+          <p:nvPr/>
+        </p:nvPicPr>
+        <p:blipFill>
+          <a:blip r:embed="rId2"/>
+          <a:stretch>
+            <a:fillRect/>
+          </a:stretch>
+        </p:blipFill>
+        <p:spPr>
+          <a:xfrm>
+            <a:off x="1678940" y="4944110"/>
+            <a:ext cx="3205480" cy="857250"/>
+          </a:xfrm>
+          <a:prstGeom prst="rect">
+            <a:avLst/>
+          </a:prstGeom>
+        </p:spPr>
+      </p:pic>
+      <p:sp>
+        <p:nvSpPr>
+          <p:cNvPr id="10" name="文本框 9"/>
+          <p:cNvSpPr txBox="1"/>
+          <p:nvPr/>
+        </p:nvSpPr>
+        <p:spPr>
+          <a:xfrm>
+            <a:off x="1413510" y="4298950"/>
+            <a:ext cx="2219325" cy="368300"/>
+          </a:xfrm>
+          <a:prstGeom prst="rect">
+            <a:avLst/>
+          </a:prstGeom>
+          <a:noFill/>
+        </p:spPr>
+        <p:txBody>
+          <a:bodyPr wrap="square" rtlCol="0">
+            <a:spAutoFit/>
+          </a:bodyPr>
+          <a:p>
+            <a:r>
+              <a:rPr lang="zh-CN" altLang="en-US"/>
+              <a:t>简谐振子哈密顿量</a:t>
+            </a:r>
+            <a:endParaRPr lang="zh-CN" altLang="en-US"/>
+          </a:p>
+        </p:txBody>
+      </p:sp>
+      <p:cxnSp>
+        <p:nvCxnSpPr>
+          <p:cNvPr id="11" name="直接连接符 10"/>
+          <p:cNvCxnSpPr/>
+          <p:nvPr/>
+        </p:nvCxnSpPr>
+        <p:spPr>
+          <a:xfrm flipH="1">
+            <a:off x="4775200" y="4140200"/>
+            <a:ext cx="0" cy="2179320"/>
+          </a:xfrm>
+          <a:prstGeom prst="line">
+            <a:avLst/>
+          </a:prstGeom>
+          <a:ln w="28575" cmpd="sng">
+            <a:solidFill>
+              <a:schemeClr val="accent1">
+                <a:shade val="50000"/>
+              </a:schemeClr>
+            </a:solidFill>
+            <a:prstDash val="sysDot"/>
+          </a:ln>
+        </p:spPr>
+        <p:style>
+          <a:lnRef idx="1">
+            <a:schemeClr val="accent1"/>
+          </a:lnRef>
+          <a:fillRef idx="0">
+            <a:schemeClr val="accent1"/>
+          </a:fillRef>
+          <a:effectRef idx="0">
+            <a:schemeClr val="accent1"/>
+          </a:effectRef>
+          <a:fontRef idx="minor">
+            <a:schemeClr val="tx1"/>
+          </a:fontRef>
+        </p:style>
+      </p:cxnSp>
+      <p:sp>
+        <p:nvSpPr>
+          <p:cNvPr id="12" name="文本框 11"/>
+          <p:cNvSpPr txBox="1"/>
+          <p:nvPr/>
+        </p:nvSpPr>
+        <p:spPr>
+          <a:xfrm>
+            <a:off x="5027295" y="4298950"/>
+            <a:ext cx="2219325" cy="368300"/>
+          </a:xfrm>
+          <a:prstGeom prst="rect">
+            <a:avLst/>
+          </a:prstGeom>
+          <a:noFill/>
+        </p:spPr>
+        <p:txBody>
+          <a:bodyPr wrap="square" rtlCol="0">
+            <a:spAutoFit/>
+          </a:bodyPr>
+          <a:p>
+            <a:r>
+              <a:rPr lang="zh-CN" altLang="en-US"/>
+              <a:t>对易关系</a:t>
+            </a:r>
+            <a:endParaRPr lang="zh-CN" altLang="en-US"/>
+          </a:p>
+        </p:txBody>
+      </p:sp>
+      <p:pic>
+        <p:nvPicPr>
+          <p:cNvPr id="13" name="图片 12"/>
+          <p:cNvPicPr>
+            <a:picLocks noChangeAspect="1"/>
+          </p:cNvPicPr>
+          <p:nvPr/>
+        </p:nvPicPr>
+        <p:blipFill>
+          <a:blip r:embed="rId3"/>
+          <a:stretch>
+            <a:fillRect/>
+          </a:stretch>
+        </p:blipFill>
+        <p:spPr>
+          <a:xfrm>
+            <a:off x="5258435" y="5052060"/>
+            <a:ext cx="1757680" cy="478790"/>
+          </a:xfrm>
+          <a:prstGeom prst="rect">
+            <a:avLst/>
+          </a:prstGeom>
+        </p:spPr>
+      </p:pic>
+      <p:cxnSp>
+        <p:nvCxnSpPr>
+          <p:cNvPr id="25" name="直接连接符 24"/>
+          <p:cNvCxnSpPr/>
+          <p:nvPr/>
+        </p:nvCxnSpPr>
+        <p:spPr>
+          <a:xfrm flipH="1">
+            <a:off x="7357110" y="4140200"/>
+            <a:ext cx="0" cy="2179320"/>
+          </a:xfrm>
+          <a:prstGeom prst="line">
+            <a:avLst/>
+          </a:prstGeom>
+          <a:ln w="28575" cmpd="sng">
+            <a:solidFill>
+              <a:schemeClr val="accent1">
+                <a:shade val="50000"/>
+              </a:schemeClr>
+            </a:solidFill>
+            <a:prstDash val="sysDot"/>
+          </a:ln>
+        </p:spPr>
+        <p:style>
+          <a:lnRef idx="1">
+            <a:schemeClr val="accent1"/>
+          </a:lnRef>
+          <a:fillRef idx="0">
+            <a:schemeClr val="accent1"/>
+          </a:fillRef>
+          <a:effectRef idx="0">
+            <a:schemeClr val="accent1"/>
+          </a:effectRef>
+          <a:fontRef idx="minor">
+            <a:schemeClr val="tx1"/>
+          </a:fontRef>
+        </p:style>
+      </p:cxnSp>
+      <p:sp>
+        <p:nvSpPr>
+          <p:cNvPr id="26" name="文本框 25"/>
+          <p:cNvSpPr txBox="1"/>
+          <p:nvPr/>
+        </p:nvSpPr>
+        <p:spPr>
+          <a:xfrm>
+            <a:off x="7640320" y="4283075"/>
+            <a:ext cx="2219325" cy="368300"/>
+          </a:xfrm>
+          <a:prstGeom prst="rect">
+            <a:avLst/>
+          </a:prstGeom>
+          <a:noFill/>
+        </p:spPr>
+        <p:txBody>
+          <a:bodyPr wrap="square" rtlCol="0">
+            <a:spAutoFit/>
+          </a:bodyPr>
+          <a:p>
+            <a:r>
+              <a:rPr lang="zh-CN" altLang="en-US"/>
+              <a:t>产生湮灭算符</a:t>
+            </a:r>
+            <a:endParaRPr lang="zh-CN" altLang="en-US"/>
+          </a:p>
+        </p:txBody>
+      </p:sp>
+      <p:pic>
+        <p:nvPicPr>
+          <p:cNvPr id="27" name="图片 26"/>
+          <p:cNvPicPr>
+            <a:picLocks noChangeAspect="1"/>
+          </p:cNvPicPr>
+          <p:nvPr/>
+        </p:nvPicPr>
+        <p:blipFill>
+          <a:blip r:embed="rId4"/>
+          <a:stretch>
+            <a:fillRect/>
+          </a:stretch>
+        </p:blipFill>
+        <p:spPr>
+          <a:xfrm>
+            <a:off x="7976235" y="4767580"/>
+            <a:ext cx="2868930" cy="1421130"/>
+          </a:xfrm>
+          <a:prstGeom prst="rect">
+            <a:avLst/>
+          </a:prstGeom>
+        </p:spPr>
+      </p:pic>
+    </p:spTree>
+    <p:custDataLst>
+      <p:tags r:id="rId5"/>
+    </p:custDataLst>
+  </p:cSld>
+  <p:clrMapOvr>
+    <a:masterClrMapping/>
+  </p:clrMapOvr>
+</p:sld>
+</file>
+
+<file path=ppt/slides/slide6.xml><?xml version="1.0" encoding="utf-8"?>
+<p:sld xmlns:a="http://schemas.openxmlformats.org/drawingml/2006/main" xmlns:r="http://schemas.openxmlformats.org/officeDocument/2006/relationships" xmlns:p="http://schemas.openxmlformats.org/presentationml/2006/main">
+  <p:cSld>
+    <p:spTree>
+      <p:nvGrpSpPr>
+        <p:cNvPr id="1" name=""/>
+        <p:cNvGrpSpPr/>
+        <p:nvPr/>
+      </p:nvGrpSpPr>
+      <p:grpSpPr/>
+      <p:sp>
+        <p:nvSpPr>
+          <p:cNvPr id="3" name="矩形 2"/>
+          <p:cNvSpPr/>
+          <p:nvPr/>
+        </p:nvSpPr>
+        <p:spPr>
+          <a:xfrm>
+            <a:off x="3841750" y="294005"/>
+            <a:ext cx="4508500" cy="582295"/>
+          </a:xfrm>
+          <a:prstGeom prst="rect">
+            <a:avLst/>
+          </a:prstGeom>
+          <a:gradFill>
+            <a:gsLst>
+              <a:gs pos="0">
+                <a:srgbClr val="007BD3"/>
+              </a:gs>
+              <a:gs pos="63000">
+                <a:srgbClr val="034373"/>
+              </a:gs>
+            </a:gsLst>
+            <a:lin ang="16200000" scaled="0"/>
+          </a:gradFill>
+          <a:effectLst/>
+        </p:spPr>
+        <p:style>
+          <a:lnRef idx="2">
+            <a:schemeClr val="accent1">
+              <a:shade val="50000"/>
+            </a:schemeClr>
+          </a:lnRef>
+          <a:fillRef idx="1">
+            <a:schemeClr val="accent1"/>
+          </a:fillRef>
+          <a:effectRef idx="0">
+            <a:schemeClr val="accent1"/>
+          </a:effectRef>
+          <a:fontRef idx="minor">
+            <a:schemeClr val="lt1"/>
+          </a:fontRef>
+        </p:style>
+        <p:txBody>
+          <a:bodyPr rtlCol="0" anchor="ctr"/>
+          <a:p>
+            <a:pPr algn="ctr"/>
+            <a:r>
+              <a:rPr lang="en-US" altLang="zh-CN" sz="2000" b="1"/>
+              <a:t>LC </a:t>
+            </a:r>
+            <a:r>
+              <a:rPr lang="zh-CN" altLang="en-US" sz="2000" b="1"/>
+              <a:t>电路量子化</a:t>
+            </a:r>
+            <a:endParaRPr lang="zh-CN" altLang="en-US" sz="2000" b="1"/>
+          </a:p>
+        </p:txBody>
+      </p:sp>
+      <p:sp>
+        <p:nvSpPr>
+          <p:cNvPr id="6" name="矩形 5"/>
+          <p:cNvSpPr/>
+          <p:nvPr/>
+        </p:nvSpPr>
+        <p:spPr>
+          <a:xfrm>
+            <a:off x="0" y="558165"/>
+            <a:ext cx="3841750" cy="54000"/>
+          </a:xfrm>
+          <a:prstGeom prst="rect">
+            <a:avLst/>
+          </a:prstGeom>
+          <a:gradFill>
+            <a:gsLst>
+              <a:gs pos="0">
+                <a:srgbClr val="007BD3"/>
+              </a:gs>
+              <a:gs pos="100000">
+                <a:srgbClr val="034373"/>
+              </a:gs>
+            </a:gsLst>
+            <a:lin ang="10800000" scaled="0"/>
+          </a:gradFill>
+        </p:spPr>
+        <p:style>
+          <a:lnRef idx="2">
+            <a:schemeClr val="accent1">
+              <a:shade val="50000"/>
+            </a:schemeClr>
+          </a:lnRef>
+          <a:fillRef idx="1">
+            <a:schemeClr val="accent1"/>
+          </a:fillRef>
+          <a:effectRef idx="0">
+            <a:schemeClr val="accent1"/>
+          </a:effectRef>
+          <a:fontRef idx="minor">
+            <a:schemeClr val="lt1"/>
+          </a:fontRef>
+        </p:style>
+        <p:txBody>
+          <a:bodyPr rtlCol="0" anchor="ctr"/>
+          <a:p>
+            <a:pPr algn="ctr"/>
+            <a:endParaRPr lang="zh-CN" altLang="en-US"/>
+          </a:p>
+        </p:txBody>
+      </p:sp>
+      <p:sp>
+        <p:nvSpPr>
+          <p:cNvPr id="7" name="矩形 6"/>
+          <p:cNvSpPr/>
+          <p:nvPr/>
+        </p:nvSpPr>
+        <p:spPr>
+          <a:xfrm>
+            <a:off x="8350250" y="558165"/>
+            <a:ext cx="3841750" cy="54000"/>
+          </a:xfrm>
+          <a:prstGeom prst="rect">
+            <a:avLst/>
+          </a:prstGeom>
+          <a:gradFill>
+            <a:gsLst>
+              <a:gs pos="100000">
+                <a:srgbClr val="007BD3"/>
+              </a:gs>
+              <a:gs pos="0">
+                <a:srgbClr val="034373"/>
+              </a:gs>
+            </a:gsLst>
+            <a:lin ang="10800000" scaled="0"/>
+          </a:gradFill>
+        </p:spPr>
+        <p:style>
+          <a:lnRef idx="2">
+            <a:schemeClr val="accent1">
+              <a:shade val="50000"/>
+            </a:schemeClr>
+          </a:lnRef>
+          <a:fillRef idx="1">
+            <a:schemeClr val="accent1"/>
+          </a:fillRef>
+          <a:effectRef idx="0">
+            <a:schemeClr val="accent1"/>
+          </a:effectRef>
+          <a:fontRef idx="minor">
+            <a:schemeClr val="lt1"/>
+          </a:fontRef>
+        </p:style>
+        <p:txBody>
+          <a:bodyPr rtlCol="0" anchor="ctr"/>
+          <a:p>
+            <a:pPr algn="ctr"/>
+            <a:endParaRPr lang="zh-CN" altLang="en-US"/>
+          </a:p>
+        </p:txBody>
+      </p:sp>
+      <p:sp>
+        <p:nvSpPr>
+          <p:cNvPr id="4" name="文本框 3"/>
+          <p:cNvSpPr txBox="1"/>
+          <p:nvPr/>
+        </p:nvSpPr>
+        <p:spPr>
+          <a:xfrm>
+            <a:off x="849630" y="1174115"/>
+            <a:ext cx="4772660" cy="368300"/>
+          </a:xfrm>
+          <a:prstGeom prst="rect">
+            <a:avLst/>
+          </a:prstGeom>
+          <a:noFill/>
+        </p:spPr>
+        <p:txBody>
+          <a:bodyPr wrap="square" rtlCol="0">
+            <a:spAutoFit/>
+          </a:bodyPr>
+          <a:p>
+            <a:r>
+              <a:rPr lang="zh-CN" altLang="en-US"/>
+              <a:t>类比简谐振子，我们对参量定义如下对应关系</a:t>
+            </a:r>
+            <a:endParaRPr lang="zh-CN" altLang="en-US"/>
+          </a:p>
+        </p:txBody>
+      </p:sp>
+      <p:pic>
+        <p:nvPicPr>
+          <p:cNvPr id="5" name="图片 4"/>
+          <p:cNvPicPr>
+            <a:picLocks noChangeAspect="1"/>
+          </p:cNvPicPr>
+          <p:nvPr/>
+        </p:nvPicPr>
+        <p:blipFill>
+          <a:blip r:embed="rId1"/>
+          <a:stretch>
+            <a:fillRect/>
+          </a:stretch>
+        </p:blipFill>
+        <p:spPr>
+          <a:xfrm>
+            <a:off x="1534795" y="1840230"/>
+            <a:ext cx="3177540" cy="4061460"/>
+          </a:xfrm>
+          <a:prstGeom prst="rect">
+            <a:avLst/>
+          </a:prstGeom>
+          <a:noFill/>
+        </p:spPr>
+      </p:pic>
+      <p:cxnSp>
+        <p:nvCxnSpPr>
+          <p:cNvPr id="14" name="直接连接符 13"/>
+          <p:cNvCxnSpPr/>
+          <p:nvPr/>
+        </p:nvCxnSpPr>
+        <p:spPr>
+          <a:xfrm>
+            <a:off x="6078855" y="1059180"/>
+            <a:ext cx="0" cy="5328000"/>
+          </a:xfrm>
+          <a:prstGeom prst="line">
+            <a:avLst/>
+          </a:prstGeom>
+          <a:ln w="28575" cmpd="sng">
+            <a:solidFill>
+              <a:schemeClr val="accent1">
+                <a:shade val="50000"/>
+              </a:schemeClr>
+            </a:solidFill>
+            <a:prstDash val="sysDot"/>
+          </a:ln>
+        </p:spPr>
+        <p:style>
+          <a:lnRef idx="1">
+            <a:schemeClr val="accent1"/>
+          </a:lnRef>
+          <a:fillRef idx="0">
+            <a:schemeClr val="accent1"/>
+          </a:fillRef>
+          <a:effectRef idx="0">
+            <a:schemeClr val="accent1"/>
+          </a:effectRef>
+          <a:fontRef idx="minor">
+            <a:schemeClr val="tx1"/>
+          </a:fontRef>
+        </p:style>
+      </p:cxnSp>
+      <p:sp>
+        <p:nvSpPr>
+          <p:cNvPr id="15" name="文本框 14"/>
+          <p:cNvSpPr txBox="1"/>
+          <p:nvPr/>
+        </p:nvSpPr>
+        <p:spPr>
+          <a:xfrm>
+            <a:off x="6535420" y="1174115"/>
+            <a:ext cx="5182870" cy="368300"/>
+          </a:xfrm>
+          <a:prstGeom prst="rect">
+            <a:avLst/>
+          </a:prstGeom>
+          <a:noFill/>
+        </p:spPr>
+        <p:txBody>
+          <a:bodyPr wrap="square" rtlCol="0">
+            <a:spAutoFit/>
+          </a:bodyPr>
+          <a:p>
+            <a:r>
+              <a:rPr lang="zh-CN" altLang="en-US"/>
+              <a:t>利用对应关系，可得量子化后的</a:t>
+            </a:r>
+            <a:r>
+              <a:rPr lang="en-US" altLang="zh-CN"/>
+              <a:t> LC </a:t>
+            </a:r>
+            <a:r>
+              <a:rPr lang="zh-CN" altLang="en-US"/>
+              <a:t>电路模型</a:t>
+            </a:r>
+            <a:endParaRPr lang="zh-CN" altLang="en-US"/>
+          </a:p>
+        </p:txBody>
+      </p:sp>
+      <p:sp>
+        <p:nvSpPr>
+          <p:cNvPr id="16" name="文本框 15"/>
+          <p:cNvSpPr txBox="1"/>
+          <p:nvPr/>
+        </p:nvSpPr>
+        <p:spPr>
+          <a:xfrm>
+            <a:off x="6768465" y="1713865"/>
+            <a:ext cx="2373630" cy="368300"/>
+          </a:xfrm>
+          <a:prstGeom prst="rect">
+            <a:avLst/>
+          </a:prstGeom>
+          <a:noFill/>
+        </p:spPr>
+        <p:txBody>
+          <a:bodyPr wrap="square" rtlCol="0">
+            <a:spAutoFit/>
+          </a:bodyPr>
+          <a:p>
+            <a:r>
+              <a:rPr lang="zh-CN" altLang="en-US"/>
+              <a:t>对易关系</a:t>
+            </a:r>
+            <a:endParaRPr lang="zh-CN" altLang="en-US"/>
+          </a:p>
+        </p:txBody>
+      </p:sp>
+      <p:pic>
+        <p:nvPicPr>
+          <p:cNvPr id="17" name="图片 16"/>
+          <p:cNvPicPr>
+            <a:picLocks noChangeAspect="1"/>
+          </p:cNvPicPr>
+          <p:nvPr/>
+        </p:nvPicPr>
+        <p:blipFill>
+          <a:blip r:embed="rId2"/>
+          <a:stretch>
+            <a:fillRect/>
+          </a:stretch>
+        </p:blipFill>
+        <p:spPr>
+          <a:xfrm>
+            <a:off x="7402195" y="2113915"/>
+            <a:ext cx="1458595" cy="448945"/>
+          </a:xfrm>
+          <a:prstGeom prst="rect">
+            <a:avLst/>
+          </a:prstGeom>
+        </p:spPr>
+      </p:pic>
+      <p:cxnSp>
+        <p:nvCxnSpPr>
+          <p:cNvPr id="18" name="直接连接符 17"/>
+          <p:cNvCxnSpPr/>
+          <p:nvPr/>
+        </p:nvCxnSpPr>
+        <p:spPr>
+          <a:xfrm flipV="1">
+            <a:off x="6687820" y="2687955"/>
+            <a:ext cx="4493260" cy="0"/>
+          </a:xfrm>
+          <a:prstGeom prst="line">
+            <a:avLst/>
+          </a:prstGeom>
+          <a:ln w="28575" cmpd="sng">
+            <a:solidFill>
+              <a:schemeClr val="accent1">
+                <a:shade val="50000"/>
+              </a:schemeClr>
+            </a:solidFill>
+            <a:prstDash val="sysDot"/>
+          </a:ln>
+        </p:spPr>
+        <p:style>
+          <a:lnRef idx="1">
+            <a:schemeClr val="accent1"/>
+          </a:lnRef>
+          <a:fillRef idx="0">
+            <a:schemeClr val="accent1"/>
+          </a:fillRef>
+          <a:effectRef idx="0">
+            <a:schemeClr val="accent1"/>
+          </a:effectRef>
+          <a:fontRef idx="minor">
+            <a:schemeClr val="tx1"/>
+          </a:fontRef>
+        </p:style>
+      </p:cxnSp>
+      <p:sp>
+        <p:nvSpPr>
+          <p:cNvPr id="19" name="文本框 18"/>
+          <p:cNvSpPr txBox="1"/>
+          <p:nvPr/>
+        </p:nvSpPr>
+        <p:spPr>
+          <a:xfrm>
+            <a:off x="6768465" y="2881630"/>
+            <a:ext cx="2373630" cy="368300"/>
+          </a:xfrm>
+          <a:prstGeom prst="rect">
+            <a:avLst/>
+          </a:prstGeom>
+          <a:noFill/>
+        </p:spPr>
+        <p:txBody>
+          <a:bodyPr wrap="square" rtlCol="0">
+            <a:spAutoFit/>
+          </a:bodyPr>
+          <a:p>
+            <a:r>
+              <a:rPr lang="zh-CN" altLang="en-US"/>
+              <a:t>定义产生湮灭算符</a:t>
+            </a:r>
+            <a:endParaRPr lang="zh-CN" altLang="en-US"/>
+          </a:p>
+        </p:txBody>
+      </p:sp>
+      <p:pic>
+        <p:nvPicPr>
+          <p:cNvPr id="20" name="图片 19"/>
+          <p:cNvPicPr>
+            <a:picLocks noChangeAspect="1"/>
+          </p:cNvPicPr>
+          <p:nvPr/>
+        </p:nvPicPr>
+        <p:blipFill>
+          <a:blip r:embed="rId3"/>
+          <a:stretch>
+            <a:fillRect/>
+          </a:stretch>
+        </p:blipFill>
+        <p:spPr>
+          <a:xfrm>
+            <a:off x="7186930" y="3293745"/>
+            <a:ext cx="2749550" cy="1421130"/>
+          </a:xfrm>
+          <a:prstGeom prst="rect">
+            <a:avLst/>
+          </a:prstGeom>
+        </p:spPr>
+      </p:pic>
+      <p:cxnSp>
+        <p:nvCxnSpPr>
+          <p:cNvPr id="21" name="直接连接符 20"/>
+          <p:cNvCxnSpPr/>
+          <p:nvPr/>
+        </p:nvCxnSpPr>
+        <p:spPr>
+          <a:xfrm flipV="1">
+            <a:off x="6687820" y="4763770"/>
+            <a:ext cx="4493260" cy="0"/>
+          </a:xfrm>
+          <a:prstGeom prst="line">
+            <a:avLst/>
+          </a:prstGeom>
+          <a:ln w="28575" cmpd="sng">
+            <a:solidFill>
+              <a:schemeClr val="accent1">
+                <a:shade val="50000"/>
+              </a:schemeClr>
+            </a:solidFill>
+            <a:prstDash val="sysDot"/>
+          </a:ln>
+        </p:spPr>
+        <p:style>
+          <a:lnRef idx="1">
+            <a:schemeClr val="accent1"/>
+          </a:lnRef>
+          <a:fillRef idx="0">
+            <a:schemeClr val="accent1"/>
+          </a:fillRef>
+          <a:effectRef idx="0">
+            <a:schemeClr val="accent1"/>
+          </a:effectRef>
+          <a:fontRef idx="minor">
+            <a:schemeClr val="tx1"/>
+          </a:fontRef>
+        </p:style>
+      </p:cxnSp>
+      <p:sp>
+        <p:nvSpPr>
+          <p:cNvPr id="22" name="文本框 21"/>
+          <p:cNvSpPr txBox="1"/>
+          <p:nvPr/>
+        </p:nvSpPr>
+        <p:spPr>
+          <a:xfrm>
+            <a:off x="6768465" y="4959985"/>
+            <a:ext cx="2596515" cy="368300"/>
+          </a:xfrm>
+          <a:prstGeom prst="rect">
+            <a:avLst/>
+          </a:prstGeom>
+          <a:noFill/>
+        </p:spPr>
+        <p:txBody>
+          <a:bodyPr wrap="square" rtlCol="0">
+            <a:spAutoFit/>
+          </a:bodyPr>
+          <a:p>
+            <a:r>
+              <a:rPr lang="zh-CN" altLang="en-US"/>
+              <a:t>电路哈密顿量</a:t>
+            </a:r>
+            <a:endParaRPr lang="zh-CN" altLang="en-US"/>
+          </a:p>
+        </p:txBody>
+      </p:sp>
+      <p:pic>
+        <p:nvPicPr>
+          <p:cNvPr id="23" name="图片 22"/>
+          <p:cNvPicPr>
+            <a:picLocks noChangeAspect="1"/>
+          </p:cNvPicPr>
+          <p:nvPr/>
+        </p:nvPicPr>
+        <p:blipFill>
+          <a:blip r:embed="rId4"/>
+          <a:stretch>
+            <a:fillRect/>
+          </a:stretch>
+        </p:blipFill>
+        <p:spPr>
+          <a:xfrm>
+            <a:off x="7493000" y="5393055"/>
+            <a:ext cx="2065655" cy="690245"/>
+          </a:xfrm>
+          <a:prstGeom prst="rect">
+            <a:avLst/>
+          </a:prstGeom>
+        </p:spPr>
+      </p:pic>
+    </p:spTree>
+    <p:custDataLst>
+      <p:tags r:id="rId5"/>
+    </p:custDataLst>
+  </p:cSld>
+  <p:clrMapOvr>
+    <a:masterClrMapping/>
+  </p:clrMapOvr>
+</p:sld>
+</file>
+
+<file path=ppt/slides/slide7.xml><?xml version="1.0" encoding="utf-8"?>
+<p:sld xmlns:a="http://schemas.openxmlformats.org/drawingml/2006/main" xmlns:r="http://schemas.openxmlformats.org/officeDocument/2006/relationships" xmlns:p="http://schemas.openxmlformats.org/presentationml/2006/main">
+  <p:cSld>
+    <p:spTree>
+      <p:nvGrpSpPr>
+        <p:cNvPr id="1" name=""/>
+        <p:cNvGrpSpPr/>
+        <p:nvPr/>
+      </p:nvGrpSpPr>
+      <p:grpSpPr/>
+      <p:sp>
+        <p:nvSpPr>
+          <p:cNvPr id="3" name="矩形 2"/>
+          <p:cNvSpPr/>
+          <p:nvPr/>
+        </p:nvSpPr>
+        <p:spPr>
+          <a:xfrm>
+            <a:off x="3841750" y="294005"/>
+            <a:ext cx="4508500" cy="582295"/>
+          </a:xfrm>
+          <a:prstGeom prst="rect">
+            <a:avLst/>
+          </a:prstGeom>
+          <a:gradFill>
+            <a:gsLst>
+              <a:gs pos="0">
+                <a:srgbClr val="007BD3"/>
+              </a:gs>
+              <a:gs pos="63000">
+                <a:srgbClr val="034373"/>
+              </a:gs>
+            </a:gsLst>
+            <a:lin ang="16200000" scaled="0"/>
+          </a:gradFill>
+          <a:effectLst/>
+        </p:spPr>
+        <p:style>
+          <a:lnRef idx="2">
+            <a:schemeClr val="accent1">
+              <a:shade val="50000"/>
+            </a:schemeClr>
+          </a:lnRef>
+          <a:fillRef idx="1">
+            <a:schemeClr val="accent1"/>
+          </a:fillRef>
+          <a:effectRef idx="0">
+            <a:schemeClr val="accent1"/>
+          </a:effectRef>
+          <a:fontRef idx="minor">
+            <a:schemeClr val="lt1"/>
+          </a:fontRef>
+        </p:style>
+        <p:txBody>
+          <a:bodyPr rtlCol="0" anchor="ctr"/>
+          <a:p>
+            <a:pPr algn="ctr"/>
+            <a:r>
+              <a:rPr lang="en-US" altLang="zh-CN" sz="2000" b="1"/>
+              <a:t>LC </a:t>
+            </a:r>
+            <a:r>
+              <a:rPr lang="zh-CN" altLang="en-US" sz="2000" b="1"/>
+              <a:t>电路量子化</a:t>
+            </a:r>
+            <a:endParaRPr lang="zh-CN" altLang="en-US" sz="2000" b="1"/>
+          </a:p>
+        </p:txBody>
+      </p:sp>
+      <p:sp>
+        <p:nvSpPr>
+          <p:cNvPr id="6" name="矩形 5"/>
+          <p:cNvSpPr/>
+          <p:nvPr/>
+        </p:nvSpPr>
+        <p:spPr>
+          <a:xfrm>
+            <a:off x="0" y="558165"/>
+            <a:ext cx="3841750" cy="54000"/>
+          </a:xfrm>
+          <a:prstGeom prst="rect">
+            <a:avLst/>
+          </a:prstGeom>
+          <a:gradFill>
+            <a:gsLst>
+              <a:gs pos="0">
+                <a:srgbClr val="007BD3"/>
+              </a:gs>
+              <a:gs pos="100000">
+                <a:srgbClr val="034373"/>
+              </a:gs>
+            </a:gsLst>
+            <a:lin ang="10800000" scaled="0"/>
+          </a:gradFill>
+        </p:spPr>
+        <p:style>
+          <a:lnRef idx="2">
+            <a:schemeClr val="accent1">
+              <a:shade val="50000"/>
+            </a:schemeClr>
+          </a:lnRef>
+          <a:fillRef idx="1">
+            <a:schemeClr val="accent1"/>
+          </a:fillRef>
+          <a:effectRef idx="0">
+            <a:schemeClr val="accent1"/>
+          </a:effectRef>
+          <a:fontRef idx="minor">
+            <a:schemeClr val="lt1"/>
+          </a:fontRef>
+        </p:style>
+        <p:txBody>
+          <a:bodyPr rtlCol="0" anchor="ctr"/>
+          <a:p>
+            <a:pPr algn="ctr"/>
+            <a:endParaRPr lang="zh-CN" altLang="en-US"/>
+          </a:p>
+        </p:txBody>
+      </p:sp>
+      <p:sp>
+        <p:nvSpPr>
+          <p:cNvPr id="7" name="矩形 6"/>
+          <p:cNvSpPr/>
+          <p:nvPr/>
+        </p:nvSpPr>
+        <p:spPr>
+          <a:xfrm>
+            <a:off x="8350250" y="558165"/>
+            <a:ext cx="3841750" cy="54000"/>
+          </a:xfrm>
+          <a:prstGeom prst="rect">
+            <a:avLst/>
+          </a:prstGeom>
+          <a:gradFill>
+            <a:gsLst>
+              <a:gs pos="100000">
+                <a:srgbClr val="007BD3"/>
+              </a:gs>
+              <a:gs pos="0">
+                <a:srgbClr val="034373"/>
+              </a:gs>
+            </a:gsLst>
+            <a:lin ang="10800000" scaled="0"/>
+          </a:gradFill>
+        </p:spPr>
+        <p:style>
+          <a:lnRef idx="2">
+            <a:schemeClr val="accent1">
+              <a:shade val="50000"/>
+            </a:schemeClr>
+          </a:lnRef>
+          <a:fillRef idx="1">
+            <a:schemeClr val="accent1"/>
+          </a:fillRef>
+          <a:effectRef idx="0">
+            <a:schemeClr val="accent1"/>
+          </a:effectRef>
+          <a:fontRef idx="minor">
+            <a:schemeClr val="lt1"/>
+          </a:fontRef>
+        </p:style>
+        <p:txBody>
+          <a:bodyPr rtlCol="0" anchor="ctr"/>
+          <a:p>
+            <a:pPr algn="ctr"/>
+            <a:endParaRPr lang="zh-CN" altLang="en-US"/>
+          </a:p>
+        </p:txBody>
+      </p:sp>
+      <p:pic>
+        <p:nvPicPr>
+          <p:cNvPr id="2" name="图片 1"/>
+          <p:cNvPicPr>
+            <a:picLocks noChangeAspect="1"/>
+          </p:cNvPicPr>
+          <p:nvPr/>
+        </p:nvPicPr>
+        <p:blipFill>
+          <a:blip r:embed="rId1"/>
+          <a:stretch>
+            <a:fillRect/>
+          </a:stretch>
+        </p:blipFill>
+        <p:spPr>
+          <a:xfrm>
+            <a:off x="1062990" y="1478915"/>
+            <a:ext cx="3316605" cy="3105150"/>
+          </a:xfrm>
+          <a:prstGeom prst="rect">
+            <a:avLst/>
+          </a:prstGeom>
+        </p:spPr>
+      </p:pic>
+      <p:sp>
+        <p:nvSpPr>
+          <p:cNvPr id="11" name="文本框 10"/>
+          <p:cNvSpPr txBox="1"/>
+          <p:nvPr/>
+        </p:nvSpPr>
+        <p:spPr>
+          <a:xfrm>
+            <a:off x="994410" y="4584065"/>
+            <a:ext cx="3459480" cy="337185"/>
+          </a:xfrm>
+          <a:prstGeom prst="rect">
+            <a:avLst/>
+          </a:prstGeom>
+          <a:noFill/>
+        </p:spPr>
+        <p:txBody>
+          <a:bodyPr wrap="square" rtlCol="0">
+            <a:spAutoFit/>
+          </a:bodyPr>
+          <a:p>
+            <a:pPr algn="ctr"/>
+            <a:r>
+              <a:rPr lang="en-US" altLang="zh-CN" sz="1600"/>
+              <a:t>Fig. 2. Eigen-spectrum of LC circuit</a:t>
+            </a:r>
+            <a:endParaRPr lang="en-US" altLang="zh-CN" sz="1600"/>
+          </a:p>
+        </p:txBody>
+      </p:sp>
+      <p:sp>
+        <p:nvSpPr>
+          <p:cNvPr id="4" name="文本框 3"/>
+          <p:cNvSpPr txBox="1"/>
+          <p:nvPr/>
+        </p:nvSpPr>
+        <p:spPr>
+          <a:xfrm>
+            <a:off x="5150485" y="1356360"/>
+            <a:ext cx="5573395" cy="1337945"/>
+          </a:xfrm>
+          <a:prstGeom prst="rect">
+            <a:avLst/>
+          </a:prstGeom>
+          <a:noFill/>
+        </p:spPr>
+        <p:txBody>
+          <a:bodyPr wrap="square" rtlCol="0">
+            <a:spAutoFit/>
+          </a:bodyPr>
+          <a:p>
+            <a:pPr marL="285750" indent="-285750">
+              <a:lnSpc>
+                <a:spcPct val="150000"/>
+              </a:lnSpc>
+              <a:buFont typeface="Arial" panose="020B0604020202020204" pitchFamily="34" charset="0"/>
+              <a:buChar char="•"/>
+            </a:pPr>
+            <a:r>
+              <a:rPr lang="zh-CN" altLang="en-US"/>
+              <a:t>和量子简谐振子类似，有分立的能级</a:t>
+            </a:r>
+            <a:endParaRPr lang="zh-CN" altLang="en-US"/>
+          </a:p>
+          <a:p>
+            <a:pPr marL="285750" indent="-285750">
+              <a:lnSpc>
+                <a:spcPct val="150000"/>
+              </a:lnSpc>
+              <a:buFont typeface="Arial" panose="020B0604020202020204" pitchFamily="34" charset="0"/>
+              <a:buChar char="•"/>
+            </a:pPr>
+            <a:r>
+              <a:rPr lang="zh-CN" altLang="en-US"/>
+              <a:t>能级等间距，不利于操控，因为控制脉冲可能会将比特激发出计算子空间</a:t>
+            </a:r>
+            <a:endParaRPr lang="zh-CN" altLang="en-US"/>
+          </a:p>
+        </p:txBody>
+      </p:sp>
+      <p:sp>
+        <p:nvSpPr>
+          <p:cNvPr id="5" name="文本框 4"/>
+          <p:cNvSpPr txBox="1"/>
+          <p:nvPr/>
+        </p:nvSpPr>
+        <p:spPr>
+          <a:xfrm>
+            <a:off x="5068570" y="2694305"/>
+            <a:ext cx="5439410" cy="755650"/>
+          </a:xfrm>
+          <a:prstGeom prst="rect">
+            <a:avLst/>
+          </a:prstGeom>
+          <a:noFill/>
+        </p:spPr>
+        <p:txBody>
+          <a:bodyPr wrap="square" rtlCol="0">
+            <a:spAutoFit/>
+          </a:bodyPr>
+          <a:p>
+            <a:pPr>
+              <a:lnSpc>
+                <a:spcPct val="120000"/>
+              </a:lnSpc>
+            </a:pPr>
+            <a:r>
+              <a:rPr lang="zh-CN" altLang="en-US"/>
+              <a:t>为了解决这个问题，我们需要引入非线性器件使得能级不再等间距，称之为</a:t>
+            </a:r>
+            <a:r>
+              <a:rPr lang="en-US" altLang="zh-CN"/>
+              <a:t> transmon qubit</a:t>
+            </a:r>
+            <a:endParaRPr lang="en-US" altLang="zh-CN"/>
+          </a:p>
+        </p:txBody>
+      </p:sp>
+      <p:sp>
+        <p:nvSpPr>
+          <p:cNvPr id="8" name="文本框 7"/>
+          <p:cNvSpPr txBox="1"/>
+          <p:nvPr/>
+        </p:nvSpPr>
+        <p:spPr>
+          <a:xfrm>
+            <a:off x="5269865" y="3545205"/>
+            <a:ext cx="5089525" cy="922020"/>
+          </a:xfrm>
+          <a:prstGeom prst="rect">
+            <a:avLst/>
+          </a:prstGeom>
+          <a:noFill/>
+        </p:spPr>
+        <p:txBody>
+          <a:bodyPr wrap="square" rtlCol="0">
+            <a:spAutoFit/>
+          </a:bodyPr>
+          <a:p>
+            <a:r>
+              <a:rPr lang="zh-CN" altLang="en-US" b="1"/>
+              <a:t>约瑟夫森结</a:t>
+            </a:r>
+            <a:r>
+              <a:rPr lang="zh-CN" altLang="en-US"/>
+              <a:t>（Josephson Junctions）就是一种非线性元件。它由两层超导材料和一层夹在</a:t>
+            </a:r>
+            <a:endParaRPr lang="zh-CN" altLang="en-US"/>
+          </a:p>
+          <a:p>
+            <a:r>
+              <a:rPr lang="zh-CN" altLang="en-US"/>
+              <a:t>中间的绝缘材料构成。</a:t>
+            </a:r>
+            <a:endParaRPr lang="zh-CN" altLang="en-US"/>
+          </a:p>
+        </p:txBody>
+      </p:sp>
+      <p:pic>
+        <p:nvPicPr>
+          <p:cNvPr id="9" name="图片 8"/>
+          <p:cNvPicPr>
+            <a:picLocks noChangeAspect="1"/>
+          </p:cNvPicPr>
+          <p:nvPr/>
+        </p:nvPicPr>
+        <p:blipFill>
+          <a:blip r:embed="rId2"/>
+          <a:stretch>
+            <a:fillRect/>
+          </a:stretch>
+        </p:blipFill>
+        <p:spPr>
+          <a:xfrm>
+            <a:off x="5816600" y="4467225"/>
+            <a:ext cx="4691380" cy="1891665"/>
+          </a:xfrm>
+          <a:prstGeom prst="rect">
+            <a:avLst/>
+          </a:prstGeom>
+        </p:spPr>
+      </p:pic>
+    </p:spTree>
+    <p:custDataLst>
+      <p:tags r:id="rId3"/>
+    </p:custDataLst>
+  </p:cSld>
+  <p:clrMapOvr>
+    <a:masterClrMapping/>
+  </p:clrMapOvr>
+</p:sld>
+</file>
+
+<file path=ppt/slides/slide8.xml><?xml version="1.0" encoding="utf-8"?>
+<p:sld xmlns:a="http://schemas.openxmlformats.org/drawingml/2006/main" xmlns:r="http://schemas.openxmlformats.org/officeDocument/2006/relationships" xmlns:p="http://schemas.openxmlformats.org/presentationml/2006/main">
+  <p:cSld>
+    <p:spTree>
+      <p:nvGrpSpPr>
+        <p:cNvPr id="1" name=""/>
+        <p:cNvGrpSpPr/>
+        <p:nvPr/>
+      </p:nvGrpSpPr>
+      <p:grpSpPr/>
+      <p:sp>
+        <p:nvSpPr>
+          <p:cNvPr id="3" name="矩形 2"/>
+          <p:cNvSpPr/>
+          <p:nvPr/>
+        </p:nvSpPr>
+        <p:spPr>
+          <a:xfrm>
+            <a:off x="3841750" y="294005"/>
+            <a:ext cx="4508500" cy="582295"/>
+          </a:xfrm>
+          <a:prstGeom prst="rect">
+            <a:avLst/>
+          </a:prstGeom>
+          <a:gradFill>
+            <a:gsLst>
+              <a:gs pos="0">
+                <a:srgbClr val="007BD3"/>
+              </a:gs>
+              <a:gs pos="63000">
+                <a:srgbClr val="034373"/>
+              </a:gs>
+            </a:gsLst>
+            <a:lin ang="16200000" scaled="0"/>
+          </a:gradFill>
+          <a:effectLst/>
+        </p:spPr>
+        <p:style>
+          <a:lnRef idx="2">
+            <a:schemeClr val="accent1">
+              <a:shade val="50000"/>
+            </a:schemeClr>
+          </a:lnRef>
+          <a:fillRef idx="1">
+            <a:schemeClr val="accent1"/>
+          </a:fillRef>
+          <a:effectRef idx="0">
+            <a:schemeClr val="accent1"/>
+          </a:effectRef>
+          <a:fontRef idx="minor">
+            <a:schemeClr val="lt1"/>
+          </a:fontRef>
+        </p:style>
+        <p:txBody>
+          <a:bodyPr rtlCol="0" anchor="ctr"/>
+          <a:p>
+            <a:pPr algn="ctr"/>
+            <a:r>
+              <a:rPr lang="en-US" sz="2000" b="1"/>
+              <a:t>Transmon</a:t>
+            </a:r>
+            <a:endParaRPr lang="en-US" sz="2000" b="1"/>
+          </a:p>
+        </p:txBody>
+      </p:sp>
+      <p:sp>
+        <p:nvSpPr>
+          <p:cNvPr id="6" name="矩形 5"/>
+          <p:cNvSpPr/>
+          <p:nvPr/>
+        </p:nvSpPr>
+        <p:spPr>
+          <a:xfrm>
+            <a:off x="0" y="558165"/>
+            <a:ext cx="3841750" cy="54000"/>
+          </a:xfrm>
+          <a:prstGeom prst="rect">
+            <a:avLst/>
+          </a:prstGeom>
+          <a:gradFill>
+            <a:gsLst>
+              <a:gs pos="0">
+                <a:srgbClr val="007BD3"/>
+              </a:gs>
+              <a:gs pos="100000">
+                <a:srgbClr val="034373"/>
+              </a:gs>
+            </a:gsLst>
+            <a:lin ang="10800000" scaled="0"/>
+          </a:gradFill>
+        </p:spPr>
+        <p:style>
+          <a:lnRef idx="2">
+            <a:schemeClr val="accent1">
+              <a:shade val="50000"/>
+            </a:schemeClr>
+          </a:lnRef>
+          <a:fillRef idx="1">
+            <a:schemeClr val="accent1"/>
+          </a:fillRef>
+          <a:effectRef idx="0">
+            <a:schemeClr val="accent1"/>
+          </a:effectRef>
+          <a:fontRef idx="minor">
+            <a:schemeClr val="lt1"/>
+          </a:fontRef>
+        </p:style>
+        <p:txBody>
+          <a:bodyPr rtlCol="0" anchor="ctr"/>
+          <a:p>
+            <a:pPr algn="ctr"/>
+            <a:endParaRPr lang="zh-CN" altLang="en-US"/>
+          </a:p>
+        </p:txBody>
+      </p:sp>
+      <p:sp>
+        <p:nvSpPr>
+          <p:cNvPr id="7" name="矩形 6"/>
+          <p:cNvSpPr/>
+          <p:nvPr/>
+        </p:nvSpPr>
+        <p:spPr>
+          <a:xfrm>
+            <a:off x="8350250" y="558165"/>
+            <a:ext cx="3841750" cy="54000"/>
+          </a:xfrm>
+          <a:prstGeom prst="rect">
+            <a:avLst/>
+          </a:prstGeom>
+          <a:gradFill>
+            <a:gsLst>
+              <a:gs pos="100000">
+                <a:srgbClr val="007BD3"/>
+              </a:gs>
+              <a:gs pos="0">
+                <a:srgbClr val="034373"/>
+              </a:gs>
+            </a:gsLst>
+            <a:lin ang="10800000" scaled="0"/>
+          </a:gradFill>
+        </p:spPr>
+        <p:style>
+          <a:lnRef idx="2">
+            <a:schemeClr val="accent1">
+              <a:shade val="50000"/>
+            </a:schemeClr>
+          </a:lnRef>
+          <a:fillRef idx="1">
+            <a:schemeClr val="accent1"/>
+          </a:fillRef>
+          <a:effectRef idx="0">
+            <a:schemeClr val="accent1"/>
+          </a:effectRef>
+          <a:fontRef idx="minor">
+            <a:schemeClr val="lt1"/>
+          </a:fontRef>
+        </p:style>
+        <p:txBody>
+          <a:bodyPr rtlCol="0" anchor="ctr"/>
+          <a:p>
+            <a:pPr algn="ctr"/>
+            <a:endParaRPr lang="zh-CN" altLang="en-US"/>
+          </a:p>
+        </p:txBody>
+      </p:sp>
+      <p:sp>
+        <p:nvSpPr>
+          <p:cNvPr id="10" name="文本框 9"/>
+          <p:cNvSpPr txBox="1"/>
+          <p:nvPr/>
+        </p:nvSpPr>
+        <p:spPr>
+          <a:xfrm>
+            <a:off x="4476750" y="1410970"/>
+            <a:ext cx="4417060" cy="368300"/>
+          </a:xfrm>
+          <a:prstGeom prst="rect">
+            <a:avLst/>
+          </a:prstGeom>
+          <a:noFill/>
+        </p:spPr>
+        <p:txBody>
+          <a:bodyPr wrap="square" rtlCol="0">
+            <a:spAutoFit/>
+          </a:bodyPr>
+          <a:p>
+            <a:r>
+              <a:rPr lang="zh-CN" altLang="en-US"/>
+              <a:t>约瑟夫森关系</a:t>
+            </a:r>
+            <a:endParaRPr lang="zh-CN" altLang="en-US"/>
+          </a:p>
+        </p:txBody>
+      </p:sp>
+      <p:sp>
+        <p:nvSpPr>
+          <p:cNvPr id="13" name="文本框 12"/>
+          <p:cNvSpPr txBox="1"/>
+          <p:nvPr/>
+        </p:nvSpPr>
+        <p:spPr>
+          <a:xfrm>
+            <a:off x="7259955" y="1765300"/>
+            <a:ext cx="3491230" cy="922020"/>
+          </a:xfrm>
+          <a:prstGeom prst="rect">
+            <a:avLst/>
+          </a:prstGeom>
+          <a:noFill/>
+        </p:spPr>
+        <p:txBody>
+          <a:bodyPr wrap="square" rtlCol="0">
+            <a:spAutoFit/>
+          </a:bodyPr>
+          <a:p>
+            <a:pPr marL="285750" indent="-285750">
+              <a:lnSpc>
+                <a:spcPct val="150000"/>
+              </a:lnSpc>
+              <a:buFont typeface="Arial" panose="020B0604020202020204" pitchFamily="34" charset="0"/>
+              <a:buChar char="•"/>
+            </a:pPr>
+            <a:r>
+              <a:rPr lang="en-US" altLang="zh-CN" i="1">
+                <a:latin typeface="Times New Roman" panose="02020603050405020304" charset="0"/>
+                <a:cs typeface="Times New Roman" panose="02020603050405020304" charset="0"/>
+              </a:rPr>
+              <a:t>I</a:t>
+            </a:r>
+            <a:r>
+              <a:rPr lang="en-US" altLang="zh-CN" i="1" baseline="-25000">
+                <a:latin typeface="Times New Roman" panose="02020603050405020304" charset="0"/>
+                <a:cs typeface="Times New Roman" panose="02020603050405020304" charset="0"/>
+              </a:rPr>
+              <a:t>c</a:t>
+            </a:r>
+            <a:r>
+              <a:rPr lang="en-US" altLang="zh-CN" i="1">
+                <a:latin typeface="Times New Roman" panose="02020603050405020304" charset="0"/>
+                <a:cs typeface="Times New Roman" panose="02020603050405020304" charset="0"/>
+              </a:rPr>
+              <a:t> </a:t>
+            </a:r>
+            <a:r>
+              <a:rPr lang="zh-CN" altLang="en-US">
+                <a:latin typeface="Times New Roman" panose="02020603050405020304" charset="0"/>
+                <a:cs typeface="Times New Roman" panose="02020603050405020304" charset="0"/>
+              </a:rPr>
+              <a:t>为临界电流</a:t>
+            </a:r>
+            <a:r>
+              <a:rPr lang="en-US" altLang="zh-CN">
+                <a:latin typeface="Times New Roman" panose="02020603050405020304" charset="0"/>
+                <a:cs typeface="Times New Roman" panose="02020603050405020304" charset="0"/>
+              </a:rPr>
+              <a:t>, </a:t>
+            </a:r>
+            <a:endParaRPr lang="en-US" altLang="zh-CN">
+              <a:latin typeface="Times New Roman" panose="02020603050405020304" charset="0"/>
+              <a:cs typeface="Times New Roman" panose="02020603050405020304" charset="0"/>
+            </a:endParaRPr>
+          </a:p>
+          <a:p>
+            <a:pPr marL="285750" indent="-285750">
+              <a:lnSpc>
+                <a:spcPct val="150000"/>
+              </a:lnSpc>
+              <a:buFont typeface="Arial" panose="020B0604020202020204" pitchFamily="34" charset="0"/>
+              <a:buChar char="•"/>
+            </a:pPr>
+            <a:r>
+              <a:rPr lang="en-US" altLang="zh-CN" i="1">
+                <a:latin typeface="Times New Roman" panose="02020603050405020304" charset="0"/>
+                <a:cs typeface="Times New Roman" panose="02020603050405020304" charset="0"/>
+              </a:rPr>
+              <a:t>ϕ </a:t>
+            </a:r>
+            <a:r>
+              <a:rPr lang="zh-CN" altLang="en-US">
+                <a:latin typeface="Times New Roman" panose="02020603050405020304" charset="0"/>
+                <a:cs typeface="Times New Roman" panose="02020603050405020304" charset="0"/>
+              </a:rPr>
+              <a:t>为约瑟夫森结两端的磁通</a:t>
+            </a:r>
+            <a:endParaRPr lang="zh-CN" altLang="en-US">
+              <a:latin typeface="Times New Roman" panose="02020603050405020304" charset="0"/>
+              <a:cs typeface="Times New Roman" panose="02020603050405020304" charset="0"/>
+            </a:endParaRPr>
+          </a:p>
+        </p:txBody>
+      </p:sp>
+      <p:pic>
+        <p:nvPicPr>
+          <p:cNvPr id="14" name="图片 13"/>
+          <p:cNvPicPr>
+            <a:picLocks noChangeAspect="1"/>
+          </p:cNvPicPr>
+          <p:nvPr/>
+        </p:nvPicPr>
+        <p:blipFill>
+          <a:blip r:embed="rId1"/>
+          <a:stretch>
+            <a:fillRect/>
+          </a:stretch>
+        </p:blipFill>
+        <p:spPr>
+          <a:xfrm>
+            <a:off x="747395" y="1369060"/>
+            <a:ext cx="3531870" cy="2823845"/>
+          </a:xfrm>
+          <a:prstGeom prst="rect">
+            <a:avLst/>
+          </a:prstGeom>
+        </p:spPr>
+      </p:pic>
+      <p:sp>
+        <p:nvSpPr>
+          <p:cNvPr id="15" name="文本框 14"/>
+          <p:cNvSpPr txBox="1"/>
+          <p:nvPr/>
+        </p:nvSpPr>
+        <p:spPr>
+          <a:xfrm>
+            <a:off x="957580" y="4192905"/>
+            <a:ext cx="3459480" cy="337185"/>
+          </a:xfrm>
+          <a:prstGeom prst="rect">
+            <a:avLst/>
+          </a:prstGeom>
+          <a:noFill/>
+        </p:spPr>
+        <p:txBody>
+          <a:bodyPr wrap="square" rtlCol="0">
+            <a:spAutoFit/>
+          </a:bodyPr>
+          <a:p>
+            <a:pPr algn="ctr"/>
+            <a:r>
+              <a:rPr lang="en-US" altLang="zh-CN" sz="1600"/>
+              <a:t>Fig. 3. Nonlinear LC circuit</a:t>
+            </a:r>
+            <a:endParaRPr lang="en-US" altLang="zh-CN" sz="1600"/>
+          </a:p>
+        </p:txBody>
+      </p:sp>
+      <p:pic>
+        <p:nvPicPr>
+          <p:cNvPr id="17" name="图片 16"/>
+          <p:cNvPicPr>
+            <a:picLocks noChangeAspect="1"/>
+          </p:cNvPicPr>
+          <p:nvPr/>
+        </p:nvPicPr>
+        <p:blipFill>
+          <a:blip r:embed="rId2"/>
+          <a:stretch>
+            <a:fillRect/>
+          </a:stretch>
+        </p:blipFill>
+        <p:spPr>
+          <a:xfrm>
+            <a:off x="5559425" y="1855470"/>
+            <a:ext cx="1590675" cy="1033780"/>
+          </a:xfrm>
+          <a:prstGeom prst="rect">
+            <a:avLst/>
+          </a:prstGeom>
+        </p:spPr>
+      </p:pic>
+      <p:sp>
+        <p:nvSpPr>
+          <p:cNvPr id="18" name="文本框 17"/>
+          <p:cNvSpPr txBox="1"/>
+          <p:nvPr/>
+        </p:nvSpPr>
+        <p:spPr>
+          <a:xfrm>
+            <a:off x="4476750" y="2965450"/>
+            <a:ext cx="4417060" cy="368300"/>
+          </a:xfrm>
+          <a:prstGeom prst="rect">
+            <a:avLst/>
+          </a:prstGeom>
+          <a:noFill/>
+        </p:spPr>
+        <p:txBody>
+          <a:bodyPr wrap="square" rtlCol="0">
+            <a:spAutoFit/>
+          </a:bodyPr>
+          <a:p>
+            <a:r>
+              <a:rPr lang="zh-CN" altLang="en-US"/>
+              <a:t>约瑟夫森结的能量</a:t>
+            </a:r>
+            <a:endParaRPr lang="zh-CN" altLang="en-US"/>
+          </a:p>
+        </p:txBody>
+      </p:sp>
+      <p:pic>
+        <p:nvPicPr>
+          <p:cNvPr id="19" name="图片 18"/>
+          <p:cNvPicPr>
+            <a:picLocks noChangeAspect="1"/>
+          </p:cNvPicPr>
+          <p:nvPr/>
+        </p:nvPicPr>
+        <p:blipFill>
+          <a:blip r:embed="rId3"/>
+          <a:stretch>
+            <a:fillRect/>
+          </a:stretch>
+        </p:blipFill>
+        <p:spPr>
+          <a:xfrm>
+            <a:off x="5237480" y="3409950"/>
+            <a:ext cx="4090035" cy="1831340"/>
+          </a:xfrm>
+          <a:prstGeom prst="rect">
+            <a:avLst/>
+          </a:prstGeom>
+        </p:spPr>
+      </p:pic>
+      <p:sp>
+        <p:nvSpPr>
+          <p:cNvPr id="20" name="文本框 19"/>
+          <p:cNvSpPr txBox="1"/>
+          <p:nvPr/>
+        </p:nvSpPr>
+        <p:spPr>
+          <a:xfrm>
+            <a:off x="4476750" y="5422900"/>
+            <a:ext cx="6019800" cy="368300"/>
+          </a:xfrm>
+          <a:prstGeom prst="rect">
+            <a:avLst/>
+          </a:prstGeom>
+          <a:noFill/>
+        </p:spPr>
+        <p:txBody>
+          <a:bodyPr wrap="square" rtlCol="0">
+            <a:spAutoFit/>
+          </a:bodyPr>
+          <a:p>
+            <a:r>
+              <a:rPr lang="zh-CN" altLang="en-US"/>
+              <a:t>其中</a:t>
+            </a:r>
+            <a:r>
+              <a:rPr lang="en-US" altLang="zh-CN"/>
+              <a:t> </a:t>
+            </a:r>
+            <a:r>
+              <a:rPr lang="en-US" altLang="zh-CN" i="1">
+                <a:latin typeface="Times New Roman" panose="02020603050405020304" charset="0"/>
+                <a:cs typeface="Times New Roman" panose="02020603050405020304" charset="0"/>
+              </a:rPr>
+              <a:t>E</a:t>
+            </a:r>
+            <a:r>
+              <a:rPr lang="en-US" altLang="zh-CN" i="1" baseline="-25000">
+                <a:latin typeface="Times New Roman" panose="02020603050405020304" charset="0"/>
+                <a:cs typeface="Times New Roman" panose="02020603050405020304" charset="0"/>
+              </a:rPr>
+              <a:t>j</a:t>
+            </a:r>
+            <a:r>
+              <a:rPr lang="en-US" altLang="zh-CN"/>
+              <a:t> </a:t>
+            </a:r>
+            <a:r>
+              <a:rPr lang="zh-CN" altLang="en-US"/>
+              <a:t>为约瑟夫森能，由材料属性决定</a:t>
+            </a:r>
+            <a:endParaRPr lang="zh-CN" altLang="en-US"/>
+          </a:p>
+        </p:txBody>
+      </p:sp>
+    </p:spTree>
+    <p:custDataLst>
+      <p:tags r:id="rId4"/>
+    </p:custDataLst>
+  </p:cSld>
+  <p:clrMapOvr>
+    <a:masterClrMapping/>
+  </p:clrMapOvr>
+</p:sld>
+</file>
+
+<file path=ppt/slides/slide9.xml><?xml version="1.0" encoding="utf-8"?>
+<p:sld xmlns:a="http://schemas.openxmlformats.org/drawingml/2006/main" xmlns:r="http://schemas.openxmlformats.org/officeDocument/2006/relationships" xmlns:p="http://schemas.openxmlformats.org/presentationml/2006/main">
+  <p:cSld>
+    <p:spTree>
+      <p:nvGrpSpPr>
+        <p:cNvPr id="1" name=""/>
+        <p:cNvGrpSpPr/>
+        <p:nvPr/>
+      </p:nvGrpSpPr>
+      <p:grpSpPr/>
+      <p:sp>
+        <p:nvSpPr>
+          <p:cNvPr id="3" name="矩形 2"/>
+          <p:cNvSpPr/>
+          <p:nvPr/>
+        </p:nvSpPr>
+        <p:spPr>
+          <a:xfrm>
+            <a:off x="3841750" y="294005"/>
+            <a:ext cx="4508500" cy="582295"/>
+          </a:xfrm>
+          <a:prstGeom prst="rect">
+            <a:avLst/>
+          </a:prstGeom>
+          <a:gradFill>
+            <a:gsLst>
+              <a:gs pos="0">
+                <a:srgbClr val="007BD3"/>
+              </a:gs>
+              <a:gs pos="63000">
+                <a:srgbClr val="034373"/>
+              </a:gs>
+            </a:gsLst>
+            <a:lin ang="16200000" scaled="0"/>
+          </a:gradFill>
+          <a:effectLst/>
+        </p:spPr>
+        <p:style>
+          <a:lnRef idx="2">
+            <a:schemeClr val="accent1">
+              <a:shade val="50000"/>
+            </a:schemeClr>
+          </a:lnRef>
+          <a:fillRef idx="1">
+            <a:schemeClr val="accent1"/>
+          </a:fillRef>
+          <a:effectRef idx="0">
+            <a:schemeClr val="accent1"/>
+          </a:effectRef>
+          <a:fontRef idx="minor">
+            <a:schemeClr val="lt1"/>
+          </a:fontRef>
+        </p:style>
+        <p:txBody>
+          <a:bodyPr rtlCol="0" anchor="ctr"/>
+          <a:p>
+            <a:pPr algn="ctr"/>
+            <a:r>
+              <a:rPr lang="en-US" sz="2000" b="1"/>
+              <a:t>Transmon</a:t>
+            </a:r>
+            <a:endParaRPr lang="en-US" sz="2000" b="1"/>
+          </a:p>
+        </p:txBody>
+      </p:sp>
+      <p:sp>
+        <p:nvSpPr>
+          <p:cNvPr id="6" name="矩形 5"/>
+          <p:cNvSpPr/>
+          <p:nvPr/>
+        </p:nvSpPr>
+        <p:spPr>
+          <a:xfrm>
+            <a:off x="0" y="558165"/>
+            <a:ext cx="3841750" cy="54000"/>
+          </a:xfrm>
+          <a:prstGeom prst="rect">
+            <a:avLst/>
+          </a:prstGeom>
+          <a:gradFill>
+            <a:gsLst>
+              <a:gs pos="0">
+                <a:srgbClr val="007BD3"/>
+              </a:gs>
+              <a:gs pos="100000">
+                <a:srgbClr val="034373"/>
+              </a:gs>
+            </a:gsLst>
+            <a:lin ang="10800000" scaled="0"/>
+          </a:gradFill>
+        </p:spPr>
+        <p:style>
+          <a:lnRef idx="2">
+            <a:schemeClr val="accent1">
+              <a:shade val="50000"/>
+            </a:schemeClr>
+          </a:lnRef>
+          <a:fillRef idx="1">
+            <a:schemeClr val="accent1"/>
+          </a:fillRef>
+          <a:effectRef idx="0">
+            <a:schemeClr val="accent1"/>
+          </a:effectRef>
+          <a:fontRef idx="minor">
+            <a:schemeClr val="lt1"/>
+          </a:fontRef>
+        </p:style>
+        <p:txBody>
+          <a:bodyPr rtlCol="0" anchor="ctr"/>
+          <a:p>
+            <a:pPr algn="ctr"/>
+            <a:endParaRPr lang="zh-CN" altLang="en-US"/>
+          </a:p>
+        </p:txBody>
+      </p:sp>
+      <p:sp>
+        <p:nvSpPr>
+          <p:cNvPr id="7" name="矩形 6"/>
+          <p:cNvSpPr/>
+          <p:nvPr/>
+        </p:nvSpPr>
+        <p:spPr>
+          <a:xfrm>
+            <a:off x="8350250" y="558165"/>
+            <a:ext cx="3841750" cy="54000"/>
+          </a:xfrm>
+          <a:prstGeom prst="rect">
+            <a:avLst/>
+          </a:prstGeom>
+          <a:gradFill>
+            <a:gsLst>
+              <a:gs pos="100000">
+                <a:srgbClr val="007BD3"/>
+              </a:gs>
+              <a:gs pos="0">
+                <a:srgbClr val="034373"/>
+              </a:gs>
+            </a:gsLst>
+            <a:lin ang="10800000" scaled="0"/>
+          </a:gradFill>
+        </p:spPr>
+        <p:style>
+          <a:lnRef idx="2">
+            <a:schemeClr val="accent1">
+              <a:shade val="50000"/>
+            </a:schemeClr>
+          </a:lnRef>
+          <a:fillRef idx="1">
+            <a:schemeClr val="accent1"/>
+          </a:fillRef>
+          <a:effectRef idx="0">
+            <a:schemeClr val="accent1"/>
+          </a:effectRef>
+          <a:fontRef idx="minor">
+            <a:schemeClr val="lt1"/>
+          </a:fontRef>
+        </p:style>
+        <p:txBody>
+          <a:bodyPr rtlCol="0" anchor="ctr"/>
+          <a:p>
+            <a:pPr algn="ctr"/>
+            <a:endParaRPr lang="zh-CN" altLang="en-US"/>
+          </a:p>
+        </p:txBody>
+      </p:sp>
+      <p:sp>
+        <p:nvSpPr>
+          <p:cNvPr id="2" name="文本框 1"/>
+          <p:cNvSpPr txBox="1"/>
+          <p:nvPr/>
+        </p:nvSpPr>
+        <p:spPr>
+          <a:xfrm>
+            <a:off x="806450" y="1078865"/>
+            <a:ext cx="6591935" cy="922020"/>
+          </a:xfrm>
+          <a:prstGeom prst="rect">
+            <a:avLst/>
+          </a:prstGeom>
+          <a:noFill/>
+        </p:spPr>
+        <p:txBody>
+          <a:bodyPr wrap="square" rtlCol="0">
+            <a:spAutoFit/>
+          </a:bodyPr>
+          <a:p>
+            <a:pPr>
+              <a:lnSpc>
+                <a:spcPct val="150000"/>
+              </a:lnSpc>
+            </a:pPr>
+            <a:r>
+              <a:rPr lang="zh-CN" altLang="en-US"/>
+              <a:t>扔掉约瑟夫森能量中对能级结构影响不大的常数项，加入非线性器件后的电路哈密顿量为</a:t>
+            </a:r>
+            <a:endParaRPr lang="zh-CN" altLang="en-US"/>
+          </a:p>
+        </p:txBody>
+      </p:sp>
+      <p:pic>
+        <p:nvPicPr>
+          <p:cNvPr id="4" name="图片 3"/>
+          <p:cNvPicPr>
+            <a:picLocks noChangeAspect="1"/>
+          </p:cNvPicPr>
+          <p:nvPr/>
+        </p:nvPicPr>
+        <p:blipFill>
+          <a:blip r:embed="rId1"/>
+          <a:stretch>
+            <a:fillRect/>
+          </a:stretch>
+        </p:blipFill>
+        <p:spPr>
+          <a:xfrm>
+            <a:off x="2049780" y="2043430"/>
+            <a:ext cx="3796030" cy="1387475"/>
+          </a:xfrm>
+          <a:prstGeom prst="rect">
+            <a:avLst/>
+          </a:prstGeom>
+        </p:spPr>
+      </p:pic>
+      <p:sp>
+        <p:nvSpPr>
+          <p:cNvPr id="5" name="文本框 4"/>
+          <p:cNvSpPr txBox="1"/>
+          <p:nvPr/>
+        </p:nvSpPr>
+        <p:spPr>
+          <a:xfrm>
+            <a:off x="951865" y="3524885"/>
+            <a:ext cx="4799965" cy="368300"/>
+          </a:xfrm>
+          <a:prstGeom prst="rect">
+            <a:avLst/>
+          </a:prstGeom>
+          <a:noFill/>
+        </p:spPr>
+        <p:txBody>
+          <a:bodyPr wrap="square" rtlCol="0">
+            <a:spAutoFit/>
+          </a:bodyPr>
+          <a:p>
+            <a:r>
+              <a:rPr lang="zh-CN" altLang="en-US"/>
+              <a:t>量子化后</a:t>
+            </a:r>
+            <a:endParaRPr lang="zh-CN" altLang="en-US"/>
+          </a:p>
+        </p:txBody>
+      </p:sp>
+      <p:pic>
+        <p:nvPicPr>
+          <p:cNvPr id="8" name="图片 7"/>
+          <p:cNvPicPr>
+            <a:picLocks noChangeAspect="1"/>
+          </p:cNvPicPr>
+          <p:nvPr/>
+        </p:nvPicPr>
+        <p:blipFill>
+          <a:blip r:embed="rId2"/>
+          <a:stretch>
+            <a:fillRect/>
+          </a:stretch>
+        </p:blipFill>
+        <p:spPr>
+          <a:xfrm>
+            <a:off x="1866900" y="3877310"/>
+            <a:ext cx="3651250" cy="725170"/>
+          </a:xfrm>
+          <a:prstGeom prst="rect">
+            <a:avLst/>
+          </a:prstGeom>
+        </p:spPr>
+      </p:pic>
+      <p:pic>
+        <p:nvPicPr>
+          <p:cNvPr id="9" name="图片 8"/>
+          <p:cNvPicPr>
+            <a:picLocks noChangeAspect="1"/>
+          </p:cNvPicPr>
+          <p:nvPr/>
+        </p:nvPicPr>
+        <p:blipFill>
+          <a:blip r:embed="rId3"/>
+          <a:stretch>
+            <a:fillRect/>
+          </a:stretch>
+        </p:blipFill>
+        <p:spPr>
+          <a:xfrm>
+            <a:off x="7849235" y="1032510"/>
+            <a:ext cx="3586480" cy="3260725"/>
+          </a:xfrm>
+          <a:prstGeom prst="rect">
+            <a:avLst/>
+          </a:prstGeom>
+        </p:spPr>
+      </p:pic>
+      <p:sp>
+        <p:nvSpPr>
+          <p:cNvPr id="11" name="文本框 10"/>
+          <p:cNvSpPr txBox="1"/>
+          <p:nvPr/>
+        </p:nvSpPr>
+        <p:spPr>
+          <a:xfrm>
+            <a:off x="8280400" y="4183380"/>
+            <a:ext cx="3459480" cy="337185"/>
+          </a:xfrm>
+          <a:prstGeom prst="rect">
+            <a:avLst/>
+          </a:prstGeom>
+          <a:noFill/>
+        </p:spPr>
+        <p:txBody>
+          <a:bodyPr wrap="square" rtlCol="0">
+            <a:spAutoFit/>
+          </a:bodyPr>
+          <a:p>
+            <a:pPr algn="ctr"/>
+            <a:r>
+              <a:rPr lang="en-US" altLang="zh-CN" sz="1600"/>
+              <a:t>Fig. 4. Eigen-spectrum of transmon</a:t>
+            </a:r>
+            <a:endParaRPr lang="en-US" altLang="zh-CN" sz="1600"/>
+          </a:p>
+        </p:txBody>
+      </p:sp>
+      <p:sp>
+        <p:nvSpPr>
+          <p:cNvPr id="12" name="文本框 11"/>
+          <p:cNvSpPr txBox="1"/>
+          <p:nvPr/>
+        </p:nvSpPr>
+        <p:spPr>
+          <a:xfrm>
+            <a:off x="806450" y="5479415"/>
+            <a:ext cx="6848475" cy="922020"/>
+          </a:xfrm>
+          <a:prstGeom prst="rect">
+            <a:avLst/>
+          </a:prstGeom>
+          <a:noFill/>
+        </p:spPr>
+        <p:txBody>
+          <a:bodyPr wrap="square" rtlCol="0">
+            <a:spAutoFit/>
+          </a:bodyPr>
+          <a:p>
+            <a:pPr marL="285750" indent="-285750">
+              <a:lnSpc>
+                <a:spcPct val="150000"/>
+              </a:lnSpc>
+              <a:buFont typeface="Arial" panose="020B0604020202020204" pitchFamily="34" charset="0"/>
+              <a:buChar char="•"/>
+            </a:pPr>
+            <a:r>
+              <a:rPr lang="zh-CN" altLang="en-US"/>
+              <a:t>能级不再等间距</a:t>
+            </a:r>
+            <a:endParaRPr lang="zh-CN" altLang="en-US"/>
+          </a:p>
+          <a:p>
+            <a:pPr marL="285750" indent="-285750">
+              <a:lnSpc>
+                <a:spcPct val="150000"/>
+              </a:lnSpc>
+              <a:buFont typeface="Arial" panose="020B0604020202020204" pitchFamily="34" charset="0"/>
+              <a:buChar char="•"/>
+            </a:pPr>
+            <a:r>
+              <a:rPr lang="zh-CN" altLang="en-US"/>
+              <a:t>以最低两个能级作为计算子空间时，避免泄漏到更高的能级</a:t>
+            </a:r>
+            <a:endParaRPr lang="zh-CN" altLang="en-US"/>
+          </a:p>
+        </p:txBody>
+      </p:sp>
+      <mc:AlternateContent xmlns:mc="http://schemas.openxmlformats.org/markup-compatibility/2006">
+        <mc:Choice xmlns:a14="http://schemas.microsoft.com/office/drawing/2010/main" Requires="a14">
+          <p:sp>
+            <p:nvSpPr>
+              <p:cNvPr id="16" name="文本框 15"/>
+              <p:cNvSpPr txBox="1"/>
+              <p:nvPr/>
+            </p:nvSpPr>
+            <p:spPr>
+              <a:xfrm>
+                <a:off x="7731125" y="4798060"/>
+                <a:ext cx="4123690" cy="1075055"/>
+              </a:xfrm>
+              <a:prstGeom prst="rect">
+                <a:avLst/>
+              </a:prstGeom>
+              <a:noFill/>
+            </p:spPr>
+            <p:txBody>
+              <a:bodyPr wrap="square" rtlCol="0">
+                <a:spAutoFit/>
+              </a:bodyPr>
+              <a:p>
+                <a:r>
+                  <a:rPr lang="en-US" altLang="zh-CN"/>
+                  <a:t>Transmon</a:t>
+                </a:r>
+                <a:r>
+                  <a:rPr lang="zh-CN" altLang="en-US"/>
+                  <a:t>：</a:t>
+                </a:r>
+                <a:endParaRPr lang="zh-CN" altLang="en-US"/>
+              </a:p>
+              <a:p>
+                <a:pPr marL="285750" indent="-285750">
+                  <a:lnSpc>
+                    <a:spcPct val="125000"/>
+                  </a:lnSpc>
+                  <a:spcBef>
+                    <a:spcPts val="0"/>
+                  </a:spcBef>
+                  <a:spcAft>
+                    <a:spcPts val="0"/>
+                  </a:spcAft>
+                  <a:buFont typeface="Arial" panose="020B0604020202020204" pitchFamily="34" charset="0"/>
+                  <a:buChar char="•"/>
+                </a:pPr>
+                <a:r>
+                  <a:rPr lang="zh-CN" altLang="en-US"/>
+                  <a:t>能级不等间距</a:t>
+                </a:r>
+                <a:endParaRPr lang="zh-CN" altLang="en-US"/>
+              </a:p>
+              <a:p>
+                <a:pPr marL="285750" indent="-285750">
+                  <a:lnSpc>
+                    <a:spcPct val="125000"/>
+                  </a:lnSpc>
+                  <a:spcBef>
+                    <a:spcPts val="0"/>
+                  </a:spcBef>
+                  <a:spcAft>
+                    <a:spcPts val="0"/>
+                  </a:spcAft>
+                  <a:buFont typeface="Arial" panose="020B0604020202020204" pitchFamily="34" charset="0"/>
+                  <a:buChar char="•"/>
+                </a:pPr>
+                <a14:m>
+                  <m:oMath xmlns:m="http://schemas.openxmlformats.org/officeDocument/2006/math">
+                    <m:sSub>
+                      <m:sSubPr>
+                        <m:ctrlPr>
+                          <a:rPr lang="en-US" altLang="zh-CN" i="1">
+                            <a:latin typeface="Cambria Math" panose="02040503050406030204" charset="0"/>
+                            <a:cs typeface="Cambria Math" panose="02040503050406030204" charset="0"/>
+                          </a:rPr>
+                        </m:ctrlPr>
+                      </m:sSubPr>
+                      <m:e>
+                        <m:r>
+                          <a:rPr lang="en-US" altLang="zh-CN" i="1">
+                            <a:latin typeface="Cambria Math" panose="02040503050406030204" charset="0"/>
+                            <a:cs typeface="Cambria Math" panose="02040503050406030204" charset="0"/>
+                          </a:rPr>
+                          <m:t>𝐸</m:t>
+                        </m:r>
+                      </m:e>
+                      <m:sub>
+                        <m:r>
+                          <a:rPr lang="en-US" altLang="zh-CN" i="1">
+                            <a:latin typeface="Cambria Math" panose="02040503050406030204" charset="0"/>
+                            <a:cs typeface="Cambria Math" panose="02040503050406030204" charset="0"/>
+                          </a:rPr>
+                          <m:t>𝑗</m:t>
+                        </m:r>
+                      </m:sub>
+                    </m:sSub>
+                    <m:r>
+                      <a:rPr lang="en-US" altLang="zh-CN" i="1">
+                        <a:latin typeface="Cambria Math" panose="02040503050406030204" charset="0"/>
+                        <a:cs typeface="Cambria Math" panose="02040503050406030204" charset="0"/>
+                      </a:rPr>
+                      <m:t>/</m:t>
+                    </m:r>
+                    <m:sSub>
+                      <m:sSubPr>
+                        <m:ctrlPr>
+                          <a:rPr lang="en-US" altLang="zh-CN" i="1">
+                            <a:latin typeface="Cambria Math" panose="02040503050406030204" charset="0"/>
+                            <a:cs typeface="Cambria Math" panose="02040503050406030204" charset="0"/>
+                          </a:rPr>
+                        </m:ctrlPr>
+                      </m:sSubPr>
+                      <m:e>
+                        <m:r>
+                          <a:rPr lang="en-US" altLang="zh-CN" i="1">
+                            <a:latin typeface="Cambria Math" panose="02040503050406030204" charset="0"/>
+                            <a:cs typeface="Cambria Math" panose="02040503050406030204" charset="0"/>
+                          </a:rPr>
+                          <m:t>𝐸</m:t>
+                        </m:r>
+                      </m:e>
+                      <m:sub>
+                        <m:r>
+                          <a:rPr lang="en-US" altLang="zh-CN" i="1">
+                            <a:latin typeface="Cambria Math" panose="02040503050406030204" charset="0"/>
+                            <a:cs typeface="Cambria Math" panose="02040503050406030204" charset="0"/>
+                          </a:rPr>
+                          <m:t>𝐶</m:t>
+                        </m:r>
+                      </m:sub>
+                    </m:sSub>
+                    <m:r>
+                      <a:rPr lang="en-US" altLang="zh-CN" i="1">
+                        <a:latin typeface="Cambria Math" panose="02040503050406030204" charset="0"/>
+                        <a:cs typeface="Cambria Math" panose="02040503050406030204" charset="0"/>
+                      </a:rPr>
+                      <m:t>&gt;</m:t>
+                    </m:r>
+                    <m:r>
+                      <a:rPr lang="en-US" altLang="zh-CN" i="1">
+                        <a:latin typeface="Cambria Math" panose="02040503050406030204" charset="0"/>
+                        <a:cs typeface="Cambria Math" panose="02040503050406030204" charset="0"/>
+                      </a:rPr>
+                      <m:t>50</m:t>
+                    </m:r>
+                  </m:oMath>
+                </a14:m>
+                <a:r>
+                  <a:rPr lang="en-US" altLang="zh-CN"/>
+                  <a:t>, </a:t>
+                </a:r>
+                <a:r>
+                  <a:rPr lang="zh-CN" altLang="en-US"/>
+                  <a:t>可以抑制</a:t>
+                </a:r>
+                <a:r>
+                  <a:rPr lang="en-US" altLang="zh-CN"/>
+                  <a:t> Charge noise</a:t>
+                </a:r>
+                <a:endParaRPr lang="en-US" altLang="zh-CN"/>
+              </a:p>
+            </p:txBody>
+          </p:sp>
+        </mc:Choice>
+        <mc:Fallback>
+          <p:sp>
+            <p:nvSpPr>
+              <p:cNvPr id="16" name="文本框 15"/>
+              <p:cNvSpPr txBox="1">
+                <a:spLocks noRot="1" noChangeAspect="1" noMove="1" noResize="1" noEditPoints="1" noAdjustHandles="1" noChangeArrowheads="1" noChangeShapeType="1" noTextEdit="1"/>
+              </p:cNvSpPr>
+              <p:nvPr/>
+            </p:nvSpPr>
+            <p:spPr>
+              <a:xfrm>
+                <a:off x="7731125" y="4798060"/>
+                <a:ext cx="4123690" cy="1075055"/>
+              </a:xfrm>
+              <a:prstGeom prst="rect">
+                <a:avLst/>
+              </a:prstGeom>
+              <a:blipFill rotWithShape="1">
+                <a:blip r:embed="rId4"/>
+                <a:stretch>
+                  <a:fillRect/>
+                </a:stretch>
+              </a:blipFill>
+            </p:spPr>
+            <p:txBody>
+              <a:bodyPr/>
+              <a:lstStyle/>
+              <a:p>
+                <a:r>
+                  <a:rPr lang="zh-CN" altLang="en-US">
+                    <a:noFill/>
+                  </a:rPr>
+                  <a:t> </a:t>
+                </a:r>
+              </a:p>
+            </p:txBody>
+          </p:sp>
+        </mc:Fallback>
+      </mc:AlternateContent>
+      <p:sp>
+        <p:nvSpPr>
+          <p:cNvPr id="21" name="文本框 20"/>
+          <p:cNvSpPr txBox="1"/>
+          <p:nvPr/>
+        </p:nvSpPr>
+        <p:spPr>
+          <a:xfrm>
+            <a:off x="951865" y="4554220"/>
+            <a:ext cx="4799965" cy="368300"/>
+          </a:xfrm>
+          <a:prstGeom prst="rect">
+            <a:avLst/>
+          </a:prstGeom>
+          <a:noFill/>
+        </p:spPr>
+        <p:txBody>
+          <a:bodyPr wrap="square" rtlCol="0">
+            <a:spAutoFit/>
+          </a:bodyPr>
+          <a:p>
+            <a:r>
+              <a:rPr lang="zh-CN" altLang="en-US"/>
+              <a:t>在计算子空间中</a:t>
+            </a:r>
+            <a:r>
+              <a:rPr lang="en-US" altLang="zh-CN"/>
+              <a:t> (</a:t>
+            </a:r>
+            <a:r>
+              <a:rPr lang="zh-CN" altLang="en-US"/>
+              <a:t>最低两个能级</a:t>
+            </a:r>
+            <a:r>
+              <a:rPr lang="en-US" altLang="zh-CN"/>
+              <a:t>)</a:t>
+            </a:r>
+            <a:endParaRPr lang="en-US" altLang="zh-CN"/>
+          </a:p>
+        </p:txBody>
+      </p:sp>
+      <p:pic>
+        <p:nvPicPr>
+          <p:cNvPr id="22" name="图片 21"/>
+          <p:cNvPicPr>
+            <a:picLocks noChangeAspect="1"/>
+          </p:cNvPicPr>
+          <p:nvPr/>
+        </p:nvPicPr>
+        <p:blipFill>
+          <a:blip r:embed="rId5"/>
+          <a:stretch>
+            <a:fillRect/>
+          </a:stretch>
+        </p:blipFill>
+        <p:spPr>
+          <a:xfrm>
+            <a:off x="2955925" y="4975860"/>
+            <a:ext cx="1154430" cy="604520"/>
+          </a:xfrm>
+          <a:prstGeom prst="rect">
+            <a:avLst/>
+          </a:prstGeom>
+        </p:spPr>
+      </p:pic>
+    </p:spTree>
+    <p:custDataLst>
+      <p:tags r:id="rId6"/>
+    </p:custDataLst>
+  </p:cSld>
+  <p:clrMapOvr>
+    <a:masterClrMapping/>
+  </p:clrMapOvr>
+</p:sld>
+</file>
+
 <file path=ppt/tags/tag1.xml><?xml version="1.0" encoding="utf-8"?>
 <p:tagLst xmlns:p="http://schemas.openxmlformats.org/presentationml/2006/main">
   <p:tag name="KSO_WM_UNIT_HIGHLIGHT" val="0"/>
@@ -8094,6 +9450,22 @@
 
 <file path=ppt/tags/tag84.xml><?xml version="1.0" encoding="utf-8"?>
 <p:tagLst xmlns:p="http://schemas.openxmlformats.org/presentationml/2006/main">
+  <p:tag name="KSO_WM_BEAUTIFY_FLAG" val="#wm#"/>
+  <p:tag name="KSO_WM_TEMPLATE_CATEGORY" val="custom"/>
+  <p:tag name="KSO_WM_TEMPLATE_INDEX" val="20205081"/>
+</p:tagLst>
+</file>
+
+<file path=ppt/tags/tag85.xml><?xml version="1.0" encoding="utf-8"?>
+<p:tagLst xmlns:p="http://schemas.openxmlformats.org/presentationml/2006/main">
+  <p:tag name="KSO_WM_BEAUTIFY_FLAG" val="#wm#"/>
+  <p:tag name="KSO_WM_TEMPLATE_CATEGORY" val="custom"/>
+  <p:tag name="KSO_WM_TEMPLATE_INDEX" val="20205081"/>
+</p:tagLst>
+</file>
+
+<file path=ppt/tags/tag86.xml><?xml version="1.0" encoding="utf-8"?>
+<p:tagLst xmlns:p="http://schemas.openxmlformats.org/presentationml/2006/main">
   <p:tag name="KSO_WM_UNIT_ISCONTENTSTITLE" val="0"/>
   <p:tag name="KSO_WM_UNIT_ISNUMDGMTITLE" val="0"/>
   <p:tag name="KSO_WM_UNIT_PRESET_TEXT" val="空白演示"/>
@@ -8115,7 +9487,7 @@
 </p:tagLst>
 </file>
 
-<file path=ppt/tags/tag85.xml><?xml version="1.0" encoding="utf-8"?>
+<file path=ppt/tags/tag87.xml><?xml version="1.0" encoding="utf-8"?>
 <p:tagLst xmlns:p="http://schemas.openxmlformats.org/presentationml/2006/main">
   <p:tag name="KSO_WM_UNIT_ISCONTENTSTITLE" val="0"/>
   <p:tag name="KSO_WM_UNIT_ISNUMDGMTITLE" val="0"/>
@@ -8138,7 +9510,7 @@
 </p:tagLst>
 </file>
 
-<file path=ppt/tags/tag86.xml><?xml version="1.0" encoding="utf-8"?>
+<file path=ppt/tags/tag88.xml><?xml version="1.0" encoding="utf-8"?>
 <p:tagLst xmlns:p="http://schemas.openxmlformats.org/presentationml/2006/main">
   <p:tag name="KSO_WM_BEAUTIFY_FLAG" val="#wm#"/>
   <p:tag name="KSO_WM_TEMPLATE_CATEGORY" val="custom"/>
